--- a/translations/facilitator_app_malaysia/ms/ms_in_person_sessions.pptx
+++ b/translations/facilitator_app_malaysia/ms/ms_in_person_sessions.pptx
@@ -2280,7 +2280,7 @@
               </a:defRPr>
             </a:pPr>
             <a:r>
-              <a:t>Ask the parents:</a:t>
+              <a:t>Tanya kepada ibu bapa:</a:t>
             </a:r>
             <a:endParaRPr>
               <a:solidFill>
@@ -2343,7 +2343,7 @@
               </a:defRPr>
             </a:pPr>
             <a:r>
-              <a:t>(Possible answers from the parents: She says Mira’s name. She is at the same level as Mira. She is looking at Mira. She asks her what she wants to do. She allows Mira to choose the activity.)</a:t>
+              <a:t>(Jawapan yang mungkin diberikan oleh ibu bapa: Dia menyebut nama Mira. She is at the same level as Mira. She is looking at Mira. She asks her what she wants to do. She allows Mira to choose the activity.)</a:t>
             </a:r>
             <a:endParaRPr i="1">
               <a:solidFill>
@@ -2406,7 +2406,7 @@
               </a:defRPr>
             </a:pPr>
             <a:r>
-              <a:t>(Possible answers from the parents: The mother tells her she has 5 minutes to spend with her. The mother might have other things to do).</a:t>
+              <a:t>(Jawapan yang mungkin diberikan oleh ibu bapa: Ibu memberitahu dia mempunyai masa selama 5 minit untuk diluangkan bersama Mira. Ibunya mungkin ada perkara lain untuk diuruskan).</a:t>
             </a:r>
             <a:endParaRPr>
               <a:solidFill>
@@ -2438,7 +2438,7 @@
               </a:defRPr>
             </a:pPr>
             <a:r>
-              <a:t>Blocks 2 to Block 3 also show how mother allows Mira to take the lead. Ask the parents:</a:t>
+              <a:t>Blocks 2 to Block 3 also show how mother allows Mira to take the lead. Tanya kepada ibu bapa:</a:t>
             </a:r>
             <a:endParaRPr>
               <a:solidFill>
@@ -2501,7 +2501,7 @@
               </a:defRPr>
             </a:pPr>
             <a:r>
-              <a:t>(Possible answers from the parents: She is looking at Mira. She says her name).</a:t>
+              <a:t>(Jawapan yang mungkin diberikan oleh ibu bapa: Dia memandang Mira. She says her name).</a:t>
             </a:r>
             <a:endParaRPr i="1">
               <a:solidFill>
@@ -2564,7 +2564,7 @@
               </a:defRPr>
             </a:pPr>
             <a:r>
-              <a:t>(Possible answers from the parents: She allows Mira to choose the activity. She accepts Mira’s proposals. She observes what Mira is doing. She sits back and lets Mira direct what happens in One-on-One Time).</a:t>
+              <a:t>(Jawapan yang mungkin diberikan oleh ibu bapa: Dia membenarkan Mira untuk memilih aktiviti. Dia menerima cadangan Mira. She observes what Mira is doing. She sits back and lets Mira direct what happens in One-on-One Time).</a:t>
             </a:r>
             <a:endParaRPr>
               <a:solidFill>
@@ -2596,7 +2596,7 @@
               </a:defRPr>
             </a:pPr>
             <a:r>
-              <a:t>Block 3 also demonstrates how parents can use words to describe what their children are doing. Ask the parents:</a:t>
+              <a:t>Block 3 also demonstrates how parents can use words to describe what their children are doing. Tanya kepada ibu bapa:</a:t>
             </a:r>
             <a:endParaRPr>
               <a:solidFill>
@@ -2691,7 +2691,7 @@
               </a:defRPr>
             </a:pPr>
             <a:r>
-              <a:t>Block 4 (and all of the other blocks) show how children might respond to spending One-on- One Time with their parents. Ask the parents:</a:t>
+              <a:t>Block 4 (and all of the other blocks) show how children might respond to spending One-on- One Time with their parents. Tanya kepada ibu bapa:</a:t>
             </a:r>
             <a:endParaRPr>
               <a:solidFill>
@@ -2754,7 +2754,7 @@
               </a:defRPr>
             </a:pPr>
             <a:r>
-              <a:t>(Possible answers from the parents: Mira is happy. She feels loved. She feels important. She feels appreciated. She feels confident. Mira feels close to her mother).</a:t>
+              <a:t>(Jawapan yang mungkin diberikan oleh ibu bapa: Mira gembira. She feels loved. She feels important. She feels appreciated. She feels confident. Mira feels close to her mother).</a:t>
             </a:r>
           </a:p>
         </p:txBody>
@@ -4397,7 +4397,7 @@
               </a:defRPr>
             </a:pPr>
             <a:r>
-              <a:t>✏️Instructions </a:t>
+              <a:t>✏️Arahan </a:t>
             </a:r>
             <a:endParaRPr b="1">
               <a:solidFill>
@@ -5282,7 +5282,7 @@
             </a:r>
             <a:r>
               <a:rPr b="1"/>
-              <a:t>Instructions </a:t>
+              <a:t>Arahan </a:t>
             </a:r>
             <a:endParaRPr b="1">
               <a:solidFill>
@@ -5614,7 +5614,7 @@
               </a:defRPr>
             </a:pPr>
             <a:r>
-              <a:t>Give as few instructions or directions as possible.</a:t>
+              <a:t>Beri arahan atau petunjuk seminimum mungkin.</a:t>
             </a:r>
             <a:endParaRPr b="1">
               <a:solidFill>
@@ -6476,7 +6476,7 @@
             </a:r>
             <a:r>
               <a:rPr b="1"/>
-              <a:t>Instructions </a:t>
+              <a:t>Arahan </a:t>
             </a:r>
             <a:endParaRPr b="1">
               <a:solidFill>
@@ -7072,7 +7072,7 @@
               </a:defRPr>
             </a:pPr>
             <a:r>
-              <a:t>✏️Instructions</a:t>
+              <a:t>✏️Arahan</a:t>
             </a:r>
             <a:endParaRPr b="1">
               <a:solidFill>
@@ -7878,7 +7878,7 @@
             </a:r>
             <a:r>
               <a:rPr b="1"/>
-              <a:t>Instructions</a:t>
+              <a:t>Arahan</a:t>
             </a:r>
             <a:endParaRPr b="1">
               <a:solidFill>
@@ -12139,7 +12139,7 @@
               </a:defRPr>
             </a:pPr>
             <a:r>
-              <a:t>Just like Taking a Pause, you can pause for about 5 seconds at each [Pause] in the text. It is helpful to follow your own instructions during the pause.</a:t>
+              <a:t>Just like Taking a Pause, you can pause for about 5 seconds at each [Pause] in the text. Semasa berhenti, ia mungkin membantu jika anda mengikut arahan anda sendiri.</a:t>
             </a:r>
             <a:endParaRPr>
               <a:solidFill>
@@ -13569,7 +13569,7 @@
             </a:r>
             <a:r>
               <a:rPr b="1"/>
-              <a:t>Instructions </a:t>
+              <a:t>Arahan </a:t>
             </a:r>
             <a:endParaRPr b="1">
               <a:solidFill>
@@ -17131,7 +17131,7 @@
               </a:defRPr>
             </a:pPr>
             <a:r>
-              <a:t>✏️Instructions </a:t>
+              <a:t>✏️Arahan </a:t>
             </a:r>
             <a:endParaRPr b="1">
               <a:solidFill>
@@ -17227,7 +17227,7 @@
               </a:defRPr>
             </a:pPr>
             <a:r>
-              <a:t>Give participants the following instructions:</a:t>
+              <a:t>Berikan peserta arahan yang berikut:</a:t>
             </a:r>
             <a:endParaRPr>
               <a:solidFill>
@@ -17497,7 +17497,7 @@
               </a:defRPr>
             </a:pPr>
             <a:r>
-              <a:t>Text, images, and video</a:t>
+              <a:t>Teks, imej, dan video</a:t>
             </a:r>
             <a:endParaRPr>
               <a:solidFill>
@@ -17528,7 +17528,7 @@
               </a:defRPr>
             </a:pPr>
             <a:r>
-              <a:t>Text, images, and audio</a:t>
+              <a:t>Teks, imej, dan audio</a:t>
             </a:r>
             <a:endParaRPr>
               <a:solidFill>
@@ -17559,7 +17559,7 @@
               </a:defRPr>
             </a:pPr>
             <a:r>
-              <a:t>Text and images only</a:t>
+              <a:t>Teks dan imej sahaja</a:t>
             </a:r>
             <a:endParaRPr>
               <a:solidFill>
@@ -29485,7 +29485,7 @@
               </a:defRPr>
             </a:pPr>
             <a:r>
-              <a:t>Give as few instructions or directions as possible.</a:t>
+              <a:t>Beri arahan atau petunjuk seminimum mungkin.</a:t>
             </a:r>
             <a:endParaRPr sz="1100">
               <a:solidFill>
@@ -41075,7 +41075,7 @@
               </a:defRPr>
             </a:pPr>
             <a:r>
-              <a:t>Text, images, and video</a:t>
+              <a:t>Teks, imej, dan video</a:t>
             </a:r>
             <a:endParaRPr sz="1500">
               <a:solidFill>
@@ -41106,7 +41106,7 @@
               </a:defRPr>
             </a:pPr>
             <a:r>
-              <a:t>Text, images, and audio</a:t>
+              <a:t>Teks, imej, dan audio</a:t>
             </a:r>
             <a:endParaRPr sz="1500">
               <a:solidFill>
@@ -41137,7 +41137,7 @@
               </a:defRPr>
             </a:pPr>
             <a:r>
-              <a:t>Text and images only</a:t>
+              <a:t>Teks dan imej sahaja</a:t>
             </a:r>
             <a:endParaRPr sz="800">
               <a:solidFill>

--- a/translations/facilitator_app_malaysia/ms/ms_in_person_sessions.pptx
+++ b/translations/facilitator_app_malaysia/ms/ms_in_person_sessions.pptx
@@ -2061,7 +2061,7 @@
               </a:defRPr>
             </a:pPr>
             <a:r>
-              <a:t>Get down to your child’s level</a:t>
+              <a:t>Melutut separas dengan anak anda</a:t>
             </a:r>
             <a:endParaRPr>
               <a:solidFill>
@@ -2564,7 +2564,7 @@
               </a:defRPr>
             </a:pPr>
             <a:r>
-              <a:t>(Jawapan yang mungkin diberikan oleh ibu bapa: Dia membenarkan Mira untuk memilih aktiviti. Dia menerima cadangan Mira. She observes what Mira is doing. She sits back and lets Mira direct what happens in One-on-One Time).</a:t>
+              <a:t>(Jawapan yang mungkin diberikan oleh ibu bapa: Dia membenarkan Mira untuk memilih aktiviti. Dia menerima cadangan Mira. Dia memerhatikan perbuatan Mira. She sits back and lets Mira direct what happens in One-on-One Time).</a:t>
             </a:r>
             <a:endParaRPr>
               <a:solidFill>
@@ -8004,7 +8004,7 @@
               </a:defRPr>
             </a:pPr>
             <a:r>
-              <a:t>Step 2: Becoming Aware</a:t>
+              <a:t>Langkah 2: Menjadi Sedar</a:t>
             </a:r>
             <a:endParaRPr u="sng">
               <a:solidFill>
@@ -12327,7 +12327,7 @@
               </a:defRPr>
             </a:pPr>
             <a:r>
-              <a:t>Step 2: Becoming Aware</a:t>
+              <a:t>Langkah 2: Menjadi Sedar</a:t>
             </a:r>
             <a:endParaRPr u="sng">
               <a:solidFill>

--- a/translations/facilitator_app_malaysia/ms/ms_in_person_sessions.pptx
+++ b/translations/facilitator_app_malaysia/ms/ms_in_person_sessions.pptx
@@ -300,21 +300,21 @@
 <p:cmLst xmlns:a="http://schemas.openxmlformats.org/drawingml/2006/main" xmlns:r="http://schemas.openxmlformats.org/officeDocument/2006/relationships" xmlns:mc="http://schemas.openxmlformats.org/markup-compatibility/2006" xmlns:mv="urn:schemas-microsoft-com:mac:vml" xmlns:p="http://schemas.openxmlformats.org/presentationml/2006/main" xmlns:c="http://schemas.openxmlformats.org/drawingml/2006/chart" xmlns:dgm="http://schemas.openxmlformats.org/drawingml/2006/diagram" xmlns:o="urn:schemas-microsoft-com:office:office" xmlns:v="urn:schemas-microsoft-com:vml" xmlns:pvml="urn:schemas-microsoft-com:office:powerpoint" xmlns:com="http://schemas.openxmlformats.org/drawingml/2006/compatibility" xmlns:p14="http://schemas.microsoft.com/office/powerpoint/2010/main" xmlns:p15="http://schemas.microsoft.com/office/powerpoint/2012/main" xmlns:ahyp="http://schemas.microsoft.com/office/drawing/2018/hyperlinkcolor">
   <p:cm authorId="0" idx="1" dt="2023-10-03T06:21:14.802">
     <p:pos x="180" y="1515"/>
-    <p:text>@durgesh@parentingforlifelonghealth.org 
-We noticed that we have different versions of goals in other documents..maybe we can choose the best version and use only that consistently
-Version 1 (Faci Manual)
-Objectives: To help sustain nurturing, happy, healthy and supportive families. 
-Version 2 (Faci Manual)
-To provide parents with the skills to promote healthy child development, learning, and wellbeing. 
-Version 3 (Concept Note MOH)
-1. Fostering Relationship Building
-2. Promoting Positive Reinforcement
-3. Alleviating Parental Stress
-Version 4 (Slide)
-1. Build open, caring, and trusting relationships between caregivers and children.
-2. Support healthy and positive relations to keep children safe and support their development.
-3. Promote positive skills for parents to help them teach their children responsible and respectful behavior and instil parenting values
-_Reassigned to Durgesh Rajandiran_</p:text>
+    <p:text>@durgesh@parentingforlifelonghealth.org
+Kami mendapati bahawa kami mempunyai versi matlamat yang berbeza dalam dokumen lain..mungkin kami boleh memilih versi terbaik dan menggunakannya secara konsisten sahaja
+Versi 1 (Manual Faci)
+Objektif: Untuk membantu mengekalkan keluarga yang memupuk, bahagia, sihat dan menyokong
+Versi 2 (Manual Faci)
+Untuk menyediakan ibu bapa dengan kemahiran untuk menggalakkan perkembangan, pembelajaran dan kesejahteraan kanak-kanak yang sihat
+Versi 3 (Nota Konsep KKM)
+1. Memupuk Pembinaan Perhubungan
+2. Menggalakkan Pengukuhan Positif
+3. Mengurangkan Tekanan Ibu Bapa
+Versi 4 (Slaid)
+1. Bina hubungan terbuka, penyayang, dan percaya antara penjaga dan kanak-kanak.
+2. Sokong hubungan yang sihat dan positif untuk memastikan kanak-kanak selamat dan menyokong perkembangan mereka.
+3. Menggalakkan kemahiran positif untuk ibu bapa untuk membantu mereka mengajar anak-anak mereka tingkah laku yang bertanggungjawab dan hormat serta menyemai nilai keibubapaan
+_Ditugaskan semula kepada Durgesh Rajandiran_</p:text>
     <p:extLst>
       <p:ext uri="{C676402C-5697-4E1C-873F-D02D1690AC5C}">
         <p15:threadingInfo timeZoneBias="0"/>
@@ -326,7 +326,7 @@
   </p:cm>
   <p:cm authorId="1" idx="1" dt="2023-10-03T06:21:14.802">
     <p:pos x="180" y="1515"/>
-    <p:text>Let me know which version you would prefer. Generally, the goals for documents for parents have simplified language compared to other documents (for eg, for MOH).</p:text>
+    <p:text>Beritahu saya versi yang anda suka. Secara amnya, matlamat untuk dokumen untuk ibu bapa telah dipermudahkan bahasa berbanding dengan dokumen lain (contohnya, untuk KKM).</p:text>
     <p:extLst>
       <p:ext uri="{C676402C-5697-4E1C-873F-D02D1690AC5C}">
         <p15:threadingInfo timeZoneBias="0">
@@ -1012,7 +1012,7 @@
               <a:buNone/>
             </a:pPr>
             <a:r>
-              <a:t>Opening slide</a:t>
+              <a:t>Membuka slaid</a:t>
             </a:r>
           </a:p>
         </p:txBody>
@@ -1092,7 +1092,7 @@
               </a:defRPr>
             </a:pPr>
             <a:r>
-              <a:t>4. User information</a:t>
+              <a:t>4. Maklumat pengguna</a:t>
             </a:r>
             <a:endParaRPr b="1">
               <a:solidFill>
@@ -1124,7 +1124,7 @@
               </a:defRPr>
             </a:pPr>
             <a:r>
-              <a:t>Tell participants to follow the ParentText prompts. ParentText will ask them to:</a:t>
+              <a:t>Beritahu peserta untuk mengikuti gesaan ParentText. ParentText akan meminta mereka untuk:</a:t>
             </a:r>
             <a:endParaRPr>
               <a:solidFill>
@@ -1155,7 +1155,7 @@
               </a:defRPr>
             </a:pPr>
             <a:r>
-              <a:t>Answer short questions about yourself and your family so ParentText can send tailored content (child name, age, gender, and caregiver relationship status)  </a:t>
+              <a:t>Jawab soalan ringkas tentang diri anda dan keluarga anda supaya ParentText boleh menghantar kandungan yang disesuaikan (nama anak, umur, jantina dan status perhubungan penjaga)  </a:t>
             </a:r>
             <a:endParaRPr>
               <a:solidFill>
@@ -1187,7 +1187,7 @@
               </a:defRPr>
             </a:pPr>
             <a:r>
-              <a:t>5. Taking a pause</a:t>
+              <a:t>5. Berhenti seketika</a:t>
             </a:r>
             <a:endParaRPr b="1">
               <a:solidFill>
@@ -1219,7 +1219,7 @@
               </a:defRPr>
             </a:pPr>
             <a:r>
-              <a:t>Taking a pause is a short relaxation exercise that participants can use whenever they feel stressed or angry. This is a great parenting tool and life skill. </a:t>
+              <a:t>Berhenti seketika ialah latihan relaksasi singkat yang boleh digunakan oleh peserta apabila mereka berasa tertekan atau marah. Ini adalah alat keibubapaan dan kemahiran hidup yang hebat. </a:t>
             </a:r>
             <a:endParaRPr>
               <a:solidFill>
@@ -1251,7 +1251,7 @@
               </a:defRPr>
             </a:pPr>
             <a:r>
-              <a:t>Tell participants to follow the ParentText prompts. ParentText will ask them to:</a:t>
+              <a:t>Beritahu peserta untuk mengikuti gesaan ParentText. ParentText akan meminta mereka untuk:</a:t>
             </a:r>
             <a:endParaRPr>
               <a:solidFill>
@@ -1282,7 +1282,7 @@
               </a:defRPr>
             </a:pPr>
             <a:r>
-              <a:t>Do the Take a Pause exercise.</a:t>
+              <a:t>Lakukan senaman Ambil Jeda.</a:t>
             </a:r>
             <a:endParaRPr>
               <a:solidFill>
@@ -1314,7 +1314,7 @@
               </a:defRPr>
             </a:pPr>
             <a:r>
-              <a:t>6. Select first goal and go through first skill </a:t>
+              <a:t>6. Pilih matlamat pertama dan lalui kemahiran pertama </a:t>
             </a:r>
             <a:endParaRPr b="1">
               <a:solidFill>
@@ -1346,7 +1346,7 @@
               </a:defRPr>
             </a:pPr>
             <a:r>
-              <a:t>Participants are now ready to start their first Goal in  ParentText. </a:t>
+              <a:t>Peserta kini bersedia untuk memulakan Matlamat pertama mereka dalam ParentText. </a:t>
             </a:r>
             <a:endParaRPr>
               <a:solidFill>
@@ -1378,7 +1378,7 @@
               </a:defRPr>
             </a:pPr>
             <a:r>
-              <a:t>Tell participants to follow the ParentText prompts. ParentText will ask them to:</a:t>
+              <a:t>Beritahu peserta untuk mengikuti gesaan ParentText. ParentText akan meminta mereka untuk:</a:t>
             </a:r>
             <a:endParaRPr b="1">
               <a:solidFill>
@@ -1409,7 +1409,7 @@
               </a:defRPr>
             </a:pPr>
             <a:r>
-              <a:t>Start Goal 1 (“Improve My Relationship with My Child”). </a:t>
+              <a:t>Mulakan Matlamat 1 (“Tingkatkan Hubungan Saya dengan Anak Saya”). </a:t>
             </a:r>
             <a:endParaRPr>
               <a:solidFill>
@@ -1441,7 +1441,7 @@
               </a:defRPr>
             </a:pPr>
             <a:r>
-              <a:t>For the onboarding session all participants will work on Goal 1 so they can share their experiences and questions. After having completed this first goal, parents can complete any goal they like. </a:t>
+              <a:t>Untuk sesi onboarding semua peserta akan mengusahakan Matlamat 1 supaya mereka boleh berkongsi pengalaman dan soalan mereka. Selepas melengkapkan matlamat pertama ini, ibu bapa boleh melengkapkan sebarang matlamat yang mereka suka. </a:t>
             </a:r>
             <a:endParaRPr>
               <a:solidFill>
@@ -1473,7 +1473,7 @@
               </a:defRPr>
             </a:pPr>
             <a:r>
-              <a:t>If a participant has selected a different Goal, tell them to type MENU and guide them on how they can change their goal: MENU &gt; Track my progress &gt; View Goals to Start &gt; Start a new goal and leave my current goal incomplete.</a:t>
+              <a:t>Jika peserta telah memilih Matlamat yang berbeza, beritahu mereka untuk menaip MENU dan bimbing mereka tentang cara mereka boleh menukar matlamat mereka: MENU &gt; Jejaki kemajuan saya &gt; Lihat Matlamat untuk Mula &gt; Mulakan matlamat baharu dan biarkan matlamat semasa saya tidak lengkap.</a:t>
             </a:r>
             <a:endParaRPr>
               <a:solidFill>
@@ -1504,7 +1504,7 @@
               </a:defRPr>
             </a:pPr>
             <a:r>
-              <a:t>Complete the first 5-minute Skill (“Spending One-on-One Time with My Child”) within this Goal.</a:t>
+              <a:t>Lengkapkan Kemahiran 5 minit pertama (“Menghabiskan Masa Satu-satu-Satu dengan Anak Saya”) dalam Matlamat ini.</a:t>
             </a:r>
             <a:endParaRPr>
               <a:solidFill>
@@ -1536,7 +1536,7 @@
               </a:defRPr>
             </a:pPr>
             <a:r>
-              <a:t>Tell participants that ParentText will remind them to do their next Skill tomorrow (and daily afterwards until they have completed the programme).</a:t>
+              <a:t>Beritahu peserta bahawa ParentText akan mengingatkan mereka untuk melakukan Kemahiran seterusnya esok (dan setiap hari selepas itu sehingga mereka menyelesaikan program).</a:t>
             </a:r>
             <a:endParaRPr>
               <a:solidFill>
@@ -1568,7 +1568,7 @@
               </a:defRPr>
             </a:pPr>
             <a:r>
-              <a:t>Ask participants if they have any questions after completing Goal 1. You can prompt them by asking the following:</a:t>
+              <a:t>Tanya peserta jika mereka mempunyai sebarang soalan selepas melengkapkan Matlamat 1. You can prompt them by asking the following:</a:t>
             </a:r>
             <a:endParaRPr b="1">
               <a:solidFill>
@@ -3004,7 +3004,7 @@
               </a:defRPr>
             </a:pPr>
             <a:r>
-              <a:t>Write down parents’ ideas, and praise them for sharing. </a:t>
+              <a:t>Tulis idea ibu bapa, dan puji mereka kerana berkongsi.</a:t>
             </a:r>
             <a:endParaRPr b="1">
               <a:solidFill>
@@ -3036,7 +3036,7 @@
               </a:defRPr>
             </a:pPr>
             <a:r>
-              <a:t>Here are some benefits of spending one-on-one time with your child: </a:t>
+              <a:t>Berikut ialah beberapa faedah meluangkan masa satu sama satu dengan anak anda:</a:t>
             </a:r>
             <a:endParaRPr b="1">
               <a:solidFill>
@@ -3067,7 +3067,7 @@
               </a:defRPr>
             </a:pPr>
             <a:r>
-              <a:t>Children feel that they are valuable and loved.</a:t>
+              <a:t>Kanak-kanak berasa bahawa mereka berharga dan disayangi.</a:t>
             </a:r>
             <a:endParaRPr>
               <a:solidFill>
@@ -3098,7 +3098,7 @@
               </a:defRPr>
             </a:pPr>
             <a:r>
-              <a:t>Shows your child that you think that what they are doing is important.</a:t>
+              <a:t>Tunjukkan kepada anak anda bahawa anda berfikir bahawa apa yang mereka lakukan adalah penting.</a:t>
             </a:r>
             <a:endParaRPr>
               <a:solidFill>
@@ -3129,7 +3129,7 @@
               </a:defRPr>
             </a:pPr>
             <a:r>
-              <a:t>Helps children feel safe and secure.</a:t>
+              <a:t>Membantu kanak-kanak berasa selamat dan selamat.</a:t>
             </a:r>
             <a:endParaRPr>
               <a:solidFill>
@@ -3160,7 +3160,7 @@
               </a:defRPr>
             </a:pPr>
             <a:r>
-              <a:t>Builds language and observation skills.</a:t>
+              <a:t>Membina kemahiran bahasa dan pemerhatian.</a:t>
             </a:r>
             <a:endParaRPr>
               <a:solidFill>
@@ -3191,7 +3191,7 @@
               </a:defRPr>
             </a:pPr>
             <a:r>
-              <a:t>Builds learning skills and problem-solving.</a:t>
+              <a:t>Membina kemahiran belajar dan menyelesaikan masalah.</a:t>
             </a:r>
             <a:endParaRPr>
               <a:solidFill>
@@ -3222,7 +3222,7 @@
               </a:defRPr>
             </a:pPr>
             <a:r>
-              <a:t>Increases trust and improves communication with you and your child.</a:t>
+              <a:t>Meningkatkan kepercayaan dan meningkatkan komunikasi dengan anda dan anak anda.</a:t>
             </a:r>
             <a:endParaRPr>
               <a:solidFill>
@@ -3253,7 +3253,7 @@
               </a:defRPr>
             </a:pPr>
             <a:r>
-              <a:t>Helps children develop and explore the world.</a:t>
+              <a:t>Membantu kanak-kanak mengembangkan dan meneroka dunia.</a:t>
             </a:r>
             <a:endParaRPr>
               <a:solidFill>
@@ -3284,7 +3284,7 @@
               </a:defRPr>
             </a:pPr>
             <a:r>
-              <a:t>Shows your child that you are present and focused on what the child is doing.</a:t>
+              <a:t>Tunjukkan kepada anak anda bahawa anda hadir dan fokus pada apa yang dilakukan oleh kanak-kanak itu.</a:t>
             </a:r>
             <a:endParaRPr>
               <a:solidFill>
@@ -3315,7 +3315,7 @@
               </a:defRPr>
             </a:pPr>
             <a:r>
-              <a:t>Children become more willing to help around the house.</a:t>
+              <a:t>Kanak-kanak menjadi lebih bersedia untuk membantu di sekitar rumah.</a:t>
             </a:r>
             <a:endParaRPr>
               <a:solidFill>
@@ -3346,7 +3346,7 @@
               </a:defRPr>
             </a:pPr>
             <a:r>
-              <a:t>Parents/caregivers feel like their hard work in the house is more valued.</a:t>
+              <a:t>Ibu bapa/penjaga rasa kerja keras mereka di rumah lebih dihargai.</a:t>
             </a:r>
             <a:endParaRPr>
               <a:solidFill>
@@ -3377,7 +3377,7 @@
               </a:defRPr>
             </a:pPr>
             <a:r>
-              <a:t>Listening carefully to children and valuing their ideas encourages them to think for themselves and take the lead.</a:t>
+              <a:t>Mendengar dengan teliti kanak-kanak dan menghargai idea mereka menggalakkan mereka berfikir sendiri dan memimpin.</a:t>
             </a:r>
             <a:endParaRPr>
               <a:solidFill>
@@ -3408,7 +3408,7 @@
               </a:defRPr>
             </a:pPr>
             <a:r>
-              <a:t>Gives you a chance to learn a lot about your child's interests and abilities.</a:t>
+              <a:t>Memberi anda peluang untuk belajar banyak tentang minat dan kebolehan anak anda.</a:t>
             </a:r>
             <a:endParaRPr>
               <a:solidFill>
@@ -3454,7 +3454,7 @@
               </a:defRPr>
             </a:pPr>
             <a:r>
-              <a:t>Note: </a:t>
+              <a:t>Catatan:</a:t>
             </a:r>
             <a:endParaRPr>
               <a:solidFill>
@@ -3486,7 +3486,7 @@
               </a:defRPr>
             </a:pPr>
             <a:r>
-              <a:t>The list above is just a suggestion. It is okay if they do not identify all of them. They may also provide other reasons about why spending One-on-One time with children would help improve their behaviour and development. This is wonderful!!</a:t>
+              <a:t>Senarai di atas hanyalah cadangan. Tidak mengapa jika mereka tidak mengenal pasti kesemuanya. Mereka juga mungkin memberikan sebab lain tentang sebab meluangkan masa Satu-satu dengan kanak-kanak akan membantu meningkatkan tingkah laku dan perkembangan mereka. Ini sangat menarik!!</a:t>
             </a:r>
             <a:endParaRPr>
               <a:solidFill>
@@ -3635,7 +3635,7 @@
               </a:defRPr>
             </a:pPr>
             <a:r>
-              <a:t>Ask parents to think of activities that they could do with their child. These could be things that they know their child likes to do.</a:t>
+              <a:t>Minta ibu bapa memikirkan aktiviti yang boleh mereka lakukan bersama anak mereka. Ini mungkin perkara yang mereka tahu anak mereka suka lakukan.</a:t>
             </a:r>
             <a:endParaRPr>
               <a:solidFill>
@@ -3667,7 +3667,7 @@
               </a:defRPr>
             </a:pPr>
             <a:r>
-              <a:t>Allow parents to first share in pairs. Each pair should come up with at at least 3 different activities that they can do with their children.</a:t>
+              <a:t>Benarkan ibu bapa berkongsi secara berpasangan terlebih dahulu. Setiap pasangan harus membuat sekurang-kurangnya 3 aktiviti berbeza yang boleh mereka lakukan bersama anak-anak mereka.</a:t>
             </a:r>
             <a:endParaRPr>
               <a:solidFill>
@@ -3699,7 +3699,7 @@
               </a:defRPr>
             </a:pPr>
             <a:r>
-              <a:t>Allow parents to talk in pairs for about a minute or two. Then share in a big group.</a:t>
+              <a:t>Benarkan ibu bapa bercakap secara berpasangan selama kira-kira satu atau dua minit. Kemudian kongsi dalam kumpulan besar.</a:t>
             </a:r>
             <a:endParaRPr>
               <a:solidFill>
@@ -3731,7 +3731,7 @@
               </a:defRPr>
             </a:pPr>
             <a:r>
-              <a:t>Write the suggestions on the flipchart!</a:t>
+              <a:t>Tulis cadangan pada flipchart!</a:t>
             </a:r>
             <a:endParaRPr>
               <a:solidFill>
@@ -3763,7 +3763,7 @@
               </a:defRPr>
             </a:pPr>
             <a:r>
-              <a:t>Possible activities may include:</a:t>
+              <a:t>Aktiviti yang mungkin termasuk:</a:t>
             </a:r>
             <a:endParaRPr b="1">
               <a:solidFill>
@@ -3794,7 +3794,7 @@
               </a:defRPr>
             </a:pPr>
             <a:r>
-              <a:t>Playing with a ball or doll if the child has one</a:t>
+              <a:t>Bermain dengan bola atau anak patung jika kanak-kanak mempunyai satu</a:t>
             </a:r>
             <a:endParaRPr>
               <a:solidFill>
@@ -3825,7 +3825,7 @@
               </a:defRPr>
             </a:pPr>
             <a:r>
-              <a:t>Dressing up in fun clothes or in adult clothes</a:t>
+              <a:t>Berdandan dengan pakaian yang menyeronokkan atau dalam pakaian dewasa</a:t>
             </a:r>
             <a:endParaRPr>
               <a:solidFill>
@@ -3856,7 +3856,7 @@
               </a:defRPr>
             </a:pPr>
             <a:r>
-              <a:t>Hide and seek – outside</a:t>
+              <a:t>Sembunyi dan cari – di luar</a:t>
             </a:r>
             <a:endParaRPr>
               <a:solidFill>
@@ -3887,7 +3887,7 @@
               </a:defRPr>
             </a:pPr>
             <a:r>
-              <a:t>Shopping game in the house</a:t>
+              <a:t>Permainan membeli-belah di dalam rumah</a:t>
             </a:r>
             <a:endParaRPr>
               <a:solidFill>
@@ -3918,7 +3918,7 @@
               </a:defRPr>
             </a:pPr>
             <a:r>
-              <a:t>Jigsaw puzzles</a:t>
+              <a:t>Teka-teki jigsaw</a:t>
             </a:r>
             <a:endParaRPr>
               <a:solidFill>
@@ -3949,7 +3949,7 @@
               </a:defRPr>
             </a:pPr>
             <a:r>
-              <a:t>Singing a song together</a:t>
+              <a:t>Menyanyi lagu bersama</a:t>
             </a:r>
             <a:endParaRPr>
               <a:solidFill>
@@ -3980,7 +3980,7 @@
               </a:defRPr>
             </a:pPr>
             <a:r>
-              <a:t>Telling a story</a:t>
+              <a:t>Bercerita</a:t>
             </a:r>
             <a:endParaRPr>
               <a:solidFill>
@@ -4011,7 +4011,7 @@
               </a:defRPr>
             </a:pPr>
             <a:r>
-              <a:t>Encouraging the child to tell a story</a:t>
+              <a:t>Menggalakkan kanak-kanak bercerita</a:t>
             </a:r>
             <a:endParaRPr>
               <a:solidFill>
@@ -4042,7 +4042,7 @@
               </a:defRPr>
             </a:pPr>
             <a:r>
-              <a:t>Doing the laundry together</a:t>
+              <a:t>Mencuci pakaian bersama-sama</a:t>
             </a:r>
             <a:endParaRPr>
               <a:solidFill>
@@ -4187,7 +4187,7 @@
               </a:defRPr>
             </a:pPr>
             <a:r>
-              <a:t>DAY, PLAY, and STAY </a:t>
+              <a:t>HARI, BERMAIN dan MENGINAP</a:t>
             </a:r>
             <a:endParaRPr b="1">
               <a:solidFill>
@@ -4219,7 +4219,7 @@
               </a:defRPr>
             </a:pPr>
             <a:r>
-              <a:t>This is the first group practice when parents practise what they will be asked to do during Home Activities.</a:t>
+              <a:t>Ini adalah latihan kumpulan pertama apabila ibu bapa mempraktikkan perkara yang akan diminta mereka lakukan semasa Aktiviti Rumah.</a:t>
             </a:r>
             <a:endParaRPr>
               <a:solidFill>
@@ -4251,7 +4251,7 @@
               </a:defRPr>
             </a:pPr>
             <a:r>
-              <a:t>Group Practices allow parents to try out their home activities in the safe environment of the group. Parents/caregivers also have the opportunity to act in roles as “parents” and “children.”</a:t>
+              <a:t>Amalan Kumpulan membolehkan ibu bapa mencuba aktiviti rumah mereka dalam persekitaran selamat kumpulan. Ibu bapa/penjaga juga mempunyai peluang untuk bertindak sebagai "ibu bapa" dan "anak-anak."</a:t>
             </a:r>
             <a:endParaRPr>
               <a:solidFill>
@@ -4279,7 +4279,7 @@
               </a:defRPr>
             </a:pPr>
             <a:r>
-              <a:t>Being the child in a practice helps parents see the world through their child’s eyes.</a:t>
+              <a:t>Menjadi anak dalam amalan membantu ibu bapa melihat dunia melalui mata anak mereka.</a:t>
             </a:r>
             <a:endParaRPr>
               <a:solidFill>
@@ -4324,7 +4324,7 @@
               </a:defRPr>
             </a:pPr>
             <a:r>
-              <a:t>🔍Spotlighting Accessibility</a:t>
+              <a:t>🔍Kebolehcapaian Penonjolan</a:t>
             </a:r>
             <a:endParaRPr b="1">
               <a:solidFill>
@@ -4369,7 +4369,7 @@
               </a:defRPr>
             </a:pPr>
             <a:r>
-              <a:t>If any of the parents has a child with disabilities, make sure the group practice includes a child with disabilities.</a:t>
+              <a:t>Jika mana-mana ibu bapa mempunyai anak kurang upaya, pastikan amalan kumpulan termasuk kanak-kanak kurang upaya.</a:t>
             </a:r>
             <a:endParaRPr b="1">
               <a:solidFill>
@@ -4425,7 +4425,7 @@
               </a:defRPr>
             </a:pPr>
             <a:r>
-              <a:t>Format for leading the group practice: </a:t>
+              <a:t>Format untuk mengetuai latihan kumpulan:</a:t>
             </a:r>
             <a:endParaRPr b="1">
               <a:solidFill>
@@ -4456,7 +4456,7 @@
               </a:defRPr>
             </a:pPr>
             <a:r>
-              <a:t>Introduction</a:t>
+              <a:t>pengenalan</a:t>
             </a:r>
             <a:endParaRPr>
               <a:solidFill>
@@ -4487,7 +4487,7 @@
               </a:defRPr>
             </a:pPr>
             <a:r>
-              <a:t>Introduce that parents are now going to practise allowing their children to take the lead and saying what they see during One-on- One Time.</a:t>
+              <a:t>Perkenalkan bahawa ibu bapa kini akan berlatih membenarkan anak-anak mereka memimpin dan mengatakan perkara yang mereka lihat semasa Satu-satu-Satu Masa.</a:t>
             </a:r>
             <a:endParaRPr>
               <a:solidFill>
@@ -4518,7 +4518,7 @@
               </a:defRPr>
             </a:pPr>
             <a:r>
-              <a:t>Explain that practising now will make it easier to do the activities at home, especially since Letting Your Child Lead and Say What You See are new skills.</a:t>
+              <a:t>Jelaskan bahawa berlatih sekarang akan memudahkan untuk melakukan aktiviti di rumah, terutamanya kerana Membiarkan Anak Anda Memimpin dan Berkata Apa yang Anda Lihat adalah kemahiran baharu.</a:t>
             </a:r>
             <a:endParaRPr>
               <a:solidFill>
@@ -4549,7 +4549,7 @@
               </a:defRPr>
             </a:pPr>
             <a:r>
-              <a:t>Explain that everyone will get a chance to practise new skills before using them at home.</a:t>
+              <a:t>Jelaskan bahawa setiap orang akan mendapat peluang untuk mempraktikkan kemahiran baharu sebelum menggunakannya di rumah.</a:t>
             </a:r>
             <a:endParaRPr>
               <a:solidFill>
@@ -4580,7 +4580,7 @@
               </a:defRPr>
             </a:pPr>
             <a:r>
-              <a:t>Group Practice</a:t>
+              <a:t>Latihan Kumpulan</a:t>
             </a:r>
             <a:endParaRPr>
               <a:solidFill>
@@ -4611,7 +4611,7 @@
               </a:defRPr>
             </a:pPr>
             <a:r>
-              <a:t>Choose a participant to be the “Parent” and another to be the “Child”.</a:t>
+              <a:t>Pilih seorang peserta untuk menjadi "Ibu bapa" dan seorang lagi untuk menjadi "Anak".</a:t>
             </a:r>
             <a:endParaRPr>
               <a:solidFill>
@@ -6006,7 +6006,7 @@
               </a:defRPr>
             </a:pPr>
             <a:r>
-              <a:t>Time with your child each day. Make sure that each parent has identified a specific</a:t>
+              <a:t>Masa dengan anak anda setiap hari. Pastikan setiap ibu bapa telah mengenal pasti yang tertentu</a:t>
             </a:r>
             <a:endParaRPr>
               <a:solidFill>
@@ -6038,7 +6038,7 @@
               </a:defRPr>
             </a:pPr>
             <a:r>
-              <a:t>goal for his/herself for One-on-One Time. Make sure they go home knowing the</a:t>
+              <a:t>matlamat untuk dirinya sendiri untuk Satu-satu Masa. Pastikan mereka pulang dengan mengetahui</a:t>
             </a:r>
             <a:endParaRPr>
               <a:solidFill>
@@ -6070,7 +6070,7 @@
               </a:defRPr>
             </a:pPr>
             <a:r>
-              <a:t>following:</a:t>
+              <a:t>berikut:</a:t>
             </a:r>
             <a:endParaRPr>
               <a:solidFill>
@@ -6101,7 +6101,7 @@
               </a:defRPr>
             </a:pPr>
             <a:r>
-              <a:t>Where will they spend One-on-One Time with their child?</a:t>
+              <a:t>Di manakah mereka akan menghabiskan Satu-satu-Satu Masa dengan anak mereka?</a:t>
             </a:r>
             <a:endParaRPr>
               <a:solidFill>
@@ -6132,7 +6132,7 @@
               </a:defRPr>
             </a:pPr>
             <a:r>
-              <a:t>When will they spend One-on-One Time with their child?</a:t>
+              <a:t>Bilakah mereka akan menghabiskan Satu-satu-Satu Masa dengan anak mereka?</a:t>
             </a:r>
             <a:endParaRPr>
               <a:solidFill>
@@ -6163,7 +6163,7 @@
               </a:defRPr>
             </a:pPr>
             <a:r>
-              <a:t>What types of activities could they do during One-on-One Time with their child?</a:t>
+              <a:t>Apakah jenis aktiviti yang boleh mereka lakukan semasa One-on-One Time bersama anak mereka?</a:t>
             </a:r>
             <a:endParaRPr>
               <a:solidFill>
@@ -6195,7 +6195,7 @@
               </a:defRPr>
             </a:pPr>
             <a:r>
-              <a:t>Write each parent’s home activity on a large piece of paper. </a:t>
+              <a:t>Tulis setiap aktiviti rumah ibu bapa pada sekeping kertas besar.</a:t>
             </a:r>
             <a:endParaRPr i="1">
               <a:solidFill>
@@ -6344,7 +6344,7 @@
             </a:r>
             <a:r>
               <a:rPr b="1"/>
-              <a:t>Overview </a:t>
+              <a:t>Ikhtisar </a:t>
             </a:r>
             <a:endParaRPr b="1">
               <a:solidFill>
@@ -6376,7 +6376,7 @@
               </a:defRPr>
             </a:pPr>
             <a:r>
-              <a:t>Reflect with parents on any specific areas of the Naungan Kasih Program that require support.</a:t>
+              <a:t>Renungkan bersama ibu bapa tentang mana-mana bidang khusus Program Naungan Kasih yang memerlukan sokongan.</a:t>
             </a:r>
             <a:endParaRPr>
               <a:solidFill>
@@ -6408,7 +6408,7 @@
               </a:defRPr>
             </a:pPr>
             <a:r>
-              <a:t>Encourage parents by using open ended questions, like, “Is there anything specific about using the ParentText chatbot that you'd like to know more about?" or "What are your initial thoughts on participating in the WhatsApp Support Groups?"</a:t>
+              <a:t>Galakkan ibu bapa dengan menggunakan soalan terbuka, seperti, "Adakah terdapat perkara khusus tentang menggunakan bot sembang ParentText yang anda ingin ketahui lebih lanjut?" atau "Apakah pendapat awal anda tentang menyertai Kumpulan Sokongan WhatsApp?"</a:t>
             </a:r>
             <a:endParaRPr>
               <a:solidFill>
@@ -6440,7 +6440,7 @@
               </a:defRPr>
             </a:pPr>
             <a:r>
-              <a:t>To respond to parents' questions, offer clear and concise information. Provide step-by-step guidance if necessary.</a:t>
+              <a:t>Untuk menjawab soalan ibu bapa, berikan maklumat yang jelas dan padat. Berikan panduan langkah demi langkah jika perlu.</a:t>
             </a:r>
             <a:endParaRPr>
               <a:solidFill>
@@ -6508,7 +6508,7 @@
               </a:defRPr>
             </a:pPr>
             <a:r>
-              <a:t>Ask the parents if they have any questions about: </a:t>
+              <a:t>Tanya ibu bapa jika mereka mempunyai sebarang soalan tentang:</a:t>
             </a:r>
             <a:endParaRPr>
               <a:solidFill>
@@ -6539,7 +6539,7 @@
               </a:defRPr>
             </a:pPr>
             <a:r>
-              <a:t>Using the ParentText Chatbot </a:t>
+              <a:t>Menggunakan ParentText Chatbot</a:t>
             </a:r>
             <a:endParaRPr>
               <a:solidFill>
@@ -6570,7 +6570,7 @@
               </a:defRPr>
             </a:pPr>
             <a:r>
-              <a:t>Participating in the WhatsApp Support Groups. Remind the participants that you would be sharing prompts for discussion later in the week. </a:t>
+              <a:t>Menyertai Kumpulan Sokongan WhatsApp. Ingatkan peserta bahawa anda akan berkongsi gesaan untuk perbincangan kemudian dalam minggu ini. </a:t>
             </a:r>
             <a:endParaRPr>
               <a:solidFill>
@@ -6601,7 +6601,7 @@
               </a:defRPr>
             </a:pPr>
             <a:r>
-              <a:t>Spending One-on-One Time with their child </a:t>
+              <a:t>Menghabiskan Masa Satu-satu dengan anak mereka</a:t>
             </a:r>
             <a:endParaRPr>
               <a:solidFill>
@@ -6632,7 +6632,7 @@
               </a:defRPr>
             </a:pPr>
             <a:r>
-              <a:t>Home Activity </a:t>
+              <a:t>Aktiviti Rumah</a:t>
             </a:r>
           </a:p>
         </p:txBody>
@@ -6756,7 +6756,7 @@
               </a:defRPr>
             </a:pPr>
             <a:r>
-              <a:t>Explain to the parents that they selected their first goal, Improve My Relationship with My Child, and completed the first skill, Spending One-on-One Time with My Child. </a:t>
+              <a:t>Terangkan kepada ibu bapa bahawa mereka memilih matlamat pertama mereka, Perbaiki Hubungan Saya dengan Anak Saya, dan menyelesaikan kemahiran pertama, Menghabiskan Masa Satu-satu dengan Anak Saya.</a:t>
             </a:r>
             <a:endParaRPr>
               <a:solidFill>
@@ -6787,7 +6787,7 @@
               </a:defRPr>
             </a:pPr>
             <a:r>
-              <a:t>In the upcoming days, ParentText will guide them through the remaining skills within this goal. Once all 5 skills are accomplished, ParentText will then prompt them to choose their next parenting goal.</a:t>
+              <a:t>Pada hari-hari yang akan datang, ParentText akan membimbing mereka melalui baki kemahiran dalam matlamat ini. Setelah semua 5 kemahiran dicapai, ParentText kemudiannya akan menggesa mereka untuk memilih matlamat keibubapaan mereka yang seterusnya.</a:t>
             </a:r>
             <a:endParaRPr>
               <a:solidFill>
@@ -6818,7 +6818,7 @@
               </a:defRPr>
             </a:pPr>
             <a:r>
-              <a:t>Ask the parents to think about which goal would they like to practice next in the Naungan Kasih </a:t>
+              <a:t>Minta ibu bapa berfikir tentang matlamat mana yang mereka ingin amalkan seterusnya dalam Naungan Kasih</a:t>
             </a:r>
             <a:endParaRPr>
               <a:solidFill>
@@ -6850,7 +6850,7 @@
               </a:defRPr>
             </a:pPr>
             <a:r>
-              <a:t>Reassure participants that it may take some time for them to realise their goals. Encourage them to continue to interact with the ParentText chatbot, participate in  WhatsApp Support Group, and do home activities!</a:t>
+              <a:t>Yakinkan peserta bahawa mungkin mengambil sedikit masa untuk mereka merealisasikan matlamat mereka. Galakkan mereka untuk terus berinteraksi dengan chatbot ParentText, menyertai Kumpulan Sokongan WhatsApp, dan melakukan aktiviti di rumah!</a:t>
             </a:r>
             <a:endParaRPr>
               <a:solidFill>
@@ -7040,7 +7040,7 @@
               </a:defRPr>
             </a:pPr>
             <a:r>
-              <a:t>Close with a goodbye activity. Allow participants to decide how they would like to end the session. This may be a prayer or a group clap.</a:t>
+              <a:t>Tutup dengan aktiviti selamat tinggal. Benarkan peserta memutuskan cara mereka ingin menamatkan sesi. Ini mungkin doa atau tepukan kumpulan.</a:t>
             </a:r>
             <a:endParaRPr>
               <a:solidFill>
@@ -7104,7 +7104,7 @@
               </a:defRPr>
             </a:pPr>
             <a:r>
-              <a:t>Remind the participants to: </a:t>
+              <a:t>Ingatkan peserta untuk:</a:t>
             </a:r>
             <a:endParaRPr>
               <a:solidFill>
@@ -7135,7 +7135,7 @@
               </a:defRPr>
             </a:pPr>
             <a:r>
-              <a:t>Complete their home activities.  </a:t>
+              <a:t>Selesaikan aktiviti rumah mereka.</a:t>
             </a:r>
             <a:endParaRPr>
               <a:solidFill>
@@ -7166,7 +7166,7 @@
               </a:defRPr>
             </a:pPr>
             <a:r>
-              <a:t>Lookout for the next ParentText module. </a:t>
+              <a:t>Cari modul ParentText seterusnya.</a:t>
             </a:r>
             <a:endParaRPr>
               <a:solidFill>
@@ -7197,7 +7197,7 @@
               </a:defRPr>
             </a:pPr>
             <a:r>
-              <a:t>Sharing their experiences and challenges on the WhatsApp Support Group. </a:t>
+              <a:t>Berkongsi pengalaman dan cabaran mereka di Kumpulan Sokongan WhatsApp.</a:t>
             </a:r>
             <a:endParaRPr>
               <a:solidFill>
@@ -7229,7 +7229,7 @@
               </a:defRPr>
             </a:pPr>
             <a:r>
-              <a:t>Thank participants for the commitment they have made to each other by coming to the group!</a:t>
+              <a:t>Terima kasih kepada peserta atas komitmen yang telah mereka buat antara satu sama lain dengan datang ke kumpulan!</a:t>
             </a:r>
           </a:p>
         </p:txBody>
@@ -7296,7 +7296,7 @@
               <a:buNone/>
             </a:pPr>
             <a:r>
-              <a:t>Start by outlining the structure of today’s workshop. The workshop begins with a warm welcome and introductions to set the tone for the day. The first session will focus on ‘Getting Started with ParentText’ where they will explore the phone functionality, onboard on ParentText, and complete the first module. After that, there is a short break to recharge. Following the break, the workshop will delve into the first skill, “Spending One-on-One time with your children”, discussing practicial strategies and activities. Finally, the workshop will wrap up with a closing session. Encourage the parents to engage throughout the workshop, ask questions, and share their experiences. </a:t>
+              <a:t>Mulakan dengan menggariskan struktur bengkel hari ini. Bengkel dimulakan dengan sambutan hangat dan perkenalan untuk menetapkan suasana hari itu. Sesi pertama akan menumpukan pada 'Bermula dengan ParentText' di mana mereka akan meneroka kefungsian telefon, onboard pada ParentText dan melengkapkan modul pertama. Selepas itu, ada rehat sebentar untuk mengecas semula. Selepas rehat, bengkel akan menyelidiki kemahiran pertama, "Menghabiskan masa Satu-satu dengan anak-anak anda", membincangkan strategi dan aktiviti praktikal. Akhir sekali, bengkel akan diakhiri dengan sesi penutup. Galakkan ibu bapa untuk melibatkan diri sepanjang bengkel, bertanya soalan, dan berkongsi pengalaman mereka. </a:t>
             </a:r>
           </a:p>
           <a:p>
@@ -7472,7 +7472,7 @@
               <a:buNone/>
             </a:pPr>
             <a:r>
-              <a:t>Opening slide</a:t>
+              <a:t>Membuka slaid</a:t>
             </a:r>
           </a:p>
         </p:txBody>
@@ -7552,7 +7552,7 @@
               </a:defRPr>
             </a:pPr>
             <a:r>
-              <a:t>Welcome each parent warmly and enthusiastically when they arrive at the session. </a:t>
+              <a:t>Mengalu-alukan setiap ibu bapa dengan mesra dan bersemangat apabila mereka tiba di sesi itu.</a:t>
             </a:r>
             <a:endParaRPr>
               <a:solidFill>
@@ -7580,7 +7580,7 @@
               </a:defRPr>
             </a:pPr>
             <a:r>
-              <a:t>When you start the session, praise the group for coming to the session and congratulate them for making it to the final group session for Naungan Kasih! </a:t>
+              <a:t>Apabila anda memulakan sesi, puji kumpulan yang datang ke sesi dan tahniah kerana berjaya ke sesi kumpulan terakhir untuk Naungan Kasih!</a:t>
             </a:r>
             <a:endParaRPr>
               <a:solidFill>
@@ -7612,7 +7612,7 @@
               </a:defRPr>
             </a:pPr>
             <a:r>
-              <a:t>Share the agenda for the closing session – the session will begin with a collaborative art activity, followed by a story and discussion on keeping the momentum going. At the end of the session, we will do a short awareness activity and receive our certificates. </a:t>
+              <a:t>Kongsi agenda untuk sesi penutup - sesi akan dimulakan dengan aktiviti seni kolaboratif, diikuti dengan cerita dan perbincangan untuk mengekalkan momentum. Pada akhir sesi, kami akan melakukan aktiviti kesedaran singkat dan menerima sijil kami. </a:t>
             </a:r>
             <a:endParaRPr>
               <a:solidFill>
@@ -7746,7 +7746,7 @@
             </a:r>
             <a:r>
               <a:rPr b="1"/>
-              <a:t>Overview </a:t>
+              <a:t>Ikhtisar </a:t>
             </a:r>
             <a:endParaRPr b="1">
               <a:solidFill>
@@ -7778,7 +7778,7 @@
               </a:defRPr>
             </a:pPr>
             <a:r>
-              <a:t>Take a Pause with the participants. You can make it brief (about a minute). </a:t>
+              <a:t>Ambil Jeda bersama peserta. Anda boleh menjadikannya ringkas (kira-kira seminit). </a:t>
             </a:r>
             <a:endParaRPr>
               <a:solidFill>
@@ -7810,7 +7810,7 @@
               </a:defRPr>
             </a:pPr>
             <a:r>
-              <a:t>Use the below text as a guide to leading parents in Taking a Pause. </a:t>
+              <a:t>Gunakan teks di bawah sebagai panduan untuk memimpin ibu bapa dalam Mengambil Jeda.</a:t>
             </a:r>
             <a:endParaRPr>
               <a:solidFill>
@@ -7842,7 +7842,7 @@
               </a:defRPr>
             </a:pPr>
             <a:r>
-              <a:t>You should pause for about 5 seconds at each [Pause] in the text. It will be more meaningful if you Take a Pause at the same time.</a:t>
+              <a:t>Anda perlu berhenti seketika selama kira-kira 5 saat pada setiap [Berhenti Seketika] dalam teks. Ia akan menjadi lebih bermakna jika anda Ambil Jeda pada masa yang sama.</a:t>
             </a:r>
             <a:endParaRPr>
               <a:solidFill>
@@ -7910,7 +7910,7 @@
               </a:defRPr>
             </a:pPr>
             <a:r>
-              <a:t>Step 1: Preparation</a:t>
+              <a:t>Langkah 1: Persediaan</a:t>
             </a:r>
             <a:endParaRPr>
               <a:solidFill>
@@ -7941,7 +7941,7 @@
               </a:defRPr>
             </a:pPr>
             <a:r>
-              <a:t>Find a comfortable sitting position, your feet flat on the floor, your hands resting in your lap. [Pause]</a:t>
+              <a:t>Cari posisi duduk yang selesa, kaki anda rata di atas lantai, tangan anda berehat di pangkuan anda. [Pause]</a:t>
             </a:r>
             <a:endParaRPr>
               <a:solidFill>
@@ -7972,7 +7972,7 @@
               </a:defRPr>
             </a:pPr>
             <a:r>
-              <a:t>Close your eyes if you feel comfortable. [Pause]</a:t>
+              <a:t>Tutup mata anda jika anda berasa selesa. [Pause]</a:t>
             </a:r>
             <a:endParaRPr>
               <a:solidFill>
@@ -9176,7 +9176,7 @@
               </a:defRPr>
             </a:pPr>
             <a:r>
-              <a:t>Participants should also be invited to think about what they thought worked well during the programme, and how the programme has impacted their lives and homes.</a:t>
+              <a:t>Peserta juga harus dijemput untuk berfikir tentang apa yang mereka fikir berkesan semasa program, dan bagaimana program ini telah memberi kesan kepada kehidupan dan rumah mereka.</a:t>
             </a:r>
             <a:endParaRPr>
               <a:solidFill>
@@ -9321,7 +9321,7 @@
               </a:defRPr>
             </a:pPr>
             <a:r>
-              <a:t>Art Activity (⏱️15 min)</a:t>
+              <a:t>Aktiviti Seni (⏱️15 min)</a:t>
             </a:r>
             <a:endParaRPr b="1" sz="1200" u="sng">
               <a:solidFill>
@@ -9352,7 +9352,7 @@
               </a:defRPr>
             </a:pPr>
             <a:r>
-              <a:t>After the reflection, distribute paper and crayons for the Art Activity. </a:t>
+              <a:t>Selepas refleksi, edarkan kertas dan krayon untuk Aktiviti Seni.</a:t>
             </a:r>
             <a:endParaRPr>
               <a:solidFill>
@@ -9383,7 +9383,7 @@
               </a:defRPr>
             </a:pPr>
             <a:r>
-              <a:t>Ask the participants to draw pictures that relate to some of the following questions:</a:t>
+              <a:t>Minta peserta melukis gambar yang berkaitan dengan beberapa soalan berikut:</a:t>
             </a:r>
             <a:endParaRPr>
               <a:solidFill>
@@ -9414,7 +9414,7 @@
               </a:defRPr>
             </a:pPr>
             <a:r>
-              <a:t> What was their relationship with their child like before the programme?</a:t>
+              <a:t>Bagaimanakah hubungan mereka dengan anak mereka sebelum program ini?</a:t>
             </a:r>
             <a:endParaRPr>
               <a:solidFill>
@@ -9445,7 +9445,7 @@
               </a:defRPr>
             </a:pPr>
             <a:r>
-              <a:t> How has the relationship changed? How have you changed? Your child? Your family?</a:t>
+              <a:t> Bagaimanakah hubungan itu berubah? Bagaimana anda berubah? Anak anda? Keluarga kamu?</a:t>
             </a:r>
             <a:endParaRPr>
               <a:solidFill>
@@ -9476,7 +9476,7 @@
               </a:defRPr>
             </a:pPr>
             <a:r>
-              <a:t>What was the most important/significant thing that you learned? Why was this significant?</a:t>
+              <a:t>Apakah perkara paling penting/penting yang anda pelajari? Mengapa ini penting?</a:t>
             </a:r>
             <a:endParaRPr>
               <a:solidFill>
@@ -9621,7 +9621,7 @@
               </a:defRPr>
             </a:pPr>
             <a:r>
-              <a:t>Sharing (⏱️30 min)</a:t>
+              <a:t>Perkongsian (⏱️30 min)</a:t>
             </a:r>
             <a:endParaRPr b="1" sz="1200" u="sng">
               <a:solidFill>
@@ -9652,7 +9652,7 @@
               </a:defRPr>
             </a:pPr>
             <a:r>
-              <a:t>Ask the participants to share their drawings in the larger group. </a:t>
+              <a:t>Minta peserta berkongsi lukisan mereka dalam kumpulan yang lebih besar.</a:t>
             </a:r>
             <a:endParaRPr>
               <a:solidFill>
@@ -9683,7 +9683,7 @@
               </a:defRPr>
             </a:pPr>
             <a:r>
-              <a:t>After each participant shares, s/he places his/her picture in the middle of the circle to show the communal vision of positive parenting. </a:t>
+              <a:t>Selepas setiap peserta berkongsi, dia meletakkan gambarnya di tengah-tengah bulatan untuk menunjukkan visi komunal keibubapaan positif.</a:t>
             </a:r>
             <a:endParaRPr>
               <a:solidFill>
@@ -9710,7 +9710,7 @@
               </a:defRPr>
             </a:pPr>
             <a:r>
-              <a:t>⭐Note</a:t>
+              <a:t>⭐Nota</a:t>
             </a:r>
             <a:endParaRPr b="1">
               <a:solidFill>
@@ -9737,7 +9737,7 @@
               </a:defRPr>
             </a:pPr>
             <a:r>
-              <a:t>Allow every participant to share but try to keep the sharing brief (1-2 minutes each).You can draw a picture and share too!</a:t>
+              <a:t>Benarkan setiap peserta berkongsi tetapi cuba pastikan perkongsian ringkas (1-2 minit setiap satu). Anda boleh melukis gambar dan berkongsi juga!</a:t>
             </a:r>
             <a:endParaRPr b="1">
               <a:solidFill>
@@ -9871,7 +9871,7 @@
             </a:r>
             <a:r>
               <a:rPr b="1"/>
-              <a:t>Overview </a:t>
+              <a:t>Ikhtisar </a:t>
             </a:r>
             <a:endParaRPr b="1">
               <a:solidFill>
@@ -9903,7 +9903,7 @@
               </a:defRPr>
             </a:pPr>
             <a:r>
-              <a:t>At this point in the session, the focus shifts to the future. The programme ending can be a very emotional time for parents.</a:t>
+              <a:t>Pada ketika ini dalam sesi, tumpuan beralih ke masa hadapan. Pengakhiran program boleh menjadi masa yang sangat emosional untuk ibu bapa.</a:t>
             </a:r>
             <a:endParaRPr>
               <a:solidFill>
@@ -9935,7 +9935,7 @@
               </a:defRPr>
             </a:pPr>
             <a:r>
-              <a:t>Many may feel anxiety about the next chapter in their lives. It is important to provide parents with some support and encouragement.</a:t>
+              <a:t>Ramai yang mungkin berasa bimbang tentang bab seterusnya dalam hidup mereka. Adalah penting untuk menyediakan ibu bapa dengan sedikit sokongan dan galakan.</a:t>
             </a:r>
             <a:endParaRPr>
               <a:solidFill>
@@ -9967,7 +9967,7 @@
               </a:defRPr>
             </a:pPr>
             <a:r>
-              <a:t>The next activities help parents identify ways of continuing to support one another.</a:t>
+              <a:t>Aktiviti seterusnya membantu ibu bapa mengenal pasti cara untuk terus menyokong antara satu sama lain.</a:t>
             </a:r>
             <a:endParaRPr>
               <a:solidFill>
@@ -9999,7 +9999,7 @@
               </a:defRPr>
             </a:pPr>
             <a:r>
-              <a:t>“Stone Soup” is a story about community building that is shared with the parents to help them take ownership of their own skills, knowledge, and wisdom.</a:t>
+              <a:t>"Stone Soup" ialah cerita tentang pembinaan komuniti yang dikongsi dengan ibu bapa untuk membantu mereka menguasai kemahiran, pengetahuan dan kebijaksanaan mereka sendiri.</a:t>
             </a:r>
             <a:endParaRPr>
               <a:solidFill>
@@ -10035,7 +10035,7 @@
             </a:r>
             <a:r>
               <a:rPr b="1"/>
-              <a:t>Instruction </a:t>
+              <a:t>Arahan </a:t>
             </a:r>
             <a:endParaRPr b="1">
               <a:solidFill>
@@ -10067,7 +10067,7 @@
               </a:defRPr>
             </a:pPr>
             <a:r>
-              <a:t>Recite the following story:</a:t>
+              <a:t>Bacalah kisah berikut:</a:t>
             </a:r>
             <a:endParaRPr>
               <a:solidFill>
@@ -10100,10 +10100,10 @@
             </a:pPr>
             <a:r>
               <a:rPr b="1"/>
-              <a:t>Stone Soup - </a:t>
-            </a:r>
-            <a:r>
-              <a:t>(traditional tale as narrated by Jamie McLaren Lachman)</a:t>
+              <a:t>Sup Batu - </a:t>
+            </a:r>
+            <a:r>
+              <a:t>(kisah tradisional seperti yang dikisahkan oleh Jamie McLaren Lachman)</a:t>
             </a:r>
             <a:endParaRPr i="1">
               <a:solidFill>
@@ -10135,7 +10135,7 @@
               </a:defRPr>
             </a:pPr>
             <a:r>
-              <a:t>There was once a beautiful village. The people of this village were always happy because they never needed anything. They had livestock, fruits, and vegetables, as theirs was a very fertile village. They never knew suffering.</a:t>
+              <a:t>Pernah ada sebuah kampung yang indah. Penduduk kampung ini sentiasa gembira kerana tidak memerlukan apa-apa. Mereka mempunyai ternakan, buah-buahan, dan sayur-sayuran, kerana mereka adalah sebuah kampung yang sangat subur. Mereka tidak pernah tahu penderitaan.</a:t>
             </a:r>
             <a:endParaRPr i="1">
               <a:solidFill>
@@ -10167,7 +10167,7 @@
               </a:defRPr>
             </a:pPr>
             <a:r>
-              <a:t>However, after some time there was drought. There was no more rain and their livestock was dying. Times became difficult because now there was hunger in the village. The people stopped talking to each other because everyone was focusing on their own problems.</a:t>
+              <a:t>Walau bagaimanapun, selepas beberapa lama berlaku kemarau. Tiada lagi hujan dan ternakan mereka mati. Zaman menjadi sukar kerana sekarang ada kelaparan di kampung. Orang ramai berhenti bercakap antara satu sama lain kerana masing-masing menumpukan perhatian kepada masalah mereka sendiri.</a:t>
             </a:r>
             <a:endParaRPr i="1">
               <a:solidFill>
@@ -10199,7 +10199,7 @@
               </a:defRPr>
             </a:pPr>
             <a:r>
-              <a:t>One day an old woman came to this village carrying a big black pot on her head and a small brown bag. When she arrived in the middle of the village, she placed the big black pot on the ground and sat next to it to take a rest. No one saw this woman, except a little boy who was out playing that day.</a:t>
+              <a:t>Pada suatu hari seorang wanita tua datang ke kampung ini dengan membawa periuk hitam besar di atas kepalanya dan beg kecil berwarna coklat. Apabila dia tiba di tengah-tengah kampung, dia meletakkan periuk hitam besar itu di atas tanah dan duduk di sebelahnya untuk berehat. Tiada siapa yang melihat wanita ini, kecuali seorang budak kecil yang keluar bermain pada hari itu.</a:t>
             </a:r>
             <a:endParaRPr i="1">
               <a:solidFill>
@@ -10231,7 +10231,7 @@
               </a:defRPr>
             </a:pPr>
             <a:r>
-              <a:t>When the boy saw this old woman, he asked her "Granny, what are you doing with that big black pot?"</a:t>
+              <a:t>Apabila budak lelaki itu melihat wanita tua ini, dia bertanya kepadanya "Nenek, apa yang kamu lakukan dengan periuk hitam besar itu?"</a:t>
             </a:r>
             <a:endParaRPr i="1">
               <a:solidFill>
@@ -10263,7 +10263,7 @@
               </a:defRPr>
             </a:pPr>
             <a:r>
-              <a:t>"I am going to make some Stone Soup!" answered the old woman. This confused the boy. Who ever heard of such a thing as Stone Soup?</a:t>
+              <a:t>"Saya akan membuat Sup Batu!" jawab perempuan tua itu. Ini membuatkan budak itu keliru. Siapa pernah dengar tentang sup Batu?</a:t>
             </a:r>
             <a:endParaRPr i="1">
               <a:solidFill>
@@ -10295,7 +10295,7 @@
               </a:defRPr>
             </a:pPr>
             <a:r>
-              <a:t>Because he was a curious boy and always full of questions, he asked, "Can I please help you granny?"</a:t>
+              <a:t>Kerana dia seorang budak yang ingin tahu dan sentiasa penuh dengan soalan, dia bertanya, "Boleh saya tolong nenek?"</a:t>
             </a:r>
             <a:endParaRPr i="1">
               <a:solidFill>
@@ -10327,7 +10327,7 @@
               </a:defRPr>
             </a:pPr>
             <a:r>
-              <a:t>The old woman was very happy when he asked to help. "Of course you can! Go and get some water and collect some wood, my child," she said.</a:t>
+              <a:t>Wanita tua itu sangat gembira apabila dia meminta pertolongan. "Sudah tentu boleh! Pergi ambil air dan kutip kayu, anakku," katanya.</a:t>
             </a:r>
             <a:endParaRPr i="1">
               <a:solidFill>
@@ -10359,7 +10359,7 @@
               </a:defRPr>
             </a:pPr>
             <a:r>
-              <a:t>So the boy collected some wood in the nearby forest. As the old woman was busy making the fire, he went down to the river to fetch some water.</a:t>
+              <a:t>Jadi budak itu memungut kayu di hutan berhampiran. Semasa wanita tua itu sedang sibuk membuat api, dia turun ke sungai untuk mengambil air.</a:t>
             </a:r>
             <a:endParaRPr i="1">
               <a:solidFill>
@@ -10391,7 +10391,7 @@
               </a:defRPr>
             </a:pPr>
             <a:r>
-              <a:t>By the time the boy returned with water, the old woman had a large, warm fire burning. She placed the big black pot on the fire and poured in the water. She then opened her small brown bag and took out a shiny, round white stone. She placed it in the big black pot and began to stir, humming an old cooking song.</a:t>
+              <a:t>Pada masa budak lelaki itu kembali dengan air, wanita tua itu mempunyai api yang besar dan hangat. Dia meletakkan periuk hitam besar di atas api dan menuang air. Dia kemudian membuka beg coklat kecilnya dan mengeluarkan batu putih bulat berkilat. She placed it in the big black pot and began to stir, humming an old cooking song.</a:t>
             </a:r>
             <a:endParaRPr i="1">
               <a:solidFill>
@@ -10839,7 +10839,7 @@
               </a:defRPr>
             </a:pPr>
             <a:r>
-              <a:t>When they were done, the villagers brought out their drums and other musical instruments and began to sing songs and dance. They sang and danced until dusk. Then, the villages thanked the woman and returned to their homes chatting with each other. Once again, there was the sound of laughter and song in the air that evening.</a:t>
+              <a:t>Setelah selesai, penduduk kampung membawa keluar gendang dan alat muzik lain dan mula menyanyikan lagu dan menari. Mereka menyanyi dan menari sehingga senja. Kemudian, penduduk kampung mengucapkan terima kasih kepada wanita itu dan pulang ke rumah masing-masing sambil berbual sesama sendiri. Sekali lagi kedengaran bunyi tawa dan nyanyian di udara petang itu.</a:t>
             </a:r>
             <a:endParaRPr i="1">
               <a:solidFill>
@@ -10871,7 +10871,7 @@
               </a:defRPr>
             </a:pPr>
             <a:r>
-              <a:t>As the evening stars began to shine, the old woman was left alone in the middle of the village. She gathered the white stone in her small brown bag and placed her big black pot on her head. Without a word of farewell, she slowly began to walk down the windy road that led out of the village.</a:t>
+              <a:t>Ketika bintang petang mula bersinar, wanita tua itu ditinggalkan sendirian di tengah kampung. Dia mengumpulkan batu putih di dalam beg coklat kecilnya dan meletakkan periuk hitam besarnya di atas kepalanya. Tanpa kata-kata perpisahan, dia perlahan-lahan mula menyusuri jalan berangin yang menghala ke luar kampung.</a:t>
             </a:r>
             <a:endParaRPr i="1">
               <a:solidFill>
@@ -10903,7 +10903,7 @@
               </a:defRPr>
             </a:pPr>
             <a:r>
-              <a:t>Before she could leave, the boy saw her and ran to her. "Why are you leaving, granny?" he asked. “My work here is done,” the old woman replied. “But we need someone like you to help us,” said the boy.</a:t>
+              <a:t>Sebelum dia boleh pergi, budak lelaki itu melihatnya dan berlari ke arahnya. "Kenapa awak pergi, nenek?" dia tanya. "Kerja saya di sini sudah selesai," jawab wanita tua itu. "Tetapi kami memerlukan seseorang seperti kamu untuk membantu kami," kata budak itu.</a:t>
             </a:r>
             <a:endParaRPr i="1">
               <a:solidFill>
@@ -10935,7 +10935,7 @@
               </a:defRPr>
             </a:pPr>
             <a:r>
-              <a:t>She reached into her small brown bag and handed the boy the white stone. “You have all the ingredients that you need to make Stone Soup.” Then she slowly walked down the road. The boy watched and waved until he couldn’t see her any longer.</a:t>
+              <a:t>Dia mencapai beg coklat kecilnya dan menghulurkan batu putih kepada budak lelaki itu. "Anda mempunyai semua bahan yang anda perlukan untuk membuat Sup Batu." Kemudian dia perlahan-lahan menyusuri jalan. Budak lelaki itu memerhati dan melambai sehingga dia tidak dapat melihatnya lagi.</a:t>
             </a:r>
             <a:endParaRPr i="1">
               <a:solidFill>
@@ -10967,7 +10967,7 @@
               </a:defRPr>
             </a:pPr>
             <a:r>
-              <a:t>The villagers never saw that woman again. But life in the village continued to thrive – in the best of times and the worst of times they never lost their connection to each other again as they continued to make the most delicious Stone Soup.</a:t>
+              <a:t>Orang kampung tidak pernah melihat wanita itu lagi. Tetapi kehidupan di kampung terus berkembang maju - dalam masa yang terbaik dan masa yang paling teruk mereka tidak pernah kehilangan hubungan antara satu sama lain lagi kerana mereka terus membuat Sup Batu yang paling lazat.</a:t>
             </a:r>
             <a:endParaRPr i="1">
               <a:solidFill>
@@ -10999,7 +10999,7 @@
               </a:defRPr>
             </a:pPr>
             <a:r>
-              <a:t>The end.</a:t>
+              <a:t>Tamat.</a:t>
             </a:r>
           </a:p>
         </p:txBody>
@@ -11124,7 +11124,7 @@
               </a:defRPr>
             </a:pPr>
             <a:r>
-              <a:t>Lead a discussion to help parents to identify specific ways in which they can continue to support their children’s development.</a:t>
+              <a:t>Pimpin perbincangan untuk membantu ibu bapa mengenal pasti cara tertentu yang boleh mereka terus menyokong perkembangan anak-anak mereka.</a:t>
             </a:r>
             <a:endParaRPr>
               <a:solidFill>
@@ -11156,7 +11156,7 @@
               </a:defRPr>
             </a:pPr>
             <a:r>
-              <a:t>Useful questions to help prompt discussion may include:</a:t>
+              <a:t>Soalan berguna untuk membantu perbincangan segera mungkin termasuk:</a:t>
             </a:r>
             <a:endParaRPr>
               <a:solidFill>
@@ -11187,7 +11187,7 @@
               </a:defRPr>
             </a:pPr>
             <a:r>
-              <a:t>What are some of the ingredients that we have in our community to continue supporting us as parents?</a:t>
+              <a:t>Apakah beberapa bahan yang kita ada dalam komuniti kita untuk terus menyokong kita sebagai ibu bapa?</a:t>
             </a:r>
             <a:endParaRPr>
               <a:solidFill>
@@ -11218,7 +11218,7 @@
               </a:defRPr>
             </a:pPr>
             <a:r>
-              <a:t>In what ways can we continue to support our children’s development and our lives after the programme?</a:t>
+              <a:t>Dalam cara apakah kita boleh terus menyokong perkembangan anak-anak kita dan kehidupan kita selepas program ini?</a:t>
             </a:r>
             <a:endParaRPr>
               <a:solidFill>
@@ -11254,7 +11254,7 @@
               <a:t>📱</a:t>
             </a:r>
             <a:r>
-              <a:t>For parent-led WhatsApp Support groups, it is important to identify the following: </a:t>
+              <a:t>Untuk kumpulan Sokongan WhatsApp yang diterajui ibu bapa, adalah penting untuk mengenal pasti perkara berikut:</a:t>
             </a:r>
             <a:endParaRPr>
               <a:solidFill>
@@ -11285,7 +11285,7 @@
               </a:defRPr>
             </a:pPr>
             <a:r>
-              <a:t>Two peer-group moderators to lead the WhatsApp Support Group </a:t>
+              <a:t>Dua moderator kumpulan rakan sebaya untuk mengetuai Kumpulan Sokongan WhatsApp</a:t>
             </a:r>
             <a:endParaRPr>
               <a:solidFill>
@@ -11316,7 +11316,7 @@
               </a:defRPr>
             </a:pPr>
             <a:r>
-              <a:t>The moderators recieve the guidelines for leading the group. </a:t>
+              <a:t>Moderator menerima garis panduan untuk memimpin kumpulan.</a:t>
             </a:r>
             <a:endParaRPr>
               <a:solidFill>
@@ -11347,7 +11347,7 @@
               </a:defRPr>
             </a:pPr>
             <a:r>
-              <a:t>You have had a guidance call with both the moderators to answer any questions. </a:t>
+              <a:t>Anda telah membuat panggilan bimbingan dengan kedua-dua moderator untuk menjawab sebarang soalan.</a:t>
             </a:r>
             <a:endParaRPr>
               <a:solidFill>
@@ -11378,7 +11378,7 @@
               </a:defRPr>
             </a:pPr>
             <a:r>
-              <a:t>Time and day that will best suit everyone to have weekly chats.</a:t>
+              <a:t>Masa dan hari yang paling sesuai untuk semua orang untuk melakukan sembang mingguan.</a:t>
             </a:r>
             <a:endParaRPr>
               <a:solidFill>
@@ -11409,7 +11409,7 @@
               </a:defRPr>
             </a:pPr>
             <a:r>
-              <a:t>Reinforcing the ground rules for the WhatsApp Support Group.  </a:t>
+              <a:t>Memperkukuh peraturan asas untuk Kumpulan Sokongan WhatsApp.</a:t>
             </a:r>
             <a:endParaRPr>
               <a:solidFill>
@@ -11453,7 +11453,7 @@
                   <a:schemeClr val="dk1"/>
                 </a:solidFill>
               </a:rPr>
-              <a:t>For parent-led in-person peer support groups, it is important to identify the following:</a:t>
+              <a:t>Untuk kumpulan sokongan rakan sebaya yang diketuai oleh ibu bapa, adalah penting untuk mengenal pasti perkara berikut:</a:t>
             </a:r>
             <a:endParaRPr>
               <a:solidFill>
@@ -11484,7 +11484,7 @@
               </a:defRPr>
             </a:pPr>
             <a:r>
-              <a:t>Person (or people) responsible for organising the support groups</a:t>
+              <a:t>Orang (atau orang) yang bertanggungjawab untuk mengatur kumpulan sokongan</a:t>
             </a:r>
             <a:endParaRPr>
               <a:solidFill>
@@ -11515,7 +11515,7 @@
               </a:defRPr>
             </a:pPr>
             <a:r>
-              <a:t>Place where the parents can meet and if help can be provided from an organisation</a:t>
+              <a:t>Tempat di mana ibu bapa boleh bertemu dan jika bantuan boleh diberikan daripada organisasi</a:t>
             </a:r>
             <a:endParaRPr>
               <a:solidFill>
@@ -11546,7 +11546,7 @@
               </a:defRPr>
             </a:pPr>
             <a:r>
-              <a:t>Time and day that will best suit everyone</a:t>
+              <a:t>Masa dan hari yang paling sesuai untuk semua orang</a:t>
             </a:r>
             <a:endParaRPr>
               <a:solidFill>
@@ -11577,7 +11577,7 @@
               </a:defRPr>
             </a:pPr>
             <a:r>
-              <a:t>Whether facilitators can meet them from time to time</a:t>
+              <a:t>Adakah fasilitator boleh berjumpa mereka dari semasa ke semasa</a:t>
             </a:r>
             <a:endParaRPr>
               <a:solidFill>
@@ -11609,7 +11609,7 @@
               </a:defRPr>
             </a:pPr>
             <a:r>
-              <a:t>Tips for Continuing Support for In-person or Online Peer Support Groups: </a:t>
+              <a:t>Petua untuk Meneruskan Sokongan untuk Kumpulan Sokongan Secara Sendiri atau Rakan Sebaya Dalam Talian:</a:t>
             </a:r>
             <a:endParaRPr u="sng">
               <a:solidFill>
@@ -11640,7 +11640,7 @@
               </a:defRPr>
             </a:pPr>
             <a:r>
-              <a:t>Keep practising all the skills you learnt in ParentText. </a:t>
+              <a:t>Teruskan berlatih semua kemahiran yang anda pelajari dalam ParentText.</a:t>
             </a:r>
             <a:endParaRPr>
               <a:solidFill>
@@ -11671,7 +11671,7 @@
               </a:defRPr>
             </a:pPr>
             <a:r>
-              <a:t>There may be other parents who have done the Naungan Kasih programme in your neighbourhood. Start your own Naungan Kasih Support Group!</a:t>
+              <a:t>Mungkin ada ibu bapa lain yang pernah membuat program Naungan Kasih di kawasan kejiranan anda. Mulakan Kumpulan Sokongan Naungan Kasih anda sendiri!</a:t>
             </a:r>
             <a:endParaRPr>
               <a:solidFill>
@@ -11702,7 +11702,7 @@
               </a:defRPr>
             </a:pPr>
             <a:r>
-              <a:t>Learn what services and support you can get in your community.</a:t>
+              <a:t>Ketahui perkhidmatan dan sokongan yang boleh anda perolehi dalam komuniti anda.</a:t>
             </a:r>
             <a:endParaRPr>
               <a:solidFill>
@@ -11733,7 +11733,7 @@
               </a:defRPr>
             </a:pPr>
             <a:r>
-              <a:t>Reiterate the ground rules to ensure a positive environment for all parents. </a:t>
+              <a:t>Mengulangi peraturan asas untuk memastikan persekitaran yang positif untuk semua ibu bapa.</a:t>
             </a:r>
             <a:endParaRPr>
               <a:solidFill>
@@ -11764,7 +11764,7 @@
               </a:defRPr>
             </a:pPr>
             <a:r>
-              <a:t>Emphasise once more, in situations involving significant concerns regarding safeguarding or confidentiality, parents will remove the group member from the group immediately.</a:t>
+              <a:t>Tegaskan sekali lagi, dalam situasi yang melibatkan kebimbangan penting mengenai perlindungan atau kerahsiaan, ibu bapa akan mengeluarkan ahli kumpulan itu daripada kumpulan serta-merta.</a:t>
             </a:r>
             <a:endParaRPr>
               <a:solidFill>
@@ -11795,7 +11795,7 @@
               </a:defRPr>
             </a:pPr>
             <a:r>
-              <a:t>Determine the topics, areas, or issues that you would like to explore and address during our upcoming session.</a:t>
+              <a:t>Tentukan topik, kawasan atau isu yang anda ingin terokai dan tangani semasa sesi kami yang akan datang.</a:t>
             </a:r>
           </a:p>
         </p:txBody>
@@ -11956,7 +11956,7 @@
               </a:defRPr>
             </a:pPr>
             <a:r>
-              <a:t>At the end of the session, parents learn one last stress reduction activity – a Loving Kindness exercise. </a:t>
+              <a:t>Pada penghujung sesi, ibu bapa mempelajari satu aktiviti pengurangan tekanan yang terakhir - senaman Loving Kindness.</a:t>
             </a:r>
             <a:endParaRPr>
               <a:solidFill>
@@ -11988,7 +11988,7 @@
               </a:defRPr>
             </a:pPr>
             <a:r>
-              <a:t>This activity helps participants connect with a sense of loving-kindness towards themselves and their families. </a:t>
+              <a:t>Aktiviti ini membantu peserta berhubung dengan rasa kasih sayang terhadap diri dan keluarga mereka.</a:t>
             </a:r>
             <a:endParaRPr>
               <a:solidFill>
@@ -12020,7 +12020,7 @@
               </a:defRPr>
             </a:pPr>
             <a:r>
-              <a:t>It brings closure to the culminating activity while reconnecting participants to a sense of wellbeing and calmness after all the excitement and anticipation for the closing.</a:t>
+              <a:t>Ia membawa penutup kepada aktiviti kemuncak sambil menghubungkan semula peserta kepada rasa kesejahteraan dan ketenangan selepas semua keterujaan dan jangkaan untuk penutupan.</a:t>
             </a:r>
             <a:endParaRPr>
               <a:solidFill>
@@ -12052,7 +12052,7 @@
               </a:defRPr>
             </a:pPr>
             <a:r>
-              <a:t>Use the below text as a guide to leading the activity.</a:t>
+              <a:t>Gunakan teks di bawah sebagai panduan untuk memimpin aktiviti.</a:t>
             </a:r>
             <a:endParaRPr>
               <a:solidFill>
@@ -12092,7 +12092,7 @@
                   <a:schemeClr val="dk1"/>
                 </a:solidFill>
               </a:rPr>
-              <a:t>Instruction </a:t>
+              <a:t>Arahan </a:t>
             </a:r>
             <a:r>
               <a:rPr b="1" u="sng">
@@ -12107,7 +12107,7 @@
                   </a:extLst>
                 </a:hlinkClick>
               </a:rPr>
-              <a:t>(Slide 28)</a:t>
+              <a:t>(Slaid 28)</a:t>
             </a:r>
             <a:endParaRPr b="1">
               <a:solidFill>
@@ -12139,7 +12139,7 @@
               </a:defRPr>
             </a:pPr>
             <a:r>
-              <a:t>Just like Taking a Pause, you can pause for about 5 seconds at each [Pause] in the text. Semasa berhenti, ia mungkin membantu jika anda mengikut arahan anda sendiri.</a:t>
+              <a:t>Sama seperti Mengambil Jeda, anda boleh menjeda selama kira-kira 5 saat pada setiap [Pause] dalam teks. Semasa berhenti, ia mungkin membantu jika anda mengikut arahan anda sendiri.</a:t>
             </a:r>
             <a:endParaRPr>
               <a:solidFill>
@@ -12171,7 +12171,7 @@
               </a:defRPr>
             </a:pPr>
             <a:r>
-              <a:t>Step 1: Preparation</a:t>
+              <a:t>Langkah 1: Persediaan</a:t>
             </a:r>
             <a:endParaRPr u="sng">
               <a:solidFill>
@@ -12202,7 +12202,7 @@
               </a:defRPr>
             </a:pPr>
             <a:r>
-              <a:t>Sometimes when we are experiencing stress, feeling alone, or just needing support, it can be helpful to send thoughts of loving kindness to ourselves.</a:t>
+              <a:t>Kadang-kadang apabila kita mengalami tekanan, berasa keseorangan, atau hanya memerlukan sokongan, adalah berguna untuk menghantar pemikiran tentang kebaikan kasih sayang kepada diri kita sendiri.</a:t>
             </a:r>
             <a:endParaRPr>
               <a:solidFill>
@@ -13336,7 +13336,7 @@
               </a:defRPr>
             </a:pPr>
             <a:r>
-              <a:t>Hand out certificates of completion to parents at the end of the session. This is a simple recognition for their accomplishment in finishing the programme.</a:t>
+              <a:t>Mengedarkan sijil tamat kepada ibu bapa pada akhir sesi. Ini adalah satu pengiktirafan mudah atas pencapaian mereka dalam menamatkan program.</a:t>
             </a:r>
             <a:endParaRPr>
               <a:solidFill>
@@ -13480,7 +13480,7 @@
               </a:defRPr>
             </a:pPr>
             <a:r>
-              <a:t>Name Game (⏱️5 min) </a:t>
+              <a:t>Permainan Nama (⏱️5 min) </a:t>
             </a:r>
             <a:endParaRPr b="1" sz="1200" u="sng">
               <a:solidFill>
@@ -13511,7 +13511,7 @@
             </a:r>
             <a:r>
               <a:rPr b="1"/>
-              <a:t>Overview </a:t>
+              <a:t>Ikhtisar </a:t>
             </a:r>
             <a:endParaRPr b="1">
               <a:solidFill>
@@ -13538,7 +13538,7 @@
               </a:defRPr>
             </a:pPr>
             <a:r>
-              <a:t>This game helps the participants get to know each other. </a:t>
+              <a:t>Permainan ini membantu para peserta mengenali antara satu sama lain. </a:t>
             </a:r>
             <a:endParaRPr>
               <a:solidFill>
@@ -13601,7 +13601,7 @@
               </a:defRPr>
             </a:pPr>
             <a:r>
-              <a:t>Group stands in a circle</a:t>
+              <a:t>Kumpulan berdiri dalam bulatan</a:t>
             </a:r>
             <a:endParaRPr>
               <a:solidFill>
@@ -13633,7 +13633,7 @@
               </a:defRPr>
             </a:pPr>
             <a:r>
-              <a:t>One person says his/her name and makes a shape</a:t>
+              <a:t>Seseorang menyebut namanya dan membuat bentuk</a:t>
             </a:r>
             <a:endParaRPr>
               <a:solidFill>
@@ -13665,7 +13665,7 @@
               </a:defRPr>
             </a:pPr>
             <a:r>
-              <a:t>The entire circle then repeats that person’s name and makes the same shape</a:t>
+              <a:t>Seluruh bulatan kemudian mengulangi nama orang itu dan membuat bentuk yang sama</a:t>
             </a:r>
             <a:endParaRPr>
               <a:solidFill>
@@ -13697,7 +13697,7 @@
               </a:defRPr>
             </a:pPr>
             <a:r>
-              <a:t>The person sitting next to them says their name and makes a shape</a:t>
+              <a:t>Orang yang duduk di sebelah mereka menyebut nama mereka dan membuat bentuk</a:t>
             </a:r>
             <a:endParaRPr>
               <a:solidFill>
@@ -13729,7 +13729,7 @@
               </a:defRPr>
             </a:pPr>
             <a:r>
-              <a:t>Repeat for everyone in the circle!</a:t>
+              <a:t>Ulang untuk semua orang dalam bulatan!</a:t>
             </a:r>
             <a:endParaRPr>
               <a:solidFill>
@@ -13919,7 +13919,7 @@
               </a:defRPr>
             </a:pPr>
             <a:r>
-              <a:t>Goodbye </a:t>
+              <a:t>selamat tinggal</a:t>
             </a:r>
             <a:endParaRPr b="1" sz="1200" u="sng">
               <a:solidFill>
@@ -13951,7 +13951,7 @@
               </a:defRPr>
             </a:pPr>
             <a:r>
-              <a:t>Thank and praise the parents for their commitment to loving and nurturing their children!</a:t>
+              <a:t>Terima kasih dan puji ibu bapa atas komitmen mereka untuk menyayangi dan mengasuh anak-anak mereka!</a:t>
             </a:r>
           </a:p>
         </p:txBody>
@@ -14030,7 +14030,7 @@
               </a:defRPr>
             </a:pPr>
             <a:r>
-              <a:t>The Naungan Kasih programme is for parents who have children between 4 to 6 years old attending KEMAS pre-school. </a:t>
+              <a:t>Program Naungan Kasih adalah untuk ibu bapa yang mempunyai anak berumur antara 4 hingga 6 tahun yang mengikuti pra sekolah KEMAS. </a:t>
             </a:r>
             <a:endParaRPr>
               <a:solidFill>
@@ -14061,7 +14061,7 @@
               </a:defRPr>
             </a:pPr>
             <a:r>
-              <a:t>Now, when we say ‘parents’ and ‘parenting’, we mean someone who is caring for the children, whether that person is their biological parent or not. This includes any person who is a primary caregiver, responsible for the wellbeing of the child.</a:t>
+              <a:t>Sekarang, apabila kita sebut 'ibubapa' dan 'ibubapa', kita maksudkan seseorang yang menjaga anak-anak, sama ada orang itu adalah ibu bapa kandung mereka atau tidak. Ini termasuk mana-mana orang yang merupakan penjaga utama, bertanggungjawab untuk kesejahteraan kanak-kanak itu.</a:t>
             </a:r>
             <a:endParaRPr>
               <a:solidFill>
@@ -14092,7 +14092,7 @@
               </a:defRPr>
             </a:pPr>
             <a:r>
-              <a:t>The goal of Naungan Kasih is to help build open, caring and trusting relationships between caregivers and their children. When we have healthy and positive relations, they help parents to keep their children safe and support their growth and development. </a:t>
+              <a:t>Matlamat Naungan Kasih adalah untuk membantu membina hubungan terbuka, penyayang dan percaya antara penjaga dan anak-anak mereka. Apabila kita mempunyai hubungan yang sihat dan positif, mereka membantu ibu bapa untuk memastikan anak-anak mereka selamat dan menyokong pertumbuhan dan perkembangan mereka. </a:t>
             </a:r>
             <a:endParaRPr>
               <a:solidFill>
@@ -14123,7 +14123,7 @@
               </a:defRPr>
             </a:pPr>
             <a:r>
-              <a:t>Positive parenting also helps parents teach their children responsible behaviour, respectful behaviour and instil parenting values. </a:t>
+              <a:t>Keibubapaan yang positif juga membantu ibu bapa mengajar anak-anak mereka tingkah laku yang bertanggungjawab, tingkah laku hormat-menghormati dan menyemai nilai keibubapaan. </a:t>
             </a:r>
             <a:endParaRPr b="1">
               <a:solidFill>
@@ -14253,7 +14253,7 @@
               </a:defRPr>
             </a:pPr>
             <a:r>
-              <a:t>Main components of the Naungan Kasih Programme</a:t>
+              <a:t>Komponen utama Program Naungan Kasih</a:t>
             </a:r>
             <a:endParaRPr b="1">
               <a:solidFill>
@@ -14285,7 +14285,7 @@
               </a:defRPr>
             </a:pPr>
             <a:r>
-              <a:t>Explain that participants will receive Naungan Kasih Hybrid content and support in three main ways: </a:t>
+              <a:t>Jelaskan bahawa peserta akan menerima kandungan dan sokongan Naungan Kasih Hibrid dalam tiga cara utama: </a:t>
             </a:r>
             <a:endParaRPr>
               <a:solidFill>
@@ -14353,7 +14353,7 @@
               </a:defRPr>
             </a:pPr>
             <a:r>
-              <a:t>Parents receive daily parenting tips via WhatsApp to help them with their relationship with their child and families (requiring only 5 minutes per day). Parents can achieve the goals of Naungan Kasih in in any preferred order: </a:t>
+              <a:t>Ibu bapa menerima petua keibubapaan setiap hari melalui WhatsApp untuk membantu mereka dengan hubungan mereka dengan anak dan keluarga mereka (hanya memerlukan 5 minit setiap hari). Ibu bapa boleh mencapai matlamat Naungan Kasih dalam mana-mana urutan pilihan: </a:t>
             </a:r>
             <a:endParaRPr>
               <a:solidFill>
@@ -14384,7 +14384,7 @@
               </a:defRPr>
             </a:pPr>
             <a:r>
-              <a:t>Improve My Relationship with My Child </a:t>
+              <a:t>Perbaiki Hubungan Saya dengan Anak Saya </a:t>
             </a:r>
             <a:endParaRPr>
               <a:solidFill>
@@ -14415,7 +14415,7 @@
               </a:defRPr>
             </a:pPr>
             <a:r>
-              <a:t>Prepare My Child for Success in School </a:t>
+              <a:t>Sediakan Anak Saya untuk Berjaya di Sekolah </a:t>
             </a:r>
             <a:endParaRPr>
               <a:solidFill>
@@ -14477,7 +14477,7 @@
               </a:defRPr>
             </a:pPr>
             <a:r>
-              <a:t>Give My Child Structure </a:t>
+              <a:t>Beri Struktur Anak Saya </a:t>
             </a:r>
             <a:endParaRPr>
               <a:solidFill>
@@ -14508,7 +14508,7 @@
               </a:defRPr>
             </a:pPr>
             <a:r>
-              <a:t>Manage My Child’s Behaviour </a:t>
+              <a:t>Urus Tingkah Laku Anak Saya </a:t>
             </a:r>
             <a:endParaRPr>
               <a:solidFill>
@@ -14539,7 +14539,7 @@
               </a:defRPr>
             </a:pPr>
             <a:r>
-              <a:t>Keep My Child Safe and Healthy </a:t>
+              <a:t>Pastikan Anak Saya Selamat dan Sihat </a:t>
             </a:r>
             <a:endParaRPr>
               <a:solidFill>
@@ -14570,7 +14570,7 @@
               </a:defRPr>
             </a:pPr>
             <a:r>
-              <a:t>Have a Healthy Relationship with My Spouse </a:t>
+              <a:t>Jalinkan Hubungan Sihat dengan Pasangan Saya </a:t>
             </a:r>
             <a:endParaRPr>
               <a:solidFill>
@@ -14601,7 +14601,7 @@
               </a:defRPr>
             </a:pPr>
             <a:r>
-              <a:t>Build a Family Budget</a:t>
+              <a:t>Bina Belanjawan Keluarga</a:t>
             </a:r>
           </a:p>
         </p:txBody>
@@ -14726,7 +14726,7 @@
             </a:r>
             <a:r>
               <a:rPr b="1"/>
-              <a:t>WhatsApp Support Group</a:t>
+              <a:t>Kumpulan Sokongan WhatsApp</a:t>
             </a:r>
             <a:endParaRPr b="1">
               <a:solidFill>
@@ -14754,7 +14754,7 @@
               </a:defRPr>
             </a:pPr>
             <a:r>
-              <a:t>Parents participate in WhatsApp chat sessions to share their experiences and solve challenges around the skills offered via the ParentText chatbot. </a:t>
+              <a:t>Ibu bapa mengambil bahagian dalam sesi sembang WhatsApp untuk berkongsi pengalaman mereka dan menyelesaikan cabaran mengenai kemahiran yang ditawarkan melalui chatbot ParentText. </a:t>
             </a:r>
             <a:endParaRPr>
               <a:solidFill>
@@ -14782,14 +14782,14 @@
               </a:defRPr>
             </a:pPr>
             <a:r>
-              <a:t>The Facilitator will only share weekly discussion prompts in the WhatsApp Support group. Facilitators are </a:t>
+              <a:t>Fasilitator hanya akan berkongsi gesaan perbincangan mingguan dalam kumpulan Sokongan WhatsApp. Fasilitator </a:t>
             </a:r>
             <a:r>
               <a:rPr b="1"/>
-              <a:t>not moderators</a:t>
-            </a:r>
-            <a:r>
-              <a:t>, they will only interfere if the content discussed goes against positive parenting practices. </a:t>
+              <a:t>bukan moderator</a:t>
+            </a:r>
+            <a:r>
+              <a:t>, mereka hanya akan mengganggu jika kandungan yang dibincangkan bertentangan dengan amalan keibubapaan yang positif. </a:t>
             </a:r>
             <a:endParaRPr b="1">
               <a:solidFill>
@@ -14820,7 +14820,7 @@
               </a:defRPr>
             </a:pPr>
             <a:r>
-              <a:t>In-Person Session </a:t>
+              <a:t>Sesi Bersendiri </a:t>
             </a:r>
             <a:endParaRPr b="1">
               <a:solidFill>
@@ -14848,7 +14848,7 @@
               </a:defRPr>
             </a:pPr>
             <a:r>
-              <a:t>Parents will participate in the two in-person sessions – one that they are currently participating in and one at the end of the programme to support parents to onboard to the Naungan Kasih programme and to reflect and celebrate the completion of the programme. </a:t>
+              <a:t>Ibu bapa akan mengambil bahagian dalam dua sesi bersemuka – satu yang sedang mereka sertai dan satu lagi di penghujung program untuk menyokong ibu bapa menyertai program Naungan Kasih dan merenung serta meraikan penyempurnaan program.</a:t>
             </a:r>
             <a:endParaRPr>
               <a:solidFill>
@@ -14876,7 +14876,7 @@
               </a:defRPr>
             </a:pPr>
             <a:r>
-              <a:t>Parents will participate in two in-person sessions: one which they are currently attending and one at the end of the programme. These sessions serve to welcome parents into the Naungan Kasih programme, provide support for their onboarding process, and provide an opportunity for reflection and celebration upon completing the programme. </a:t>
+              <a:t>Ibu bapa akan mengambil bahagian dalam dua sesi bersemuka: satu yang sedang mereka hadiri dan satu pada akhir program. Sesi-sesi ini bertujuan untuk mengalu-alukan ibu bapa ke dalam program Naungan Kasih, memberikan sokongan untuk proses penyertaan mereka, dan memberi peluang untuk muhasabah dan meraikan selepas menamatkan program. </a:t>
             </a:r>
           </a:p>
         </p:txBody>
@@ -14997,7 +14997,7 @@
               </a:defRPr>
             </a:pPr>
             <a:r>
-              <a:t>Ask the participants to think what is important to them to feel comfortable, respected, feel safe and supported in the group. </a:t>
+              <a:t>Minta peserta memikirkan apa yang penting bagi mereka untuk berasa selesa, dihormati, berasa selamat dan disokong dalam kumpulan.</a:t>
             </a:r>
             <a:endParaRPr>
               <a:solidFill>
@@ -15049,7 +15049,7 @@
               </a:defRPr>
             </a:pPr>
             <a:r>
-              <a:t>Naungan Kasih is a special programme! It brings families together to learn and share common experiences with each other. </a:t>
+              <a:t>Naungan Kasih ialah program istimewa! Ia membawa keluarga bersama untuk belajar dan berkongsi pengalaman biasa antara satu sama lain. </a:t>
             </a:r>
             <a:endParaRPr>
               <a:solidFill>
@@ -15081,7 +15081,7 @@
               </a:defRPr>
             </a:pPr>
             <a:r>
-              <a:t>When discussing Ground Rules, you can use the following format:</a:t>
+              <a:t>Apabila membincangkan Peraturan Dasar, anda boleh menggunakan format berikut:</a:t>
             </a:r>
             <a:endParaRPr b="1">
               <a:solidFill>
@@ -15113,7 +15113,7 @@
               </a:defRPr>
             </a:pPr>
             <a:r>
-              <a:t>Put up two flipchart papers and write at the top:</a:t>
+              <a:t>Letakkan dua kertas selak dan tulis di bahagian atas:</a:t>
             </a:r>
             <a:endParaRPr>
               <a:solidFill>
@@ -15145,7 +15145,7 @@
               </a:defRPr>
             </a:pPr>
             <a:r>
-              <a:t>Ground rules for ParentText chatbot</a:t>
+              <a:t>Peraturan asas untuk chatbot ParentText</a:t>
             </a:r>
             <a:endParaRPr>
               <a:solidFill>
@@ -15177,7 +15177,7 @@
               </a:defRPr>
             </a:pPr>
             <a:r>
-              <a:t>Ground rules for WhatsApp support group</a:t>
+              <a:t>Peraturan asas untuk kumpulan sokongan WhatsApp</a:t>
             </a:r>
             <a:endParaRPr>
               <a:solidFill>
@@ -15209,7 +15209,7 @@
               </a:defRPr>
             </a:pPr>
             <a:r>
-              <a:t>Ask participants to share their suggestions. </a:t>
+              <a:t>Minta peserta berkongsi cadangan mereka.</a:t>
             </a:r>
             <a:endParaRPr>
               <a:solidFill>
@@ -15241,7 +15241,7 @@
               </a:defRPr>
             </a:pPr>
             <a:r>
-              <a:t>Writes rules and comments on the flip chart to keep for later reference.</a:t>
+              <a:t>Menulis peraturan dan ulasan pada carta selak untuk disimpan untuk rujukan kemudian.</a:t>
             </a:r>
             <a:endParaRPr>
               <a:solidFill>
@@ -15274,10 +15274,10 @@
             </a:pPr>
             <a:r>
               <a:rPr b="1"/>
-              <a:t>Make sure Ground Rules describe a positive behaviour.</a:t>
-            </a:r>
-            <a:r>
-              <a:t>You can prompt for rules on specific issues like cell phone use, respect, etc.</a:t>
+              <a:t>Pastikan Peraturan Dasar menerangkan tingkah laku yang positif.</a:t>
+            </a:r>
+            <a:r>
+              <a:t>Anda boleh meminta peraturan tentang isu tertentu seperti penggunaan telefon bimbit, penghormatan, dsb.</a:t>
             </a:r>
             <a:endParaRPr>
               <a:solidFill>
@@ -15309,7 +15309,7 @@
               </a:defRPr>
             </a:pPr>
             <a:r>
-              <a:t>You can repeat back what you hear and explore the rules to make sure everyone in the group agrees and understands. </a:t>
+              <a:t>Anda boleh mengulangi kembali perkara yang anda dengar dan meneroka peraturan untuk memastikan semua orang dalam kumpulan bersetuju dan memahami.</a:t>
             </a:r>
             <a:endParaRPr>
               <a:solidFill>
@@ -15341,7 +15341,7 @@
               </a:defRPr>
             </a:pPr>
             <a:r>
-              <a:t>For example, if someone mentions “Respect”, ask what that means to her or him. What sort of behaviour shows “Respect”? </a:t>
+              <a:t>Sebagai contoh, jika seseorang menyebut "Hormat", tanya apa maksudnya bagi dia. Apakah jenis tingkah laku yang menunjukkan "Hormat"? </a:t>
             </a:r>
             <a:endParaRPr>
               <a:solidFill>
@@ -15373,7 +15373,7 @@
               </a:defRPr>
             </a:pPr>
             <a:r>
-              <a:t>Make sure everyone agrees and has the opportunity to contribute before moving on to another suggestion. </a:t>
+              <a:t>Pastikan semua orang bersetuju dan mempunyai peluang untuk menyumbang sebelum beralih kepada cadangan lain.</a:t>
             </a:r>
             <a:endParaRPr>
               <a:solidFill>
@@ -15518,7 +15518,7 @@
               </a:defRPr>
             </a:pPr>
             <a:r>
-              <a:t>To make this activity interactive, ask participants to demonstrate the following to the group (and correct/guide as needed): </a:t>
+              <a:t>Untuk menjadikan aktiviti ini interaktif, minta peserta menunjukkan perkara berikut kepada kumpulan (dan betulkan/panduan mengikut keperluan):</a:t>
             </a:r>
             <a:endParaRPr>
               <a:solidFill>
@@ -15550,7 +15550,7 @@
               </a:defRPr>
             </a:pPr>
             <a:r>
-              <a:t>1) Switching the phone on and off</a:t>
+              <a:t>1) Menghidupkan dan mematikan telefon</a:t>
             </a:r>
             <a:endParaRPr b="1">
               <a:solidFill>
@@ -15582,7 +15582,7 @@
               </a:defRPr>
             </a:pPr>
             <a:r>
-              <a:t>Show participants:</a:t>
+              <a:t>Tunjukkan peserta:</a:t>
             </a:r>
             <a:endParaRPr>
               <a:solidFill>
@@ -15613,7 +15613,7 @@
               </a:defRPr>
             </a:pPr>
             <a:r>
-              <a:t>How to turn the phone on and off. Clearly point out the three buttons on the side (on/off, volume up/down).</a:t>
+              <a:t>Bagaimana untuk menghidupkan dan mematikan telefon. Tunjukkan dengan jelas tiga butang di sisi (hidup/mati, kelantangan naik/turun).ac</a:t>
             </a:r>
             <a:endParaRPr>
               <a:solidFill>
@@ -15644,7 +15644,7 @@
               </a:defRPr>
             </a:pPr>
             <a:r>
-              <a:t>Where and how to insert a sim card and ensure that it is properly working once the phone is switched on.</a:t>
+              <a:t>Di mana dan bagaimana untuk memasukkan kad sim dan memastikan ia berfungsi dengan baik sebaik sahaja telefon dihidupkan.a</a:t>
             </a:r>
             <a:endParaRPr>
               <a:solidFill>
@@ -15676,7 +15676,7 @@
               </a:defRPr>
             </a:pPr>
             <a:r>
-              <a:t>Talk about sim card PIN and how your sim card can get blocked if the PIN is not entered correctly.</a:t>
+              <a:t>Bercakap tentang PIN kad sim dan bagaimana kad sim anda boleh disekat jika PIN tidak dimasukkan dengan betul.</a:t>
             </a:r>
             <a:endParaRPr>
               <a:solidFill>
@@ -15708,7 +15708,7 @@
               </a:defRPr>
             </a:pPr>
             <a:r>
-              <a:t>2) Navigating through the phone settings</a:t>
+              <a:t>2) Menavigasi melalui tetapan telefon</a:t>
             </a:r>
             <a:endParaRPr b="1">
               <a:solidFill>
@@ -15740,7 +15740,7 @@
               </a:defRPr>
             </a:pPr>
             <a:r>
-              <a:t>Show participants:</a:t>
+              <a:t>Tunjukkan peserta:</a:t>
             </a:r>
             <a:endParaRPr>
               <a:solidFill>
@@ -15771,7 +15771,7 @@
               </a:defRPr>
             </a:pPr>
             <a:r>
-              <a:t>How to increase and reduce phone brightness.</a:t>
+              <a:t>Bagaimana untuk meningkatkan dan mengurangkan kecerahan telefon.</a:t>
             </a:r>
             <a:endParaRPr>
               <a:solidFill>
@@ -15802,7 +15802,7 @@
               </a:defRPr>
             </a:pPr>
             <a:r>
-              <a:t>How to install and uninstall apps.</a:t>
+              <a:t>Cara memasang dan menyahpasang apl.</a:t>
             </a:r>
             <a:endParaRPr>
               <a:solidFill>
@@ -15833,7 +15833,7 @@
               </a:defRPr>
             </a:pPr>
             <a:r>
-              <a:t>How to take and share screenshots (this is key when they experience technical issues). </a:t>
+              <a:t>Cara mengambil dan berkongsi tangkapan skrin (ini adalah kunci apabila mereka mengalami masalah teknikal).</a:t>
             </a:r>
             <a:endParaRPr b="1">
               <a:solidFill>
@@ -15865,7 +15865,7 @@
               </a:defRPr>
             </a:pPr>
             <a:r>
-              <a:t>3) Navigating through WhatsApp settings</a:t>
+              <a:t>3) Menavigasi melalui tetapan WhatsApp</a:t>
             </a:r>
             <a:endParaRPr b="1">
               <a:solidFill>
@@ -15897,7 +15897,7 @@
               </a:defRPr>
             </a:pPr>
             <a:r>
-              <a:t>Remind participants that they will receive their ParentText content via WhatsApp.</a:t>
+              <a:t>Ingatkan peserta bahawa mereka akan menerima kandungan ParentText mereka melalui WhatsApp.</a:t>
             </a:r>
             <a:endParaRPr>
               <a:solidFill>
@@ -15929,7 +15929,7 @@
               </a:defRPr>
             </a:pPr>
             <a:r>
-              <a:t>Show participants:</a:t>
+              <a:t>Tunjukkan peserta:</a:t>
             </a:r>
             <a:endParaRPr>
               <a:solidFill>
@@ -15961,7 +15961,7 @@
               </a:defRPr>
             </a:pPr>
             <a:r>
-              <a:t>How to find and open WhatsApp.</a:t>
+              <a:t>Bagaimana untuk mencari dan membuka WhatsApp.</a:t>
             </a:r>
             <a:endParaRPr>
               <a:solidFill>
@@ -15993,7 +15993,7 @@
               </a:defRPr>
             </a:pPr>
             <a:r>
-              <a:t>How to respond to messages/prompts from ParentText (in order to receive the next content).</a:t>
+              <a:t>Cara membalas mesej/gesaan daripada ParentText (untuk menerima kandungan seterusnya).</a:t>
             </a:r>
             <a:endParaRPr>
               <a:solidFill>
@@ -16025,7 +16025,7 @@
               </a:defRPr>
             </a:pPr>
             <a:r>
-              <a:t>How to open images.</a:t>
+              <a:t>Bagaimana untuk membuka imej.</a:t>
             </a:r>
             <a:endParaRPr>
               <a:solidFill>
@@ -16057,7 +16057,7 @@
               </a:defRPr>
             </a:pPr>
             <a:r>
-              <a:t>How to open audio/video files. </a:t>
+              <a:t>Bagaimana untuk membuka fail audio/video.</a:t>
             </a:r>
             <a:endParaRPr>
               <a:solidFill>
@@ -16089,7 +16089,7 @@
               </a:defRPr>
             </a:pPr>
             <a:r>
-              <a:t>4) Charging the phone</a:t>
+              <a:t>4) Mengecas telefon</a:t>
             </a:r>
             <a:endParaRPr b="1">
               <a:solidFill>
@@ -16121,7 +16121,7 @@
               </a:defRPr>
             </a:pPr>
             <a:r>
-              <a:t>Show how to properly insert the phone charger to avoid breaking the charging system.</a:t>
+              <a:t>Tunjukkan cara memasukkan pengecas telefon dengan betul untuk mengelakkan sistem pengecasan rosak.</a:t>
             </a:r>
             <a:endParaRPr>
               <a:solidFill>
@@ -16153,7 +16153,7 @@
               </a:defRPr>
             </a:pPr>
             <a:r>
-              <a:t>Emphasise the importance of disconnecting the phone from the charger once it is fully charged to avoid overcharging.</a:t>
+              <a:t>Tekankan kepentingan untuk memutuskan sambungan telefon daripada pengecas sebaik sahaja ia dicas sepenuhnya untuk mengelakkan pengecasan berlebihan.</a:t>
             </a:r>
             <a:endParaRPr>
               <a:solidFill>
@@ -16185,7 +16185,7 @@
               </a:defRPr>
             </a:pPr>
             <a:r>
-              <a:t>Use the original phone charger to charge the phone.</a:t>
+              <a:t>Gunakan pengecas telefon asal untuk mengecas telefon.</a:t>
             </a:r>
             <a:endParaRPr>
               <a:solidFill>
@@ -16217,7 +16217,7 @@
               </a:defRPr>
             </a:pPr>
             <a:r>
-              <a:t>5) Switching data bundle on and off</a:t>
+              <a:t>5) Menghidupkan dan mematikan berkas data</a:t>
             </a:r>
             <a:endParaRPr b="1">
               <a:solidFill>
@@ -16249,7 +16249,7 @@
               </a:defRPr>
             </a:pPr>
             <a:r>
-              <a:t>Show participants how to turn data on and off. Point out the change in the status bar when the data is on or off (the H+/3G/4G on the network bar).</a:t>
+              <a:t>Tunjukkan kepada peserta cara menghidupkan dan mematikan data. Tunjukkan perubahan dalam bar status apabila data dihidupkan atau dimatikan (H+/3G/4G pada bar rangkaian).</a:t>
             </a:r>
             <a:endParaRPr>
               <a:solidFill>
@@ -16281,7 +16281,7 @@
               </a:defRPr>
             </a:pPr>
             <a:r>
-              <a:t>Emphasise that data should not be left on non-stop, to minimise data bundle use and optimise battery use.</a:t>
+              <a:t>Tegaskan bahawa data tidak boleh dibiarkan tanpa henti, untuk meminimumkan penggunaan berkas data dan mengoptimumkan penggunaan bateri.</a:t>
             </a:r>
             <a:endParaRPr>
               <a:solidFill>
@@ -16313,7 +16313,7 @@
               </a:defRPr>
             </a:pPr>
             <a:r>
-              <a:t>Show participants how to check data bundle balance and/or data bundle usage.</a:t>
+              <a:t>Tunjukkan peserta cara menyemak baki berkas data dan/atau penggunaan berkas data.</a:t>
             </a:r>
             <a:endParaRPr>
               <a:solidFill>
@@ -16345,7 +16345,7 @@
               </a:defRPr>
             </a:pPr>
             <a:r>
-              <a:t>6) Managing internal phone storage</a:t>
+              <a:t>6) Menguruskan storan telefon dalaman</a:t>
             </a:r>
             <a:endParaRPr b="1">
               <a:solidFill>
@@ -16377,7 +16377,7 @@
               </a:defRPr>
             </a:pPr>
             <a:r>
-              <a:t>Ensure participants understand that apps, videos, music, and images all take up space on a phone, and that their phone will not function properly when it is too full. </a:t>
+              <a:t>Pastikan peserta memahami bahawa apl, video, muzik dan imej semuanya menggunakan ruang pada telefon dan telefon mereka tidak akan berfungsi dengan baik apabila terlalu penuh.</a:t>
             </a:r>
             <a:endParaRPr>
               <a:solidFill>
@@ -16409,7 +16409,7 @@
               </a:defRPr>
             </a:pPr>
             <a:r>
-              <a:t>Show participants how to free up storage space if needed by:</a:t>
+              <a:t>Tunjukkan peserta cara mengosongkan ruang storan jika diperlukan dengan:</a:t>
             </a:r>
             <a:endParaRPr>
               <a:solidFill>
@@ -16441,7 +16441,7 @@
               </a:defRPr>
             </a:pPr>
             <a:r>
-              <a:t>Deleting files such as videos, audios, images, etc.</a:t>
+              <a:t>Memadam fail seperti video, audio, imej, dsb.</a:t>
             </a:r>
             <a:endParaRPr>
               <a:solidFill>
@@ -16473,7 +16473,7 @@
               </a:defRPr>
             </a:pPr>
             <a:r>
-              <a:t>Uninstalling apps</a:t>
+              <a:t>Menyahpasang apl</a:t>
             </a:r>
             <a:endParaRPr>
               <a:solidFill>
@@ -16505,7 +16505,7 @@
               </a:defRPr>
             </a:pPr>
             <a:r>
-              <a:t>7) Digital awareness: Internet safety</a:t>
+              <a:t>7) Kesedaran digital: Keselamatan Internet</a:t>
             </a:r>
             <a:endParaRPr b="1">
               <a:solidFill>
@@ -16537,7 +16537,7 @@
               </a:defRPr>
             </a:pPr>
             <a:r>
-              <a:t>Discuss the risks of clicking on phishing and suspicious internet links. </a:t>
+              <a:t>Bincangkan risiko mengklik pada pancingan data dan pautan internet yang mencurigakan. </a:t>
             </a:r>
             <a:endParaRPr>
               <a:solidFill>
@@ -16569,7 +16569,7 @@
               </a:defRPr>
             </a:pPr>
             <a:r>
-              <a:t>Ensure that participants understand that specific personal information should not be shared with unknown people or sources, for instance:</a:t>
+              <a:t>Pastikan peserta memahami bahawa maklumat peribadi khusus tidak boleh dikongsi dengan orang atau sumber yang tidak dikenali, contohnya:</a:t>
             </a:r>
             <a:endParaRPr>
               <a:solidFill>
@@ -16601,7 +16601,7 @@
               </a:defRPr>
             </a:pPr>
             <a:r>
-              <a:t>Passwords</a:t>
+              <a:t>Kata laluan</a:t>
             </a:r>
             <a:endParaRPr>
               <a:solidFill>
@@ -16633,7 +16633,7 @@
               </a:defRPr>
             </a:pPr>
             <a:r>
-              <a:t>Bank account information</a:t>
+              <a:t>Maklumat akaun bank</a:t>
             </a:r>
             <a:endParaRPr>
               <a:solidFill>
@@ -16665,7 +16665,7 @@
               </a:defRPr>
             </a:pPr>
             <a:r>
-              <a:t>Locations</a:t>
+              <a:t>Lokasi</a:t>
             </a:r>
             <a:endParaRPr>
               <a:solidFill>
@@ -16697,7 +16697,7 @@
               </a:defRPr>
             </a:pPr>
             <a:r>
-              <a:t>Personal or sensitive images/videos</a:t>
+              <a:t>Imej/video peribadi atau sensitif</a:t>
             </a:r>
             <a:endParaRPr>
               <a:solidFill>
@@ -16729,7 +16729,7 @@
               </a:defRPr>
             </a:pPr>
             <a:r>
-              <a:t>8) How to prevent damaging your phone</a:t>
+              <a:t>8) Bagaimana untuk mengelakkan kerosakan telefon anda</a:t>
             </a:r>
             <a:endParaRPr b="1">
               <a:solidFill>
@@ -16761,7 +16761,7 @@
               </a:defRPr>
             </a:pPr>
             <a:r>
-              <a:t>Show participants how to access the password/pattern lock to secure their phone from other unauthorised users.</a:t>
+              <a:t>Tunjukkan peserta cara mengakses kata laluan/kunci corak untuk melindungi telefon mereka daripada pengguna lain yang tidak dibenarkan.</a:t>
             </a:r>
             <a:endParaRPr>
               <a:solidFill>
@@ -16793,7 +16793,7 @@
               </a:defRPr>
             </a:pPr>
             <a:r>
-              <a:t>Discuss how phones should be handled with care, for example:</a:t>
+              <a:t>Bincangkan cara telefon harus dikendalikan dengan berhati-hati, contohnya:</a:t>
             </a:r>
             <a:endParaRPr>
               <a:solidFill>
@@ -16825,7 +16825,7 @@
               </a:defRPr>
             </a:pPr>
             <a:r>
-              <a:t>Keeping phones out of reach from their children</a:t>
+              <a:t>Menjauhkan telefon daripada anak-anak mereka</a:t>
             </a:r>
             <a:endParaRPr>
               <a:solidFill>
@@ -16857,7 +16857,7 @@
               </a:defRPr>
             </a:pPr>
             <a:r>
-              <a:t>Keeping phones away from direct sunlight</a:t>
+              <a:t>Menjauhkan telefon daripada cahaya matahari langsung</a:t>
             </a:r>
             <a:endParaRPr>
               <a:solidFill>
@@ -16889,7 +16889,7 @@
               </a:defRPr>
             </a:pPr>
             <a:r>
-              <a:t>Keeping phones away from working stations that can cause damage to the phone for instance, water, fire etc.</a:t>
+              <a:t>Menjauhkan telefon daripada stesen kerja yang boleh menyebabkan kerosakan pada telefon contohnya, air, kebakaran dsb.</a:t>
             </a:r>
             <a:endParaRPr>
               <a:solidFill>
@@ -17039,7 +17039,7 @@
             </a:r>
             <a:r>
               <a:rPr b="1" sz="1200" u="sng"/>
-              <a:t>Getting into ParentText (⏱️20 min)</a:t>
+              <a:t>Memasuki ParentText (⏱️20 min)</a:t>
             </a:r>
             <a:endParaRPr b="1" sz="1200" u="sng">
               <a:solidFill>
@@ -17071,7 +17071,7 @@
               </a:defRPr>
             </a:pPr>
             <a:r>
-              <a:t>💡Overview</a:t>
+              <a:t>💡Gambaran keseluruhan</a:t>
             </a:r>
             <a:endParaRPr b="1">
               <a:solidFill>
@@ -17103,7 +17103,7 @@
               </a:defRPr>
             </a:pPr>
             <a:r>
-              <a:t>Participants will now have their first interaction with the ParentText chatbot on their phones </a:t>
+              <a:t>Peserta kini akan melakukan interaksi pertama mereka dengan bot sembang ParentText pada telefon mereka </a:t>
             </a:r>
             <a:endParaRPr>
               <a:solidFill>
@@ -17163,7 +17163,7 @@
               </a:defRPr>
             </a:pPr>
             <a:r>
-              <a:t>Take them through the following steps and respond to any questions or challenges that come up. Ensure that everyone has completed the previous step before moving onto the next one. </a:t>
+              <a:t>Bawa mereka melalui langkah-langkah berikut dan balas sebarang soalan atau cabaran yang timbul. Pastikan semua orang telah menyelesaikan langkah sebelumnya sebelum beralih ke langkah seterusnya. </a:t>
             </a:r>
             <a:endParaRPr b="1">
               <a:solidFill>
@@ -17195,7 +17195,7 @@
               </a:defRPr>
             </a:pPr>
             <a:r>
-              <a:t>1. Start a WhatsApp chat with ParentText</a:t>
+              <a:t>1. Mulakan sembang WhatsApp dengan ParentText</a:t>
             </a:r>
             <a:endParaRPr b="1">
               <a:solidFill>
@@ -17258,7 +17258,7 @@
               </a:defRPr>
             </a:pPr>
             <a:r>
-              <a:t>Open your phone</a:t>
+              <a:t>Buka telefon anda</a:t>
             </a:r>
             <a:endParaRPr>
               <a:solidFill>
@@ -17290,7 +17290,7 @@
                   <a:schemeClr val="dk1"/>
                 </a:solidFill>
               </a:rPr>
-              <a:t>Save the ParentText phone number (+6-012-292-7434</a:t>
+              <a:t>Simpan nombor telefon ParentText (+6-012-292-7434</a:t>
             </a:r>
             <a:r>
               <a:rPr>
@@ -17309,7 +17309,7 @@
                   <a:schemeClr val="dk1"/>
                 </a:solidFill>
               </a:rPr>
-              <a:t>as a contact</a:t>
+              <a:t>sebagai kenalan</a:t>
             </a:r>
             <a:endParaRPr>
               <a:solidFill>
@@ -17340,7 +17340,7 @@
               </a:defRPr>
             </a:pPr>
             <a:r>
-              <a:t>Open WhatsApp, search for ‘ParentText’ and start a chat by typing START </a:t>
+              <a:t>Buka WhatsApp, cari 'ParentText' dan mulakan sembang dengan menaip MULA </a:t>
             </a:r>
             <a:endParaRPr>
               <a:solidFill>
@@ -17404,7 +17404,7 @@
               </a:defRPr>
             </a:pPr>
             <a:r>
-              <a:t>Tell participants to follow the ParentText prompts. ParentText will ask them to: </a:t>
+              <a:t>Beritahu peserta untuk mengikuti gesaan ParentText. ParentText akan meminta mereka untuk: </a:t>
             </a:r>
             <a:endParaRPr>
               <a:solidFill>
@@ -17435,7 +17435,7 @@
               </a:defRPr>
             </a:pPr>
             <a:r>
-              <a:t>Choose a language </a:t>
+              <a:t>Pilih bahasa </a:t>
             </a:r>
             <a:endParaRPr>
               <a:solidFill>
@@ -17466,7 +17466,7 @@
               </a:defRPr>
             </a:pPr>
             <a:r>
-              <a:t>Choose how they would like to receive messages:</a:t>
+              <a:t>Pilih cara mereka mahu menerima mesej:</a:t>
             </a:r>
             <a:endParaRPr>
               <a:solidFill>
@@ -17591,7 +17591,7 @@
               </a:defRPr>
             </a:pPr>
             <a:r>
-              <a:t>3. Introduction video</a:t>
+              <a:t>3. Video pengenalan</a:t>
             </a:r>
             <a:endParaRPr b="1">
               <a:solidFill>
@@ -17623,7 +17623,7 @@
               </a:defRPr>
             </a:pPr>
             <a:r>
-              <a:t>Ask participants to watch the 5-minute introduction video explaining how ParentText works.</a:t>
+              <a:t>Minta peserta menonton video pengenalan 5 minit yang menerangkan cara ParentText berfungsi.</a:t>
             </a:r>
             <a:endParaRPr>
               <a:solidFill>
@@ -17655,7 +17655,7 @@
               </a:defRPr>
             </a:pPr>
             <a:r>
-              <a:t>Ask participants if they have any questions.</a:t>
+              <a:t>Tanya peserta jika mereka mempunyai sebarang soalan.</a:t>
             </a:r>
             <a:endParaRPr>
               <a:solidFill>
@@ -25637,7 +25637,7 @@
               </a:defRPr>
             </a:pPr>
             <a:r>
-              <a:t>Month Year</a:t>
+              <a:t>Bulan Tahun</a:t>
             </a:r>
             <a:endParaRPr b="0" i="0" sz="2100" u="none" cap="none" strike="noStrike">
               <a:solidFill>
@@ -25696,7 +25696,7 @@
               </a:defRPr>
             </a:pPr>
             <a:r>
-              <a:t>Naungan Kasih Hybrid Parenting Programme</a:t>
+              <a:t>Program Keibubapaan Hibrid Naungan Kasih</a:t>
             </a:r>
             <a:br>
               <a:rPr b="1" lang="en-US" sz="2200">
@@ -25935,7 +25935,7 @@
               </a:defRPr>
             </a:pPr>
             <a:r>
-              <a:t>Name of the Facilitators</a:t>
+              <a:t>Nama Fasilitator</a:t>
             </a:r>
             <a:endParaRPr b="0" i="0" sz="2100" u="none" cap="none" strike="noStrike">
               <a:solidFill>
@@ -26109,7 +26109,7 @@
               </a:defRPr>
             </a:pPr>
             <a:r>
-              <a:t>Getting Started with ParentText</a:t>
+              <a:t>Bermula dengan ParentText</a:t>
             </a:r>
             <a:endParaRPr b="0" i="0" sz="1400" u="none" cap="none" strike="noStrike">
               <a:solidFill>
@@ -26171,7 +26171,7 @@
               </a:defRPr>
             </a:pPr>
             <a:r>
-              <a:t>Prompts ParentText will ask: </a:t>
+              <a:t>Prompts ParentText akan bertanya: </a:t>
             </a:r>
             <a:endParaRPr b="0" i="0" sz="1700" u="none" cap="none" strike="noStrike">
               <a:solidFill>
@@ -26241,7 +26241,7 @@
                   </a:ext>
                 </a:extLst>
               </a:rPr>
-              <a:t>User information </a:t>
+              <a:t>Maklumat pengguna </a:t>
             </a:r>
             <a:r>
               <a:t> </a:t>
@@ -26254,7 +26254,7 @@
                   </a:ext>
                 </a:extLst>
               </a:rPr>
-              <a:t>(E.g. Age of your child, your gender, your child’s gender)</a:t>
+              <a:t>(Cth. Umur anak anda, jantina anda, jantina anak anda)</a:t>
             </a:r>
             <a:endParaRPr sz="1600">
               <a:solidFill>
@@ -26285,7 +26285,7 @@
               </a:defRPr>
             </a:pPr>
             <a:r>
-              <a:t>Taking a pause </a:t>
+              <a:t>Berhenti seketika </a:t>
             </a:r>
             <a:endParaRPr sz="1600">
               <a:solidFill>
@@ -26316,11 +26316,11 @@
               </a:defRPr>
             </a:pPr>
             <a:r>
-              <a:t>Select your first goal “</a:t>
+              <a:t>Pilih matlamat pertama anda “</a:t>
             </a:r>
             <a:r>
               <a:rPr b="1"/>
-              <a:t>Improve My Relationship with My Child</a:t>
+              <a:t>Tingkatkan Hubungan Saya dengan Anak Saya</a:t>
             </a:r>
             <a:r>
               <a:t>”</a:t>
@@ -26354,11 +26354,11 @@
               </a:defRPr>
             </a:pPr>
             <a:r>
-              <a:t>Your first skill </a:t>
+              <a:t>Kemahiran pertama anda </a:t>
             </a:r>
             <a:r>
               <a:rPr b="1"/>
-              <a:t>“Spending One-on-One Time with My Child”</a:t>
+              <a:t>“Menghabiskan Masa Satu-satu dengan Anak Saya”</a:t>
             </a:r>
             <a:endParaRPr b="1" sz="1600">
               <a:solidFill>
@@ -26385,7 +26385,7 @@
               </a:defRPr>
             </a:pPr>
             <a:r>
-              <a:t>Any questions about using ParentText? </a:t>
+              <a:t>Sebarang soalan tentang menggunakan ParentText? </a:t>
             </a:r>
             <a:endParaRPr b="1" sz="1600">
               <a:solidFill>
@@ -26527,7 +26527,7 @@
               </a:defRPr>
             </a:pPr>
             <a:r>
-              <a:t>Spending One-on-One Time with My Child</a:t>
+              <a:t>Menghabiskan Masa Satu-satu dengan Anak Saya</a:t>
             </a:r>
             <a:endParaRPr b="0" i="0" sz="1400" u="none" cap="none" strike="noStrike">
               <a:solidFill>
@@ -26616,7 +26616,7 @@
               <a:t>Farah</a:t>
             </a:r>
             <a:r>
-              <a:t>: I have 5 minutes of one-on-one time to spend with you, Mira. Apakah yang anda mahu lakukan?</a:t>
+              <a:t>: Saya ada 5 minit masa bersemuka dengan awak, Mira. Apakah yang anda mahu lakukan?</a:t>
             </a:r>
             <a:endParaRPr sz="1050">
               <a:solidFill>
@@ -26654,7 +26654,7 @@
               <a:t>Mira</a:t>
             </a:r>
             <a:r>
-              <a:t>: I want to play dress up!</a:t>
+              <a:t>: Saya mahu bermain berdandan!</a:t>
             </a:r>
             <a:endParaRPr sz="1000">
               <a:solidFill>
@@ -26768,7 +26768,7 @@
               <a:t>Mira</a:t>
             </a:r>
             <a:r>
-              <a:t>: Ibu, it’s for you.</a:t>
+              <a:t>: Ibu, ini untuk kamu.</a:t>
             </a:r>
             <a:endParaRPr sz="1050">
               <a:solidFill>
@@ -26818,7 +26818,7 @@
               <a:t>Farah</a:t>
             </a:r>
             <a:r>
-              <a:t>: Thank you, I love it!</a:t>
+              <a:t>: Terima kasih, saya sukakannya!</a:t>
             </a:r>
             <a:endParaRPr sz="1050">
               <a:solidFill>
@@ -26868,7 +26868,7 @@
               <a:t>Mira</a:t>
             </a:r>
             <a:r>
-              <a:t>: Wear it Ibu!</a:t>
+              <a:t>: Pakai Ibu!</a:t>
             </a:r>
             <a:endParaRPr sz="1050">
               <a:solidFill>
@@ -27005,7 +27005,7 @@
               <a:t>Farah</a:t>
             </a:r>
             <a:r>
-              <a:t>: Wonderful idea, Mira! I see you are taking out the yellow scarf with blue stripes on it. </a:t>
+              <a:t>: Idea yang bagus, Mira! Saya nampak awak sedang mengeluarkan selendang kuning dengan jalur biru di atasnya. </a:t>
             </a:r>
           </a:p>
         </p:txBody>
@@ -27085,7 +27085,7 @@
               <a:t>Farah</a:t>
             </a:r>
             <a:r>
-              <a:t>: What a big girl you are, Mira to get dressed by yourself!</a:t>
+              <a:t>: Hebatnya awak, Mira untuk berpakaian sendiri!</a:t>
             </a:r>
             <a:endParaRPr sz="1050">
               <a:solidFill>
@@ -27227,7 +27227,7 @@
               </a:defRPr>
             </a:pPr>
             <a:r>
-              <a:t>Spending One-on-One Time with My Child</a:t>
+              <a:t>Menghabiskan Masa Satu-satu dengan Anak Saya</a:t>
             </a:r>
             <a:endParaRPr b="0" i="0" sz="1400" u="none" cap="none" strike="noStrike">
               <a:solidFill>
@@ -27289,7 +27289,7 @@
               </a:defRPr>
             </a:pPr>
             <a:r>
-              <a:t>What are some of the </a:t>
+              <a:t>Apakah sebahagian daripada </a:t>
             </a:r>
             <a:endParaRPr b="1" sz="4000">
               <a:solidFill>
@@ -27321,7 +27321,7 @@
               </a:defRPr>
             </a:pPr>
             <a:r>
-              <a:t>benefits of </a:t>
+              <a:t>faedah daripada </a:t>
             </a:r>
             <a:endParaRPr b="1" sz="4000">
               <a:solidFill>
@@ -27353,7 +27353,7 @@
               </a:defRPr>
             </a:pPr>
             <a:r>
-              <a:t>One-on-One Time?</a:t>
+              <a:t>Satu-satu Masa?</a:t>
             </a:r>
             <a:endParaRPr b="1" sz="4000">
               <a:solidFill>
@@ -27831,7 +27831,7 @@
               </a:defRPr>
             </a:pPr>
             <a:r>
-              <a:t>Spending One-on-One Time with My Child</a:t>
+              <a:t>Menghabiskan Masa Satu-satu dengan Anak Saya</a:t>
             </a:r>
             <a:endParaRPr b="0" i="0" sz="1400" u="none" cap="none" strike="noStrike">
               <a:solidFill>
@@ -27893,7 +27893,7 @@
               </a:defRPr>
             </a:pPr>
             <a:r>
-              <a:t>What activities can you do </a:t>
+              <a:t>Apakah aktiviti yang boleh anda lakukan </a:t>
             </a:r>
             <a:endParaRPr b="1" sz="3300">
               <a:solidFill>
@@ -27925,7 +27925,7 @@
               </a:defRPr>
             </a:pPr>
             <a:r>
-              <a:t>with your child </a:t>
+              <a:t>dengan anak anda </a:t>
             </a:r>
             <a:endParaRPr b="1" sz="3300">
               <a:solidFill>
@@ -27957,7 +27957,7 @@
               </a:defRPr>
             </a:pPr>
             <a:r>
-              <a:t>during One-on-One Time?</a:t>
+              <a:t>semasa One-on-One Time?</a:t>
             </a:r>
             <a:endParaRPr b="1" sz="3300">
               <a:solidFill>
@@ -28435,7 +28435,7 @@
               </a:defRPr>
             </a:pPr>
             <a:r>
-              <a:t>Spending One-on-One Time with My Child</a:t>
+              <a:t>Menghabiskan Masa Satu-satu dengan Anak Saya</a:t>
             </a:r>
             <a:endParaRPr b="0" i="0" sz="1400" u="none" cap="none" strike="noStrike">
               <a:solidFill>
@@ -28497,7 +28497,7 @@
               </a:defRPr>
             </a:pPr>
             <a:r>
-              <a:t>Let’s </a:t>
+              <a:t>Jom </a:t>
             </a:r>
             <a:endParaRPr b="1" sz="5000">
               <a:solidFill>
@@ -29037,7 +29037,7 @@
               </a:defRPr>
             </a:pPr>
             <a:r>
-              <a:t>Spending One-on-One Time with My Child</a:t>
+              <a:t>Menghabiskan Masa Satu-satu dengan Anak Saya</a:t>
             </a:r>
             <a:endParaRPr b="0" i="0" sz="1400" u="none" cap="none" strike="noStrike">
               <a:solidFill>
@@ -29104,7 +29104,7 @@
               </a:defRPr>
             </a:pPr>
             <a:r>
-              <a:t>Set aside a specific time to spend One-on-One Time with your child each day.</a:t>
+              <a:t>Sediakan masa tertentu untuk meluangkan Masa Satu dengan Satu dengan anak anda setiap hari.</a:t>
             </a:r>
             <a:endParaRPr sz="1100">
               <a:solidFill>
@@ -29131,7 +29131,7 @@
               </a:defRPr>
             </a:pPr>
             <a:r>
-              <a:t>Switch off the television and put away smartphones. </a:t>
+              <a:t>Matikan televisyen dan letakkan telefon pintar. </a:t>
             </a:r>
             <a:endParaRPr sz="1100">
               <a:solidFill>
@@ -29158,7 +29158,7 @@
               </a:defRPr>
             </a:pPr>
             <a:r>
-              <a:t>Choose a time when you are unlikely to be interrupted. </a:t>
+              <a:t>Pilih masa apabila anda tidak mungkin diganggu. </a:t>
             </a:r>
             <a:endParaRPr sz="1100">
               <a:solidFill>
@@ -29190,7 +29190,7 @@
               </a:defRPr>
             </a:pPr>
             <a:r>
-              <a:t>Choose a time when your child does not have something else that they want to do.</a:t>
+              <a:t>Pilih masa apabila anak anda tidak mempunyai perkara lain yang mereka mahu lakukan.</a:t>
             </a:r>
             <a:endParaRPr sz="1100">
               <a:solidFill>
@@ -29269,7 +29269,7 @@
               </a:defRPr>
             </a:pPr>
             <a:r>
-              <a:t>Try to do something different than watching TV or playing with a tablet/phone.</a:t>
+              <a:t>Cuba lakukan sesuatu yang berbeza daripada menonton TV atau bermain dengan tablet/telefon.</a:t>
             </a:r>
             <a:endParaRPr sz="1100">
               <a:solidFill>
@@ -29296,7 +29296,7 @@
               </a:defRPr>
             </a:pPr>
             <a:r>
-              <a:t>Sometimes, it may be just enough to watch your child’s favourite TV programme with him/her. </a:t>
+              <a:t>Kadangkala, ia mungkin cukup untuk menonton program TV kegemaran anak anda bersamanya. </a:t>
             </a:r>
             <a:endParaRPr sz="1100">
               <a:solidFill>
@@ -29328,7 +29328,7 @@
               </a:defRPr>
             </a:pPr>
             <a:r>
-              <a:t>S/he may feel comfortable doing other activities with time.</a:t>
+              <a:t>S/dia mungkin berasa selesa melakukan aktiviti lain mengikut masa.</a:t>
             </a:r>
             <a:endParaRPr sz="1100">
               <a:solidFill>
@@ -29442,7 +29442,7 @@
               </a:defRPr>
             </a:pPr>
             <a:r>
-              <a:t>Give your child all your attention. </a:t>
+              <a:t>Berikan anak anda semua perhatian anda. </a:t>
             </a:r>
             <a:endParaRPr sz="1100">
               <a:solidFill>
@@ -29513,17 +29513,17 @@
             </a:pPr>
             <a:r>
               <a:rPr b="1"/>
-              <a:t>Listen</a:t>
-            </a:r>
-            <a:r>
-              <a:t> to what your child is saying and </a:t>
+              <a:t>Dengar</a:t>
+            </a:r>
+            <a:r>
+              <a:t> apa yang anak anda katakan dan </a:t>
             </a:r>
             <a:r>
               <a:rPr b="1"/>
-              <a:t>watch</a:t>
-            </a:r>
-            <a:r>
-              <a:t> them.</a:t>
+              <a:t>tonton</a:t>
+            </a:r>
+            <a:r>
+              <a:t> mereka.</a:t>
             </a:r>
             <a:endParaRPr sz="1100">
               <a:solidFill>
@@ -29550,7 +29550,7 @@
               </a:defRPr>
             </a:pPr>
             <a:r>
-              <a:t>Reflect back what your child says to you.</a:t>
+              <a:t>Renung kembali apa yang anak anda katakan kepada anda.</a:t>
             </a:r>
             <a:endParaRPr sz="1100">
               <a:solidFill>
@@ -29577,7 +29577,7 @@
               </a:defRPr>
             </a:pPr>
             <a:r>
-              <a:t>Make only positive comments and avoid critical comments.</a:t>
+              <a:t>Buat komen yang positif sahaja dan elakkan komen yang kritis.</a:t>
             </a:r>
             <a:endParaRPr sz="1100">
               <a:solidFill>
@@ -29775,7 +29775,7 @@
               </a:defRPr>
             </a:pPr>
             <a:r>
-              <a:t>DAY </a:t>
+              <a:t>HARI </a:t>
             </a:r>
             <a:endParaRPr b="1" sz="1100">
               <a:solidFill>
@@ -29977,7 +29977,7 @@
               </a:defRPr>
             </a:pPr>
             <a:r>
-              <a:t>Spending One-on-One Time with My Child</a:t>
+              <a:t>Menghabiskan Masa Satu-satu dengan Anak Saya</a:t>
             </a:r>
             <a:endParaRPr b="0" i="0" sz="1400" u="none" cap="none" strike="noStrike">
               <a:solidFill>
@@ -30039,7 +30039,7 @@
               </a:defRPr>
             </a:pPr>
             <a:r>
-              <a:t>Home Activity </a:t>
+              <a:t>Aktiviti Rumah </a:t>
             </a:r>
             <a:endParaRPr b="0" i="0" sz="1700" u="none" cap="none" strike="noStrike">
               <a:solidFill>
@@ -30098,7 +30098,7 @@
               </a:defRPr>
             </a:pPr>
             <a:r>
-              <a:t>Spend at least 5 to 15 minutes of One-on-One Time with your child each day</a:t>
+              <a:t>Luangkan sekurang-kurangnya 5 hingga 15 minit Masa Satu dengan Satu dengan anak anda setiap hari</a:t>
             </a:r>
             <a:endParaRPr b="1" sz="1700">
               <a:solidFill>
@@ -30126,7 +30126,7 @@
                   <a:srgbClr val="019FE4"/>
                 </a:solidFill>
               </a:rPr>
-              <a:t>Where</a:t>
+              <a:t>Di manakah</a:t>
             </a:r>
             <a:r>
               <a:rPr>
@@ -30134,7 +30134,7 @@
                   <a:srgbClr val="0D3959"/>
                 </a:solidFill>
               </a:rPr>
-              <a:t> will you spend One-on-One Time with your child?</a:t>
+              <a:t> anda akan menghabiskan Masa Satu-satu dengan anak anda?</a:t>
             </a:r>
             <a:endParaRPr i="1" sz="1500">
               <a:solidFill>
@@ -30162,7 +30162,7 @@
                   <a:srgbClr val="EE1651"/>
                 </a:solidFill>
               </a:rPr>
-              <a:t>When</a:t>
+              <a:t>Bilakah</a:t>
             </a:r>
             <a:r>
               <a:rPr>
@@ -30170,7 +30170,7 @@
                   <a:srgbClr val="0D3959"/>
                 </a:solidFill>
               </a:rPr>
-              <a:t> will you spend One-on-One Time with your child?</a:t>
+              <a:t> anda akan meluangkan Masa Satu-satu dengan anak anda?</a:t>
             </a:r>
             <a:endParaRPr i="1" sz="1500">
               <a:solidFill>
@@ -30198,7 +30198,7 @@
                   <a:srgbClr val="FCA203"/>
                 </a:solidFill>
               </a:rPr>
-              <a:t>What</a:t>
+              <a:t>Apakah</a:t>
             </a:r>
             <a:r>
               <a:rPr>
@@ -30206,7 +30206,7 @@
                   <a:srgbClr val="0D3959"/>
                 </a:solidFill>
               </a:rPr>
-              <a:t> types of activities could you do during One-on-One Time with your child?</a:t>
+              <a:t> jenis aktiviti yang boleh anda lakukan semasa One-on-One Time bersama anak anda?</a:t>
             </a:r>
             <a:endParaRPr b="1" sz="1700">
               <a:solidFill>
@@ -30348,7 +30348,7 @@
               </a:defRPr>
             </a:pPr>
             <a:r>
-              <a:t>Closing</a:t>
+              <a:t>Penutup</a:t>
             </a:r>
             <a:endParaRPr b="0" i="0" sz="1400" u="none" cap="none" strike="noStrike">
               <a:solidFill>
@@ -30410,7 +30410,7 @@
               </a:defRPr>
             </a:pPr>
             <a:r>
-              <a:t>Reflections</a:t>
+              <a:t>Renungan</a:t>
             </a:r>
             <a:endParaRPr b="0" i="0" sz="1700" u="none" cap="none" strike="noStrike">
               <a:solidFill>
@@ -32261,7 +32261,7 @@
               </a:defRPr>
             </a:pPr>
             <a:r>
-              <a:t>Session Overview</a:t>
+              <a:t>Gambaran Keseluruhan Sesi</a:t>
             </a:r>
             <a:endParaRPr b="0" i="0" sz="1400" u="none" cap="none" strike="noStrike">
               <a:solidFill>
@@ -32323,7 +32323,7 @@
               </a:defRPr>
             </a:pPr>
             <a:r>
-              <a:t>Structure of the Workshop </a:t>
+              <a:t>Struktur Bengkel </a:t>
             </a:r>
             <a:endParaRPr b="1" sz="2100">
               <a:solidFill>
@@ -32378,7 +32378,7 @@
               </a:defRPr>
             </a:pPr>
             <a:r>
-              <a:t>Welcome </a:t>
+              <a:t>Selamat datang </a:t>
             </a:r>
             <a:endParaRPr sz="1900">
               <a:solidFill>
@@ -32409,7 +32409,7 @@
               </a:defRPr>
             </a:pPr>
             <a:r>
-              <a:t>Getting Started with ParentText </a:t>
+              <a:t>Bermula dengan ParentText </a:t>
             </a:r>
             <a:endParaRPr sz="1900">
               <a:solidFill>
@@ -32440,7 +32440,7 @@
               </a:defRPr>
             </a:pPr>
             <a:r>
-              <a:t>Break</a:t>
+              <a:t>Rehat</a:t>
             </a:r>
             <a:endParaRPr i="1" sz="1900">
               <a:solidFill>
@@ -32471,7 +32471,7 @@
               </a:defRPr>
             </a:pPr>
             <a:r>
-              <a:t>Spending one-on-one time with your children</a:t>
+              <a:t>Luangkan masa satu-satu dengan anak-anak anda</a:t>
             </a:r>
             <a:endParaRPr sz="1900">
               <a:solidFill>
@@ -32502,7 +32502,7 @@
               </a:defRPr>
             </a:pPr>
             <a:r>
-              <a:t>Closing </a:t>
+              <a:t>Penutup </a:t>
             </a:r>
             <a:endParaRPr sz="1900">
               <a:solidFill>
@@ -37208,7 +37208,7 @@
               </a:defRPr>
             </a:pPr>
             <a:r>
-              <a:t>Welcome</a:t>
+              <a:t>Selamat datang</a:t>
             </a:r>
             <a:endParaRPr b="0" i="0" sz="1400" u="none" cap="none" strike="noStrike">
               <a:solidFill>
@@ -37270,7 +37270,7 @@
               </a:defRPr>
             </a:pPr>
             <a:r>
-              <a:t>Let’s play a NAME GAME! </a:t>
+              <a:t>Mari bermain PERMAINAN NAMA!</a:t>
             </a:r>
             <a:endParaRPr b="0" i="0" sz="2000" u="none" cap="none" strike="noStrike">
               <a:solidFill>
@@ -37333,7 +37333,7 @@
               </a:defRPr>
             </a:pPr>
             <a:r>
-              <a:t>Stand in a circle. </a:t>
+              <a:t>Berdiri dalam bulatan.</a:t>
             </a:r>
             <a:endParaRPr sz="1900">
               <a:solidFill>
@@ -37364,7 +37364,7 @@
               </a:defRPr>
             </a:pPr>
             <a:r>
-              <a:t>One person says his/her name and makes a shape.</a:t>
+              <a:t>Seseorang menyebut namanya dan membuat bentuk.</a:t>
             </a:r>
             <a:endParaRPr sz="1900">
               <a:solidFill>
@@ -37395,7 +37395,7 @@
               </a:defRPr>
             </a:pPr>
             <a:r>
-              <a:t>The entire circle then repeats that person’s name and makes the same shape.</a:t>
+              <a:t>Seluruh bulatan kemudian mengulangi nama orang itu dan membuat bentuk yang sama.</a:t>
             </a:r>
             <a:endParaRPr sz="1900">
               <a:solidFill>
@@ -37426,7 +37426,7 @@
               </a:defRPr>
             </a:pPr>
             <a:r>
-              <a:t>The person sitting next to them says their name and makes a shape.</a:t>
+              <a:t>Orang yang duduk di sebelah mereka menyebut nama mereka dan membuat bentuk.</a:t>
             </a:r>
             <a:endParaRPr sz="1900">
               <a:solidFill>
@@ -37457,7 +37457,7 @@
               </a:defRPr>
             </a:pPr>
             <a:r>
-              <a:t>Repeat for everyone in the circle!</a:t>
+              <a:t>Ulang untuk semua orang dalam bulatan!</a:t>
             </a:r>
             <a:endParaRPr sz="1900">
               <a:solidFill>
@@ -37775,7 +37775,7 @@
               </a:defRPr>
             </a:pPr>
             <a:r>
-              <a:t>Welcome</a:t>
+              <a:t>Selamat datang</a:t>
             </a:r>
             <a:endParaRPr b="0" i="0" sz="1400" u="none" cap="none" strike="noStrike">
               <a:solidFill>
@@ -37837,7 +37837,7 @@
               </a:defRPr>
             </a:pPr>
             <a:r>
-              <a:t>Who is Naungan Kasih Hybrid Parenting Programme for? </a:t>
+              <a:t>Program Keibubapaan Hibrid Naungan Kasih untuk siapa?</a:t>
             </a:r>
             <a:endParaRPr b="0" i="0" sz="1400" u="none" cap="none" strike="noStrike">
               <a:solidFill>
@@ -37896,7 +37896,7 @@
               </a:defRPr>
             </a:pPr>
             <a:r>
-              <a:t>For parents, like you, with children 4</a:t>
+              <a:t>Untuk ibu bapa, seperti anda, dengan anak 4</a:t>
             </a:r>
             <a:r>
               <a:rPr>
@@ -37906,10 +37906,10 @@
                   </a:ext>
                 </a:extLst>
               </a:rPr>
-              <a:t> to 6 years old</a:t>
-            </a:r>
-            <a:r>
-              <a:t> enrolled in KEMAS pre-schools</a:t>
+              <a:t> hingga 6 tahun</a:t>
+            </a:r>
+            <a:r>
+              <a:t> yang mendaftar di prasekolah KEMAS</a:t>
             </a:r>
             <a:endParaRPr>
               <a:solidFill>
@@ -37941,17 +37941,17 @@
             </a:pPr>
             <a:r>
               <a:rPr b="1"/>
-              <a:t>Parents </a:t>
-            </a:r>
-            <a:r>
-              <a:t>and </a:t>
+              <a:t>Ibu bapa </a:t>
+            </a:r>
+            <a:r>
+              <a:t>dan </a:t>
             </a:r>
             <a:r>
               <a:rPr b="1"/>
-              <a:t>Parenting </a:t>
-            </a:r>
-            <a:r>
-              <a:t>includes all caregivers responsible for your child’s well-being. Caregivers include non-biological parents like aunts, uncles, siblings, cousins, foster parents.</a:t>
+              <a:t>Asuhan </a:t>
+            </a:r>
+            <a:r>
+              <a:t>termasuk semua penjaga yang bertanggungjawab untuk kesejahteraan anak anda. Pengasuh termasuk ibu bapa bukan kandung seperti ibu saudara, bapa saudara, adik beradik, sepupu, ibu bapa angkat.</a:t>
             </a:r>
             <a:endParaRPr sz="1300">
               <a:solidFill>
@@ -38014,7 +38014,7 @@
               </a:defRPr>
             </a:pPr>
             <a:r>
-              <a:t>What is the goal of the Naungan Kasih Hybrid Parenting Programme? </a:t>
+              <a:t>Apakah matlamat Program Keibubapaan Hibrid Naungan Kasih?</a:t>
             </a:r>
             <a:endParaRPr b="1">
               <a:solidFill>
@@ -38084,7 +38084,7 @@
               </a:defRPr>
             </a:pPr>
             <a:r>
-              <a:t>Build open, caring, and trusting relationships between caregivers and children.</a:t>
+              <a:t>Bina hubungan terbuka, penyayang, dan percaya antara penjaga dan kanak-kanak.</a:t>
             </a:r>
             <a:endParaRPr>
               <a:solidFill>
@@ -38125,7 +38125,7 @@
               </a:defRPr>
             </a:pPr>
             <a:r>
-              <a:t>Support healthy and positive relations to keep children safe and support their development.</a:t>
+              <a:t>Sokong hubungan yang sihat dan positif untuk memastikan kanak-kanak selamat dan menyokong perkembangan mereka.</a:t>
             </a:r>
             <a:endParaRPr>
               <a:solidFill>
@@ -38166,7 +38166,7 @@
               </a:defRPr>
             </a:pPr>
             <a:r>
-              <a:t>Promote positive skills for parents to help them teach their children responsible and respectful behavior and instil parenting values</a:t>
+              <a:t>Menggalakkan kemahiran positif untuk ibu bapa untuk membantu mereka mengajar anak-anak mereka tingkah laku yang bertanggungjawab dan hormat serta menyemai nilai keibubapaan</a:t>
             </a:r>
             <a:endParaRPr sz="1300">
               <a:solidFill>
@@ -38244,7 +38244,7 @@
               </a:defRPr>
             </a:pPr>
             <a:r>
-              <a:t>ParentText Chatbot: </a:t>
+              <a:t>ParentText Chatbot:</a:t>
             </a:r>
             <a:endParaRPr b="1" sz="1500">
               <a:solidFill>
@@ -38280,7 +38280,7 @@
               </a:defRPr>
             </a:pPr>
             <a:r>
-              <a:t>Improve My Relationship with My Child </a:t>
+              <a:t>Perbaiki Hubungan Saya dengan Anak Saya</a:t>
             </a:r>
             <a:endParaRPr sz="1500">
               <a:solidFill>
@@ -38321,7 +38321,7 @@
               </a:defRPr>
             </a:pPr>
             <a:r>
-              <a:t>Prepare My Child for Success in School </a:t>
+              <a:t>Sediakan Anak Saya untuk Berjaya di Sekolah</a:t>
             </a:r>
             <a:endParaRPr sz="1500">
               <a:solidFill>
@@ -38403,7 +38403,7 @@
               </a:defRPr>
             </a:pPr>
             <a:r>
-              <a:t>Give My Child Structure </a:t>
+              <a:t>Beri Struktur Anak Saya</a:t>
             </a:r>
             <a:endParaRPr sz="1500">
               <a:solidFill>
@@ -38444,7 +38444,7 @@
               </a:defRPr>
             </a:pPr>
             <a:r>
-              <a:t>Support Positive Child Behaviour </a:t>
+              <a:t>Sokong Tingkah Laku Kanak-kanak yang Positif</a:t>
             </a:r>
             <a:endParaRPr sz="1500">
               <a:solidFill>
@@ -38485,7 +38485,7 @@
               </a:defRPr>
             </a:pPr>
             <a:r>
-              <a:t>Keep My Child Safe and Healthy </a:t>
+              <a:t>Pastikan Anak Saya Selamat dan Sihat</a:t>
             </a:r>
             <a:endParaRPr sz="1500">
               <a:solidFill>
@@ -38526,7 +38526,7 @@
               </a:defRPr>
             </a:pPr>
             <a:r>
-              <a:t>Have a Healthy Relationship with My Spouse </a:t>
+              <a:t>Jalinkan Hubungan Sihat dengan Pasangan Saya</a:t>
             </a:r>
             <a:endParaRPr sz="1500">
               <a:solidFill>
@@ -38567,7 +38567,7 @@
               </a:defRPr>
             </a:pPr>
             <a:r>
-              <a:t>Build a Family Budget</a:t>
+              <a:t>Bina Belanjawan Keluarga</a:t>
             </a:r>
             <a:endParaRPr b="1" sz="1900">
               <a:solidFill>
@@ -38648,7 +38648,7 @@
               </a:defRPr>
             </a:pPr>
             <a:r>
-              <a:t>Only 5 minutes a day!</a:t>
+              <a:t>Hanya 5 minit sehari!</a:t>
             </a:r>
             <a:endParaRPr b="1" sz="1800">
               <a:solidFill>
@@ -38765,7 +38765,7 @@
               </a:defRPr>
             </a:pPr>
             <a:r>
-              <a:t>Welcome</a:t>
+              <a:t>Selamat datang</a:t>
             </a:r>
             <a:endParaRPr b="0" i="0" sz="1400" u="none" cap="none" strike="noStrike">
               <a:solidFill>
@@ -38827,7 +38827,7 @@
               </a:defRPr>
             </a:pPr>
             <a:r>
-              <a:t>What makes Naungan Kasih Programme?</a:t>
+              <a:t>Apakah yang menjadikan Program Naungan Kasih?</a:t>
             </a:r>
             <a:endParaRPr sz="1500">
               <a:solidFill>
@@ -38997,7 +38997,7 @@
               </a:defRPr>
             </a:pPr>
             <a:r>
-              <a:t>Welcome</a:t>
+              <a:t>Selamat datang</a:t>
             </a:r>
             <a:endParaRPr b="0" i="0" sz="1400" u="none" cap="none" strike="noStrike">
               <a:solidFill>
@@ -39064,7 +39064,7 @@
               </a:defRPr>
             </a:pPr>
             <a:r>
-              <a:t>What makes Naungan Kasih Programme?</a:t>
+              <a:t>Apakah yang menjadikan Program Naungan Kasih?</a:t>
             </a:r>
             <a:endParaRPr sz="1500">
               <a:solidFill>
@@ -39212,7 +39212,7 @@
               </a:defRPr>
             </a:pPr>
             <a:r>
-              <a:t>Onboarding Session</a:t>
+              <a:t>Sesi Onboarding</a:t>
             </a:r>
             <a:endParaRPr sz="1800"/>
           </a:p>
@@ -39470,7 +39470,7 @@
               </a:defRPr>
             </a:pPr>
             <a:r>
-              <a:t>WhatsApp Support Group</a:t>
+              <a:t>Kumpulan Sokongan WhatsApp</a:t>
             </a:r>
             <a:endParaRPr sz="1800"/>
           </a:p>
@@ -39614,7 +39614,7 @@
               </a:defRPr>
             </a:pPr>
             <a:r>
-              <a:t>Parent Reflection &amp; Closing Session</a:t>
+              <a:t>Refleksi Ibu Bapa &amp; Sesi Penutup</a:t>
             </a:r>
             <a:endParaRPr sz="1800"/>
           </a:p>
@@ -39752,7 +39752,7 @@
               </a:defRPr>
             </a:pPr>
             <a:r>
-              <a:t>Welcome</a:t>
+              <a:t>Selamat datang</a:t>
             </a:r>
             <a:endParaRPr b="0" i="0" sz="1400" u="none" cap="none" strike="noStrike">
               <a:solidFill>
@@ -39814,7 +39814,7 @@
               </a:defRPr>
             </a:pPr>
             <a:r>
-              <a:t>Let us set up some GROUND RULES</a:t>
+              <a:t>Mari kita sediakan beberapa PERATURAN ASAS</a:t>
             </a:r>
             <a:endParaRPr b="1" sz="5000">
               <a:solidFill>
@@ -40335,7 +40335,7 @@
               </a:defRPr>
             </a:pPr>
             <a:r>
-              <a:t>Getting Started with ParentText</a:t>
+              <a:t>Bermula dengan ParentText</a:t>
             </a:r>
             <a:endParaRPr b="0" i="0" sz="1400" u="none" cap="none" strike="noStrike">
               <a:solidFill>
@@ -40397,7 +40397,7 @@
               </a:defRPr>
             </a:pPr>
             <a:r>
-              <a:t>Phone Use </a:t>
+              <a:t>Penggunaan Telefon</a:t>
             </a:r>
             <a:endParaRPr b="0" i="0" sz="1800" u="none" cap="none" strike="noStrike">
               <a:solidFill>
@@ -40460,7 +40460,7 @@
               </a:defRPr>
             </a:pPr>
             <a:r>
-              <a:t>Switch on and off the phone </a:t>
+              <a:t>Hidupkan dan matikan telefon</a:t>
             </a:r>
             <a:endParaRPr sz="1700">
               <a:solidFill>
@@ -40491,7 +40491,7 @@
               </a:defRPr>
             </a:pPr>
             <a:r>
-              <a:t>Phone settings </a:t>
+              <a:t>Aturan telefon</a:t>
             </a:r>
             <a:endParaRPr sz="1700">
               <a:solidFill>
@@ -40522,7 +40522,7 @@
               </a:defRPr>
             </a:pPr>
             <a:r>
-              <a:t>WhatsApp settings </a:t>
+              <a:t>Tetapan WhatsApp</a:t>
             </a:r>
             <a:endParaRPr sz="1700">
               <a:solidFill>
@@ -40553,7 +40553,7 @@
               </a:defRPr>
             </a:pPr>
             <a:r>
-              <a:t>Phone charging </a:t>
+              <a:t>Mengecas telefon</a:t>
             </a:r>
             <a:endParaRPr sz="1700">
               <a:solidFill>
@@ -40584,7 +40584,7 @@
               </a:defRPr>
             </a:pPr>
             <a:r>
-              <a:t>Data bundle</a:t>
+              <a:t>Himpunan data</a:t>
             </a:r>
             <a:endParaRPr sz="1700">
               <a:solidFill>
@@ -40615,7 +40615,7 @@
               </a:defRPr>
             </a:pPr>
             <a:r>
-              <a:t>Internal phone storage </a:t>
+              <a:t>Storan telefon dalaman</a:t>
             </a:r>
             <a:endParaRPr sz="1700">
               <a:solidFill>
@@ -40646,7 +40646,7 @@
               </a:defRPr>
             </a:pPr>
             <a:r>
-              <a:t>Digital awareness </a:t>
+              <a:t>Kesedaran digital</a:t>
             </a:r>
             <a:endParaRPr sz="1700">
               <a:solidFill>
@@ -40677,7 +40677,7 @@
               </a:defRPr>
             </a:pPr>
             <a:r>
-              <a:t>Prevent damage to the phone</a:t>
+              <a:t>Elakkan kerosakan pada telefon</a:t>
             </a:r>
             <a:endParaRPr sz="1700">
               <a:solidFill>
@@ -40819,7 +40819,7 @@
               </a:defRPr>
             </a:pPr>
             <a:r>
-              <a:t>Getting Started with ParentText</a:t>
+              <a:t>Bermula dengan ParentText</a:t>
             </a:r>
             <a:endParaRPr b="0" i="0" sz="1400" u="none" cap="none" strike="noStrike">
               <a:solidFill>
@@ -40881,7 +40881,7 @@
               </a:defRPr>
             </a:pPr>
             <a:r>
-              <a:t>Getting into ParentText</a:t>
+              <a:t>Masuk ke ParentText</a:t>
             </a:r>
             <a:endParaRPr b="0" i="0" sz="1600" u="none" cap="none" strike="noStrike">
               <a:solidFill>
@@ -40944,14 +40944,14 @@
               </a:defRPr>
             </a:pPr>
             <a:r>
-              <a:t>Save the ParentText phone number (</a:t>
+              <a:t>Simpan nombor telefon ParentText (</a:t>
             </a:r>
             <a:r>
               <a:rPr b="1"/>
               <a:t>+60-12-292-7434</a:t>
             </a:r>
             <a:r>
-              <a:t>) as a contact</a:t>
+              <a:t>) sebagai kenalan</a:t>
             </a:r>
             <a:endParaRPr sz="1500">
               <a:solidFill>
@@ -40982,7 +40982,7 @@
               </a:defRPr>
             </a:pPr>
             <a:r>
-              <a:t>Open WhatsApp → Search for ‘ParentText’ → Type START to start the chat</a:t>
+              <a:t>Buka WhatsApp → Cari 'ParentText' → Taip MULA untuk memulakan sembang</a:t>
             </a:r>
             <a:endParaRPr sz="1500">
               <a:solidFill>
@@ -41013,7 +41013,7 @@
               </a:defRPr>
             </a:pPr>
             <a:r>
-              <a:t>Choose a language </a:t>
+              <a:t>Pilih bahasa</a:t>
             </a:r>
             <a:endParaRPr sz="1500">
               <a:solidFill>
@@ -41044,7 +41044,7 @@
               </a:defRPr>
             </a:pPr>
             <a:r>
-              <a:t>Choose how you would like to receive the message </a:t>
+              <a:t>Pilih cara anda ingin menerima mesej </a:t>
             </a:r>
             <a:endParaRPr sz="1500">
               <a:solidFill>
@@ -41164,7 +41164,7 @@
               </a:defRPr>
             </a:pPr>
             <a:r>
-              <a:t>Watch the introduction video on your phone!</a:t>
+              <a:t>Tonton video pengenalan pada telefon anda!</a:t>
             </a:r>
             <a:endParaRPr b="1" sz="1500">
               <a:solidFill>

--- a/translations/facilitator_app_malaysia/ms/ms_in_person_sessions.pptx
+++ b/translations/facilitator_app_malaysia/ms/ms_in_person_sessions.pptx
@@ -1568,7 +1568,7 @@
               </a:defRPr>
             </a:pPr>
             <a:r>
-              <a:t>Tanya peserta jika mereka mempunyai sebarang soalan selepas melengkapkan Matlamat 1. You can prompt them by asking the following:</a:t>
+              <a:t>Tanya peserta jika mereka mempunyai sebarang soalan selepas melengkapkan Matlamat 1. Anda boleh menggesa mereka dengan bertanya perkara berikut:</a:t>
             </a:r>
             <a:endParaRPr b="1">
               <a:solidFill>
@@ -1599,7 +1599,7 @@
               </a:defRPr>
             </a:pPr>
             <a:r>
-              <a:t>How was your experience interacting with ParentText?</a:t>
+              <a:t>Bagaimanakah pengalaman anda berinteraksi dengan ParentText?</a:t>
             </a:r>
             <a:endParaRPr>
               <a:solidFill>
@@ -1630,7 +1630,7 @@
               </a:defRPr>
             </a:pPr>
             <a:r>
-              <a:t>Do you have any questions about how to interact with ParentText?</a:t>
+              <a:t>Adakah anda mempunyai sebarang soalan tentang cara berinteraksi dengan ParentText?</a:t>
             </a:r>
             <a:endParaRPr>
               <a:solidFill>
@@ -1661,7 +1661,7 @@
               </a:defRPr>
             </a:pPr>
             <a:r>
-              <a:t>Do you have any concerns with how you will interact with ParentText when you are at home?</a:t>
+              <a:t>Anda ada apa-apa kebimbangan tentang cara anda berinteraksi dengan ParentText semasa anda di rumah?</a:t>
             </a:r>
             <a:endParaRPr>
               <a:solidFill>
@@ -1693,7 +1693,7 @@
               </a:defRPr>
             </a:pPr>
             <a:r>
-              <a:t>Praise participants for completing their first ParentText activities!</a:t>
+              <a:t>Berikan pujian kepada peserta kerana telah menyelesaikan aktiviti ParentText pertama mereka!</a:t>
             </a:r>
           </a:p>
         </p:txBody>
@@ -1822,7 +1822,7 @@
             </a:r>
             <a:r>
               <a:rPr sz="1200" u="sng"/>
-              <a:t>Overview</a:t>
+              <a:t>Gambaran Keseluruhan</a:t>
             </a:r>
             <a:endParaRPr b="1" sz="1200" u="sng">
               <a:solidFill>
@@ -1854,7 +1854,7 @@
               </a:defRPr>
             </a:pPr>
             <a:r>
-              <a:t>Briefly introduce the main goal of the core lesson to the parents. You can say something like:</a:t>
+              <a:t>Memperkenalkan kepada ibu bapa matlamat utama pembelajaran teras secara ringkas. Anda boleh berkata sesuatu seperti:</a:t>
             </a:r>
             <a:endParaRPr>
               <a:solidFill>
@@ -1910,7 +1910,7 @@
               </a:defRPr>
             </a:pPr>
             <a:r>
-              <a:t>“Today’s main goal in ParentText was to learn how we can build positive relationships with our children through One-on-One Time. Let’s look at a story…”</a:t>
+              <a:t>“Matlamat utama ParentText hari ini adalah untuk kita mempelajari cara kita boleh membina hubungan positif dengan anak kita melalui Masa Bersama Seorang Dengan Seorang. Mari kita lihat kisah ini..."</a:t>
             </a:r>
             <a:endParaRPr>
               <a:solidFill>
@@ -1966,7 +1966,7 @@
               </a:defRPr>
             </a:pPr>
             <a:r>
-              <a:t>Then move on to the comics.</a:t>
+              <a:t>Kemudian teruskan ke komik.</a:t>
             </a:r>
             <a:endParaRPr>
               <a:solidFill>
@@ -1998,7 +1998,7 @@
               </a:defRPr>
             </a:pPr>
             <a:r>
-              <a:t>Guided discussion for One-on-One Time comic:</a:t>
+              <a:t>Perbualan Berpandu untuk komik Masa Bersama Seorang Dengan Seorang:</a:t>
             </a:r>
             <a:endParaRPr b="1">
               <a:solidFill>
@@ -2030,7 +2030,7 @@
               </a:defRPr>
             </a:pPr>
             <a:r>
-              <a:t>Help the parents identify the following skills from the comic that they should use during One-on-One Time:</a:t>
+              <a:t>Bantu ibu bapa mengenal pasti kemahiran berikut daripada komik yang harus mereka gunakan semasa Masa Bersama Seorang Dengan Seorang:</a:t>
             </a:r>
             <a:endParaRPr>
               <a:solidFill>
@@ -2092,7 +2092,7 @@
               </a:defRPr>
             </a:pPr>
             <a:r>
-              <a:t>Look at your child and notice what s/he is doing</a:t>
+              <a:t>Lihat anak anda dan perhatikan apa yang dia sedang lakukan</a:t>
             </a:r>
             <a:endParaRPr>
               <a:solidFill>
@@ -2123,7 +2123,7 @@
               </a:defRPr>
             </a:pPr>
             <a:r>
-              <a:t>Use your child’s name when you speak to him or her</a:t>
+              <a:t>Gunakan nama anak anda semasa anda bercakap dengan mereka</a:t>
             </a:r>
             <a:endParaRPr>
               <a:solidFill>
@@ -2154,7 +2154,7 @@
               </a:defRPr>
             </a:pPr>
             <a:r>
-              <a:t>Accept what your child wants to do as long as it is a safe activity</a:t>
+              <a:t>Terima apa yang ingin dilakukan oleh anak anda selagi aktiviti itu selamat</a:t>
             </a:r>
             <a:endParaRPr>
               <a:solidFill>
@@ -2185,7 +2185,7 @@
               </a:defRPr>
             </a:pPr>
             <a:r>
-              <a:t>Follow your child’s lead during One-on-One Time</a:t>
+              <a:t>Ikut semasa anak anda memimpin ketika Masa Bersama Seorang Dengan Seorang</a:t>
             </a:r>
             <a:endParaRPr>
               <a:solidFill>
@@ -2216,7 +2216,7 @@
               </a:defRPr>
             </a:pPr>
             <a:r>
-              <a:t>Use words to describe what your child is doing</a:t>
+              <a:t>Gunakan kata-kata untuk menerangkan apa yang sedang dilakukan oleh anak anda</a:t>
             </a:r>
             <a:endParaRPr>
               <a:solidFill>
@@ -2248,7 +2248,7 @@
               </a:defRPr>
             </a:pPr>
             <a:r>
-              <a:t>Block 1 introduces the parents to how to introduce One-on-One Time to children. Use questions to guide parents to notice how the mother introduces One-on-One Time to Mira by saying to her, “I have 5 minutes to spend One-on-One Time with you, what would you like to do?” </a:t>
+              <a:t>Blok 1 memperkenalkan ibu bapa kepada cara memperkenalkan Masa Bersama Seorang Dengan Seorang kepada anak-anak. Bimbing ibu bapa menggunakan soalan untuk memerhatikan cara ibu memperkenalkan kepada Mira tentang Masa Bersama Seorang Dengan Seorang dengan berkata kepadanya, "Saya boleh luangkan masa selama 5 minit untuk Masa Bersama Seorang Dengan Seorang bersama kamu, apakah yang kamu mahu lakukan?" </a:t>
             </a:r>
             <a:endParaRPr>
               <a:solidFill>
@@ -2311,7 +2311,7 @@
               </a:defRPr>
             </a:pPr>
             <a:r>
-              <a:t>How does the mother introduce One-on-One Time to Mira? What does she say to Mira? How long is One-on-One Time?</a:t>
+              <a:t>Bagaimanakah cara ibu memperkenalkan Masa Bersama Seorang Dengan Seorang kepada Mira? Apakah yang dikatakan oleh Ibu kepada Mira? Berapa lamakah masa untuk sesi Masa Bersama Seorang Dengan Seorang?</a:t>
             </a:r>
             <a:endParaRPr>
               <a:solidFill>
@@ -2343,7 +2343,7 @@
               </a:defRPr>
             </a:pPr>
             <a:r>
-              <a:t>(Jawapan yang mungkin diberikan oleh ibu bapa: Dia menyebut nama Mira. She is at the same level as Mira. She is looking at Mira. She asks her what she wants to do. She allows Mira to choose the activity.)</a:t>
+              <a:t>(Jawapan yang mungkin diberikan oleh ibu bapa: Dia menyebut nama Mira. Dia duduk sama paras dengan Mira. Dia memandang Mira. Dia bertanya apa yang Mira mahu lakukan. Dia benarkan Mira untuk memilih aktiviti.)</a:t>
             </a:r>
             <a:endParaRPr i="1">
               <a:solidFill>
@@ -2374,7 +2374,7 @@
               </a:defRPr>
             </a:pPr>
             <a:r>
-              <a:t>How does Mira know how long is One-on-One Time? Why should the mother tell her how long One-on-One Time is?</a:t>
+              <a:t>Bagaimanakah Mira tahu tempoh untuk Masa Bersama Seorang Dengan Seorang? Mengapakah ibunya perlu beritahu Mira tempoh untuk Masa Bersama Seorang Dengan Seorang?</a:t>
             </a:r>
             <a:endParaRPr>
               <a:solidFill>
@@ -2438,7 +2438,7 @@
               </a:defRPr>
             </a:pPr>
             <a:r>
-              <a:t>Blocks 2 to Block 3 also show how mother allows Mira to take the lead. Tanya kepada ibu bapa:</a:t>
+              <a:t>Blok 2 hingga Blok 3 juga menunjukkan bagaimana ibu membenarkan Mira memimpin. Tanya kepada ibu bapa:</a:t>
             </a:r>
             <a:endParaRPr>
               <a:solidFill>
@@ -2469,7 +2469,7 @@
               </a:defRPr>
             </a:pPr>
             <a:r>
-              <a:t>What does the mother do physically to show that she is paying attention to Mira? </a:t>
+              <a:t>Apakah yang ibu lakukan secara fizikal untuk menunjukkan bahawa dia memberi perhatian kepada Mira? </a:t>
             </a:r>
             <a:endParaRPr>
               <a:solidFill>
@@ -2501,7 +2501,7 @@
               </a:defRPr>
             </a:pPr>
             <a:r>
-              <a:t>(Jawapan yang mungkin diberikan oleh ibu bapa: Dia memandang Mira. She says her name).</a:t>
+              <a:t>(Jawapan yang mungkin diberikan oleh ibu bapa: Dia memandang Mira. Dia menyebut namanya).</a:t>
             </a:r>
             <a:endParaRPr i="1">
               <a:solidFill>
@@ -2532,7 +2532,7 @@
               </a:defRPr>
             </a:pPr>
             <a:r>
-              <a:t>How does the mother allow Mira to be the leader in the activity?</a:t>
+              <a:t>Ibu membenarkan Mira menjadi pemimpin dalam aktiviti tersebut, bagaimana cara dia melakukannya?</a:t>
             </a:r>
             <a:endParaRPr>
               <a:solidFill>
@@ -2564,7 +2564,7 @@
               </a:defRPr>
             </a:pPr>
             <a:r>
-              <a:t>(Jawapan yang mungkin diberikan oleh ibu bapa: Dia membenarkan Mira untuk memilih aktiviti. Dia menerima cadangan Mira. Dia memerhatikan perbuatan Mira. She sits back and lets Mira direct what happens in One-on-One Time).</a:t>
+              <a:t>(Jawapan yang mungkin diberikan oleh ibu bapa: Dia membenarkan Mira untuk memilih aktiviti. Dia menerima cadangan Mira. Dia memerhatikan perbuatan Mira. Dia duduk bersandar dan membenarkan Mira untuk mengarahkan aktiviti ketika Masa Bersama Seorang Dengan Seorang).</a:t>
             </a:r>
             <a:endParaRPr>
               <a:solidFill>
@@ -2596,7 +2596,7 @@
               </a:defRPr>
             </a:pPr>
             <a:r>
-              <a:t>Block 3 also demonstrates how parents can use words to describe what their children are doing. Tanya kepada ibu bapa:</a:t>
+              <a:t>Blok 3 juga menunjukkan cara ibu bapa boleh menggunakan kata-kata untuk menerangkan perkara yang dilakukan oleh anak-anak mereka. Tanya kepada ibu bapa:</a:t>
             </a:r>
             <a:endParaRPr>
               <a:solidFill>
@@ -2627,7 +2627,7 @@
               </a:defRPr>
             </a:pPr>
             <a:r>
-              <a:t>What does the mother say when Mira puts on her dress by herself?</a:t>
+              <a:t>Apa kata ibu apabila Mira memakai pakaiannya sendiri?</a:t>
             </a:r>
             <a:endParaRPr>
               <a:solidFill>
@@ -2659,7 +2659,7 @@
               </a:defRPr>
             </a:pPr>
             <a:r>
-              <a:t>(Possible answer from the parents: She uses words to describe what she sees Mira doing.)</a:t>
+              <a:t>(Jawapan yang mungkin diterima daripada ibu bapa: Dia menggunakan kata-kata untuk menerangkan apa perlakuan Mira yang dilihatnya.)</a:t>
             </a:r>
             <a:endParaRPr i="1">
               <a:solidFill>
@@ -2691,7 +2691,7 @@
               </a:defRPr>
             </a:pPr>
             <a:r>
-              <a:t>Block 4 (and all of the other blocks) show how children might respond to spending One-on- One Time with their parents. Tanya kepada ibu bapa:</a:t>
+              <a:t>Blok 4 (dan semua blok lain) menunjukkan cara bagaimana anak-anak mungkin bertindak balas untuk menghabiskan Masa Bersama Seorang Dengan Seorang bersama ibu bapa mereka. Tanya kepada ibu bapa:</a:t>
             </a:r>
             <a:endParaRPr>
               <a:solidFill>
@@ -2722,7 +2722,7 @@
               </a:defRPr>
             </a:pPr>
             <a:r>
-              <a:t>How does Mira feel when spending One-on-One Time with her mother?</a:t>
+              <a:t>Apakah perasaan Mira semasa meluangkan Masa Bersama Seorang Dengan Seorang bersama ibunya?</a:t>
             </a:r>
             <a:endParaRPr>
               <a:solidFill>
@@ -2754,7 +2754,7 @@
               </a:defRPr>
             </a:pPr>
             <a:r>
-              <a:t>(Jawapan yang mungkin diberikan oleh ibu bapa: Mira gembira. She feels loved. She feels important. She feels appreciated. She feels confident. Mira feels close to her mother).</a:t>
+              <a:t>(Jawapan yang mungkin diberikan oleh ibu bapa: Mira gembira. Dia rasa disayangi. Dia rasa dirinya penting. Dia rasa dihargai. Dia rasa yakin. Mira rasa dirinya rapat dengan ibunya).</a:t>
             </a:r>
           </a:p>
         </p:txBody>
@@ -2879,7 +2879,7 @@
               </a:defRPr>
             </a:pPr>
             <a:r>
-              <a:t>Lead participants in a group discussion about the benefits of spending One-on- One Time with their children. Useful questions include:</a:t>
+              <a:t>Pimpin peserta dalam perbincangan kumpulan tentang manfaat meluangkan Masa Bersama Seorang Dengan Seorang bersama anak mereka. Soalan yang berguna termasuk:</a:t>
             </a:r>
             <a:endParaRPr>
               <a:solidFill>
@@ -2910,7 +2910,7 @@
               </a:defRPr>
             </a:pPr>
             <a:r>
-              <a:t>Why would you want to have a positive relationship with your child?</a:t>
+              <a:t>Mengapa anda inginkan hubungan positif dengan anak anda?</a:t>
             </a:r>
             <a:endParaRPr>
               <a:solidFill>
@@ -2941,7 +2941,7 @@
               </a:defRPr>
             </a:pPr>
             <a:r>
-              <a:t>How would spending One-on-One Time help you develop a positive relationship with your child?</a:t>
+              <a:t>Bagaimana meluangkan Masa Bersama Seorang Dengan Seorang dapat membantu anda untuk menjalin hubungan positif dengan anak anda?</a:t>
             </a:r>
             <a:endParaRPr>
               <a:solidFill>
@@ -2972,7 +2972,7 @@
               </a:defRPr>
             </a:pPr>
             <a:r>
-              <a:t>How would your child benefit from the One-on-One Time with you? What would s/he learn?</a:t>
+              <a:t>Apakah manfaat untuk anak anda apabila mereka meluangkan Masa Bersama Seorang Dengan Seorang dengan anda? Apakah yang akan dipelajari oleh mereka?</a:t>
             </a:r>
             <a:endParaRPr>
               <a:solidFill>
@@ -4642,7 +4642,7 @@
               </a:defRPr>
             </a:pPr>
             <a:r>
-              <a:t>Be specific about the age of the Child. Ask the Child to be well behaved during the role-play. </a:t>
+              <a:t>Jelaskan tentang umur Kanak-kanak. Minta Kanak-kanak berkelakuan baik semasa lakonan. </a:t>
             </a:r>
             <a:endParaRPr>
               <a:solidFill>
@@ -4673,7 +4673,7 @@
               </a:defRPr>
             </a:pPr>
             <a:r>
-              <a:t>The Parent should introduce One-on-One Time to his/her child by saying the following words:</a:t>
+              <a:t>Ibu bapa hendaklah memperkenalkan Satu-satu-Satu Masa kepada anaknya dengan menyebut perkataan berikut:</a:t>
             </a:r>
             <a:endParaRPr>
               <a:solidFill>
@@ -4701,7 +4701,7 @@
               </a:defRPr>
             </a:pPr>
             <a:r>
-              <a:t>“I have 5 minutes to spend One-on-One Time with you, what would you like to do?”</a:t>
+              <a:t>“Saya mempunyai 5 minit untuk meluangkan Masa Satu-satu-Satu dengan anda, apakah yang anda mahu lakukan?”</a:t>
             </a:r>
             <a:endParaRPr b="1" i="1">
               <a:solidFill>
@@ -4732,7 +4732,7 @@
               </a:defRPr>
             </a:pPr>
             <a:r>
-              <a:t>Child gives a simple suggestion: “Let’s play with my toy.”</a:t>
+              <a:t>Kanak-kanak memberikan cadangan mudah: "Mari kita bermain dengan mainan saya."</a:t>
             </a:r>
             <a:endParaRPr>
               <a:solidFill>
@@ -4763,7 +4763,7 @@
               </a:defRPr>
             </a:pPr>
             <a:r>
-              <a:t>Parent practices using words to describe what the Child is doing while following the Child’s lead.</a:t>
+              <a:t>Ibu bapa berlatih menggunakan perkataan untuk menerangkan perkara yang dilakukan oleh Kanak-kanak semasa mengikut arahan Kanak-kanak.</a:t>
             </a:r>
             <a:endParaRPr>
               <a:solidFill>
@@ -4794,7 +4794,7 @@
               </a:defRPr>
             </a:pPr>
             <a:r>
-              <a:t>Stay physically close to the Parent to give support if necessary. You may need to whisper words that the Parent can use to describe what the child is doing.</a:t>
+              <a:t>Kekal rapat secara fizikal dengan Ibu Bapa untuk memberi sokongan jika perlu. Anda mungkin perlu membisikkan perkataan yang boleh digunakan oleh Ibu Bapa untuk menerangkan apa yang dilakukan oleh anak itu.</a:t>
             </a:r>
             <a:endParaRPr>
               <a:solidFill>
@@ -4825,7 +4825,7 @@
               </a:defRPr>
             </a:pPr>
             <a:r>
-              <a:t>The Parent may need extra support in allowing the Child to be the leader in the activity. Be like a guardian angel!</a:t>
+              <a:t>Ibu Bapa mungkin memerlukan sokongan tambahan dalam membenarkan Kanak-kanak menjadi ketua dalam aktiviti tersebut. Jadilah seperti malaikat penjaga!</a:t>
             </a:r>
             <a:endParaRPr>
               <a:solidFill>
@@ -4856,7 +4856,7 @@
               </a:defRPr>
             </a:pPr>
             <a:r>
-              <a:t>Allow the practice to happen for about 1 minute.</a:t>
+              <a:t>Benarkan latihan berlaku selama kira-kira 1 minit.</a:t>
             </a:r>
             <a:endParaRPr>
               <a:solidFill>
@@ -4887,7 +4887,7 @@
               </a:defRPr>
             </a:pPr>
             <a:r>
-              <a:t>Ask the parents who practised about what the experience felt like both as a Child and as a Parent. </a:t>
+              <a:t>Tanya ibu bapa yang berlatih tentang perasaan pengalaman itu sebagai seorang Anak dan sebagai Ibu Bapa.</a:t>
             </a:r>
             <a:endParaRPr>
               <a:solidFill>
@@ -4918,7 +4918,7 @@
               </a:defRPr>
             </a:pPr>
             <a:r>
-              <a:t>Praise the Parent/Child enthusiastically for being the first to do a Practice!</a:t>
+              <a:t>Puji Ibu Bapa/Anak dengan penuh semangat kerana menjadi orang pertama yang melakukan Amalan!</a:t>
             </a:r>
             <a:endParaRPr>
               <a:solidFill>
@@ -4949,7 +4949,7 @@
               </a:defRPr>
             </a:pPr>
             <a:r>
-              <a:t>Practice in Pairs </a:t>
+              <a:t>Berlatih Berpasangan</a:t>
             </a:r>
             <a:endParaRPr b="1">
               <a:solidFill>
@@ -4980,7 +4980,7 @@
               </a:defRPr>
             </a:pPr>
             <a:r>
-              <a:t>Divide parents into pairs and ask them to practise letting the child take the lead during One-on-One Time.</a:t>
+              <a:t>Bahagikan ibu bapa kepada pasangan dan minta mereka berlatih membiarkan anak memimpin semasa One-on-One Time.</a:t>
             </a:r>
             <a:endParaRPr>
               <a:solidFill>
@@ -5011,7 +5011,7 @@
               </a:defRPr>
             </a:pPr>
             <a:r>
-              <a:t>Each person should practise both the role of the parent and of the child. Remind the children to behave well!</a:t>
+              <a:t>Setiap orang harus mengamalkan kedua-dua peranan ibu bapa dan anak. Ingatkan anak-anak untuk berkelakuan baik!</a:t>
             </a:r>
             <a:endParaRPr>
               <a:solidFill>
@@ -5042,7 +5042,7 @@
               </a:defRPr>
             </a:pPr>
             <a:r>
-              <a:t>Both facilitators should move around the room helping parents out.</a:t>
+              <a:t>Kedua-dua fasilitator harus bergerak di sekeliling bilik membantu ibu bapa keluar.</a:t>
             </a:r>
             <a:endParaRPr>
               <a:solidFill>
@@ -5073,7 +5073,7 @@
               </a:defRPr>
             </a:pPr>
             <a:r>
-              <a:t>Tell parents to switch roles after about one minute each. Bring the group back together for a discussion.</a:t>
+              <a:t>Beritahu ibu bapa untuk bertukar peranan selepas setiap satu minit. Bawa kumpulan kembali bersama untuk perbincangan.</a:t>
             </a:r>
             <a:endParaRPr>
               <a:solidFill>
@@ -5104,7 +5104,7 @@
               </a:defRPr>
             </a:pPr>
             <a:r>
-              <a:t>Ask for feedback from each pair in a group discussion on how the practice went.</a:t>
+              <a:t>Minta maklum balas daripada setiap pasangan dalam perbincangan kumpulan tentang bagaimana amalan itu berjalan.</a:t>
             </a:r>
             <a:endParaRPr b="1">
               <a:solidFill>
@@ -5314,7 +5314,7 @@
               </a:defRPr>
             </a:pPr>
             <a:r>
-              <a:t>Review the following tips for On-on-One Time with your child with the parents:</a:t>
+              <a:t>Semak petua berikut untuk Masa Bersama-sama dengan anak anda bersama ibu bapa:</a:t>
             </a:r>
             <a:endParaRPr>
               <a:solidFill>
@@ -5346,10 +5346,10 @@
             </a:pPr>
             <a:r>
               <a:rPr b="1"/>
-              <a:t>DAY: </a:t>
-            </a:r>
-            <a:r>
-              <a:t>Set aside a specific time to spend One-on-One Time with your child each day.</a:t>
+              <a:t>HARI: </a:t>
+            </a:r>
+            <a:r>
+              <a:t>Peruntukkan masa tertentu untuk meluangkan Masa Satu-satu dengan anak anda setiap hari.</a:t>
             </a:r>
             <a:endParaRPr>
               <a:solidFill>
@@ -5381,11 +5381,11 @@
               </a:defRPr>
             </a:pPr>
             <a:r>
-              <a:t>Choose a time when you are unlikely to be interrupted and when your child does not have something else that they want to do, like watching TV or playing with smartphones. </a:t>
+              <a:t>Pilih masa apabila anda tidak mungkin terganggu dan apabila anak anda tidak mempunyai perkara lain yang mereka mahu lakukan, seperti menonton TV atau bermain dengan telefon pintar. </a:t>
             </a:r>
             <a:r>
               <a:rPr b="1" i="1"/>
-              <a:t>Switch off the television and put away smartphones.</a:t>
+              <a:t>Matikan televisyen dan letakkan telefon pintar.</a:t>
             </a:r>
             <a:r>
               <a:t> </a:t>
@@ -5420,7 +5420,7 @@
               </a:defRPr>
             </a:pPr>
             <a:r>
-              <a:t>Tell your child that you would like to watch them play and that they can choose what to do. Your child might think this is weird at first but gradually will come to enjoy having this dedicated time with you!</a:t>
+              <a:t>Beritahu anak anda bahawa anda ingin melihat mereka bermain dan mereka boleh memilih apa yang perlu dilakukan. Anak anda mungkin fikir ini pelik pada mulanya tetapi secara beransur-ansur akan menikmati meluangkan masa khusus ini bersama anda!</a:t>
             </a:r>
             <a:endParaRPr>
               <a:solidFill>
@@ -5452,10 +5452,10 @@
             </a:pPr>
             <a:r>
               <a:rPr b="1"/>
-              <a:t>PLAY: </a:t>
-            </a:r>
-            <a:r>
-              <a:t>Try to do something different than watching TV or playing with a tablet/phone.</a:t>
+              <a:t>MAIN: </a:t>
+            </a:r>
+            <a:r>
+              <a:t>Cuba lakukan sesuatu yang berbeza daripada menonton TV atau bermain dengan tablet/telefon.</a:t>
             </a:r>
             <a:endParaRPr>
               <a:solidFill>
@@ -5487,7 +5487,7 @@
               </a:defRPr>
             </a:pPr>
             <a:r>
-              <a:t>This is a lot more useful and enjoyable for your child than just sitting together in front of the television or playing with a smartphone. Sometimes, it may be just enough to watch your child’s favourite TV programme with him/her. S/he may feel comfortable doing other activities with time.</a:t>
+              <a:t>Ini adalah lebih berguna dan menyeronokkan untuk anak anda daripada hanya duduk bersama di hadapan televisyen atau bermain dengan telefon pintar. Kadangkala, ia mungkin cukup untuk menonton program TV kegemaran anak anda bersamanya. S/dia mungkin berasa selesa melakukan aktiviti lain mengikut masa.</a:t>
             </a:r>
             <a:endParaRPr>
               <a:solidFill>
@@ -5518,7 +5518,7 @@
               </a:defRPr>
             </a:pPr>
             <a:r>
-              <a:t>STAY: </a:t>
+              <a:t>TINGGAL:</a:t>
             </a:r>
             <a:endParaRPr b="1">
               <a:solidFill>
@@ -5550,7 +5550,7 @@
               </a:defRPr>
             </a:pPr>
             <a:r>
-              <a:t>Give your child all your attention. </a:t>
+              <a:t>Berikan anak anda semua perhatian anda.</a:t>
             </a:r>
             <a:endParaRPr b="1">
               <a:solidFill>
@@ -5582,7 +5582,7 @@
               </a:defRPr>
             </a:pPr>
             <a:r>
-              <a:t>Make sure that you will not be distracted by other children or other responsibilities so that you can give all of your attention to your child.</a:t>
+              <a:t>Pastikan anda tidak terganggu oleh kanak-kanak lain atau tanggungjawab lain supaya anda boleh memberikan semua perhatian anda kepada anak anda.</a:t>
             </a:r>
             <a:endParaRPr>
               <a:solidFill>
@@ -5646,7 +5646,7 @@
               </a:defRPr>
             </a:pPr>
             <a:r>
-              <a:t>When you are spending One-on-One Time with your child, s/he or she should lead the activity.</a:t>
+              <a:t>Apabila anda meluangkan Masa Satu-satu dengan anak anda, dia harus mengetuai aktiviti tersebut.</a:t>
             </a:r>
             <a:endParaRPr>
               <a:solidFill>
@@ -5679,17 +5679,17 @@
             </a:pPr>
             <a:r>
               <a:rPr b="1"/>
-              <a:t>Listen</a:t>
-            </a:r>
-            <a:r>
-              <a:t> to what your child is saying and </a:t>
+              <a:t>Dengar</a:t>
+            </a:r>
+            <a:r>
+              <a:t> apa yang anak anda katakan dan </a:t>
             </a:r>
             <a:r>
               <a:rPr b="1"/>
-              <a:t>watch</a:t>
-            </a:r>
-            <a:r>
-              <a:t> them.</a:t>
+              <a:t>tonton</a:t>
+            </a:r>
+            <a:r>
+              <a:t> mereka.</a:t>
             </a:r>
             <a:endParaRPr>
               <a:solidFill>
@@ -5721,7 +5721,7 @@
               </a:defRPr>
             </a:pPr>
             <a:r>
-              <a:t>Listening to your child is more important than talking to them at this time. If your child asks a question, you can answer, but do not let them put you in a position of telling them what to do. Put the choice back to the child: “That is an interesting question, what do you think?”</a:t>
+              <a:t>Mendengar anak anda adalah lebih penting daripada bercakap dengan mereka pada masa ini. Jika anak anda bertanya soalan, anda boleh menjawab, tetapi jangan biarkan mereka meletakkan anda dalam kedudukan memberitahu mereka apa yang perlu dilakukan. Letakkan kembali pilihan kepada kanak-kanak itu: "Itu soalan yang menarik, apa pendapat anda?"</a:t>
             </a:r>
             <a:endParaRPr>
               <a:solidFill>
@@ -5753,7 +5753,7 @@
               </a:defRPr>
             </a:pPr>
             <a:r>
-              <a:t>Reflect back what your child says to you.</a:t>
+              <a:t>Renung kembali apa yang anak anda katakan kepada anda.</a:t>
             </a:r>
             <a:endParaRPr b="1">
               <a:solidFill>
@@ -5785,7 +5785,7 @@
               </a:defRPr>
             </a:pPr>
             <a:r>
-              <a:t>Repeat back what your child says when s/he speaks to you. You can use different words to show that you are really listening to your child. E.g., Child, “This math problem is really hard.” Parent, “Yeah, I see that you are finding it difficult.”</a:t>
+              <a:t>Ulang apa yang anak anda katakan apabila dia bercakap dengan anda. Anda boleh menggunakan perkataan yang berbeza untuk menunjukkan bahawa anda benar-benar mendengar anak anda. Cth., Kanak-kanak, "Masalah matematik ini sangat sukar." Ibu bapa, "Ya, saya nampak anda mengalami kesukaran."</a:t>
             </a:r>
             <a:endParaRPr>
               <a:solidFill>
@@ -5817,7 +5817,7 @@
               </a:defRPr>
             </a:pPr>
             <a:r>
-              <a:t>Make only positive comments and avoid critical comments.</a:t>
+              <a:t>Buat komen yang positif sahaja dan elakkan komen yang kritis.</a:t>
             </a:r>
             <a:endParaRPr b="1">
               <a:solidFill>
@@ -5849,7 +5849,7 @@
               </a:defRPr>
             </a:pPr>
             <a:r>
-              <a:t>Remember this is your child's activity. Can you think how you have felt recently when someone has been critical of you? There is no right or wrong during One-on-One Time. Your job is to show an interest and say something nice.</a:t>
+              <a:t>Ingat ini adalah aktiviti anak anda. Bolehkah anda fikirkan bagaimana perasaan anda baru-baru ini apabila seseorang telah mengkritik anda? Tiada betul atau salah semasa One-on-One Time. Tugas anda adalah untuk menunjukkan minat dan mengatakan sesuatu yang baik.</a:t>
             </a:r>
           </a:p>
         </p:txBody>
@@ -5974,7 +5974,7 @@
               </a:defRPr>
             </a:pPr>
             <a:r>
-              <a:t>The Home Activity for the module is to to spend at least 5 to 15 minutes of One-on-One</a:t>
+              <a:t>Aktiviti Rumah untuk modul ini adalah untuk menghabiskan sekurang-kurangnya 5 hingga 15 minit Satu-satu</a:t>
             </a:r>
             <a:endParaRPr>
               <a:solidFill>
@@ -8035,7 +8035,7 @@
               </a:defRPr>
             </a:pPr>
             <a:r>
-              <a:t>Ask yourself, “What is my experience at this moment?” [Pause]</a:t>
+              <a:t>Tanya diri anda, "Apakah pengalaman saya pada masa ini?" [Pause]</a:t>
             </a:r>
             <a:endParaRPr>
               <a:solidFill>
@@ -8066,7 +8066,7 @@
               </a:defRPr>
             </a:pPr>
             <a:r>
-              <a:t>Notice what thoughts you are experiencing. Notice if they are negative or positive. [Pause]</a:t>
+              <a:t>Perhatikan apa pemikiran yang anda alami. Perhatikan jika mereka negatif atau positif. [Pause]</a:t>
             </a:r>
             <a:endParaRPr>
               <a:solidFill>
@@ -8097,7 +8097,7 @@
               </a:defRPr>
             </a:pPr>
             <a:r>
-              <a:t>Notice how you feel emotionally. Notice if your feelings are pleasant or unpleasant. [Pause]</a:t>
+              <a:t>Perhatikan bagaimana perasaan anda secara emosi. Perhatikan sama ada perasaan anda menyenangkan atau tidak menyenangkan. [Pause]</a:t>
             </a:r>
             <a:endParaRPr>
               <a:solidFill>
@@ -8128,7 +8128,7 @@
               </a:defRPr>
             </a:pPr>
             <a:r>
-              <a:t>Notice how your body feels. Notice any discomfort or tension. [Pause]</a:t>
+              <a:t>Perhatikan bagaimana perasaan badan anda. Perhatikan sebarang ketidakselesaan atau ketegangan. [Pause]</a:t>
             </a:r>
             <a:endParaRPr>
               <a:solidFill>
@@ -8160,7 +8160,7 @@
               </a:defRPr>
             </a:pPr>
             <a:r>
-              <a:t>Step 3: Gathering Attention</a:t>
+              <a:t>Langkah 3: Mengumpul Perhatian</a:t>
             </a:r>
             <a:endParaRPr u="sng">
               <a:solidFill>
@@ -8191,7 +8191,7 @@
               </a:defRPr>
             </a:pPr>
             <a:r>
-              <a:t>Bring your focus to your breath. [Pause]</a:t>
+              <a:t>Bawa tumpuan anda kepada nafas anda. [Pause]</a:t>
             </a:r>
             <a:endParaRPr>
               <a:solidFill>
@@ -8222,7 +8222,7 @@
               </a:defRPr>
             </a:pPr>
             <a:r>
-              <a:t>You may want to place one hand on your stomach and feel it rise and fall with each breath. [Pause]</a:t>
+              <a:t>Anda mungkin mahu meletakkan satu tangan di atas perut anda dan merasakan ia naik dan turun dengan setiap nafas. [Pause]</a:t>
             </a:r>
             <a:endParaRPr>
               <a:solidFill>
@@ -8253,7 +8253,7 @@
               </a:defRPr>
             </a:pPr>
             <a:r>
-              <a:t>Follow your breath all the way in, how it pauses, and how it exhales out. [Pause]</a:t>
+              <a:t>Ikuti nafas anda sepanjang jalan masuk, bagaimana ia berhenti, dan bagaimana ia menghembus keluar. [Pause]</a:t>
             </a:r>
             <a:endParaRPr>
               <a:solidFill>
@@ -8284,7 +8284,7 @@
               </a:defRPr>
             </a:pPr>
             <a:r>
-              <a:t>If you notice that you have started to think about something, this is completely natural. [Pause]</a:t>
+              <a:t>Jika anda perasan bahawa anda telah mula memikirkan sesuatu, ini adalah semula jadi. [Pause]</a:t>
             </a:r>
             <a:endParaRPr>
               <a:solidFill>
@@ -8315,7 +8315,7 @@
               </a:defRPr>
             </a:pPr>
             <a:r>
-              <a:t>If you notice that you are feeling very stressed, you may want to reassure yourself by saying “It’s okay. Whatever it is, I am okay.” [Pause]</a:t>
+              <a:t>Jika anda perasan bahawa anda berasa sangat tertekan, anda mungkin ingin meyakinkan diri anda dengan berkata "Tidak mengapa. Apa-apa pun, saya okay.” [Pause]</a:t>
             </a:r>
             <a:endParaRPr>
               <a:solidFill>
@@ -8346,7 +8346,7 @@
               </a:defRPr>
             </a:pPr>
             <a:r>
-              <a:t>Then bring your awareness back to the feeling of your breath. [Pause]</a:t>
+              <a:t>Kemudian kembalikan kesedaran anda dengan menarik nafas dan menumpukan perhatian kepada nafas anda. [Pause]</a:t>
             </a:r>
             <a:endParaRPr>
               <a:solidFill>
@@ -8377,7 +8377,7 @@
               </a:defRPr>
             </a:pPr>
             <a:r>
-              <a:t>Keep your focus on your breath for a few moments. [Pause]</a:t>
+              <a:t>Kekalkan tumpuan anda pada nafas anda untuk beberapa saat. [Pause]</a:t>
             </a:r>
             <a:endParaRPr>
               <a:solidFill>
@@ -8409,7 +8409,7 @@
               </a:defRPr>
             </a:pPr>
             <a:r>
-              <a:t>Step 4: Expanding Awareness</a:t>
+              <a:t>Langkah 4: Meluaskan Kesedaran</a:t>
             </a:r>
             <a:endParaRPr u="sng">
               <a:solidFill>
@@ -8503,7 +8503,7 @@
               </a:defRPr>
             </a:pPr>
             <a:r>
-              <a:t>Step 5: Reflecting</a:t>
+              <a:t>Langkah 5: Merenung Diri</a:t>
             </a:r>
             <a:endParaRPr u="sng">
               <a:solidFill>
@@ -8534,7 +8534,7 @@
               </a:defRPr>
             </a:pPr>
             <a:r>
-              <a:t>Taking a moment to reflect whether you feel any different from before Taking a Pause.</a:t>
+              <a:t>Luangkan sedikit masa untuk merenung sama ada anda rasa berbeza berbanding sebelum anda Berhenti seketika.</a:t>
             </a:r>
             <a:endParaRPr>
               <a:solidFill>
@@ -8711,7 +8711,7 @@
               </a:defRPr>
             </a:pPr>
             <a:r>
-              <a:t>First take the participants through the entire programme as a review to help parents remember key moments and experiences that they may have had:</a:t>
+              <a:t>Mula-mula imbas kembali keseluruhan program kepada peserta sebagai semakan untuk membantu ibu bapa mengingati detik dan pengalaman penting yang mungkin mereka alami:</a:t>
             </a:r>
             <a:endParaRPr>
               <a:solidFill>
@@ -8742,7 +8742,7 @@
               </a:defRPr>
             </a:pPr>
             <a:r>
-              <a:t>Ask parents to close their eyes and sit in a comfortable position.</a:t>
+              <a:t>Minta ibu bapa menutup mata dan duduk dalam keadaan selesa.</a:t>
             </a:r>
             <a:endParaRPr>
               <a:solidFill>
@@ -8773,7 +8773,7 @@
               </a:defRPr>
             </a:pPr>
             <a:r>
-              <a:t>Ask them to recall what their lives and children were like before the programme began.</a:t>
+              <a:t>Minta mereka mengimbas kembali kehidupan mereka dan anak-anak mereka sebelum mereka memulakan program.</a:t>
             </a:r>
             <a:endParaRPr>
               <a:solidFill>
@@ -8804,7 +8804,7 @@
               </a:defRPr>
             </a:pPr>
             <a:r>
-              <a:t>Guide parents through each goal of ParentText: </a:t>
+              <a:t>Bimbing ibu bapa melalui setiap matlamat ParentText: </a:t>
             </a:r>
             <a:endParaRPr>
               <a:solidFill>
@@ -8835,7 +8835,7 @@
               </a:defRPr>
             </a:pPr>
             <a:r>
-              <a:t>Improving My Relationship with My Child: We started with focusing on improving our relationship with our children by spending one-on-one time, giving praise, talking about our feelings and values.</a:t>
+              <a:t>Memperbaiki Hubungan Saya dengan Anak Saya: Kami mulakan dengan memberi fokus terhadap memperbaiki hubungan kami dengan anak-anak kami dengan meluangkan masa bersama seorang dengan seorang, memberi pujian, bercakap tentang perasaan dan nilai kami.</a:t>
             </a:r>
             <a:endParaRPr>
               <a:solidFill>
@@ -8866,7 +8866,7 @@
               </a:defRPr>
             </a:pPr>
             <a:r>
-              <a:t>Prepare My Child for Success in School: In this goal, we prepared our children for success in school by supporting them in reading and Math. </a:t>
+              <a:t>Mempersiapkan Anak Saya untuk Berjaya di Sekolah: Dalam matlamat ini, kami mempersiapkan anak-anak kami untuk berjaya di sekolah dengan menyokong aktiviti membaca dan Matematik mereka. </a:t>
             </a:r>
             <a:endParaRPr>
               <a:solidFill>
@@ -8897,7 +8897,7 @@
               </a:defRPr>
             </a:pPr>
             <a:r>
-              <a:t>Understand Child Development: Next, we learnt how to support our children’s healthy growth and development through play and learning from experiences.</a:t>
+              <a:t>Fahami Perkembangan Anak-Anak: Seterusnya, kami belajar cara menyokong pertumbuhan dan perkembangan sihat anak-anak kami melalui bermain dan belajar daripada pengalaman.</a:t>
             </a:r>
             <a:endParaRPr>
               <a:solidFill>
@@ -8928,7 +8928,7 @@
               </a:defRPr>
             </a:pPr>
             <a:r>
-              <a:t>Give My Child Structure: We also learnt how to give our children structure by creating routines and rules. </a:t>
+              <a:t>Memberikan Persekitaran yang Seimbang pada Anak saya: Kami juga belajar cara memberi persekitaran yang seimbang kepada anak-anak kami dengan mencipta rutin dan peraturan. </a:t>
             </a:r>
             <a:endParaRPr>
               <a:solidFill>
@@ -10391,7 +10391,7 @@
               </a:defRPr>
             </a:pPr>
             <a:r>
-              <a:t>Pada masa budak lelaki itu kembali dengan air, wanita tua itu mempunyai api yang besar dan hangat. Dia meletakkan periuk hitam besar di atas api dan menuang air. Dia kemudian membuka beg coklat kecilnya dan mengeluarkan batu putih bulat berkilat. She placed it in the big black pot and began to stir, humming an old cooking song.</a:t>
+              <a:t>Pada masa budak lelaki itu kembali dengan air, wanita tua itu mempunyai api yang besar dan hangat. Dia meletakkan periuk hitam besar di atas api dan menuang air. Dia kemudian membuka beg coklat kecilnya dan mengeluarkan batu putih bulat berkilat. Dia meletakkannya di dalam periuk hitam besar dan mula mengacau, mendendangkan lagu masakan lama.</a:t>
             </a:r>
             <a:endParaRPr i="1">
               <a:solidFill>
@@ -10423,7 +10423,7 @@
               </a:defRPr>
             </a:pPr>
             <a:r>
-              <a:t>Soon, the water began to boil. The old woman licked her lips and said to the boy, “Mmmmm...this is going to be a delicious pot of Stone Soup.”</a:t>
+              <a:t>Tidak lama kemudian, air mula mendidih. Wanita tua itu menjilat bibirnya dan berkata kepada budak itu, "Mmmmm...ini akan menjadi periuk Sup Batu yang lazat."</a:t>
             </a:r>
             <a:endParaRPr i="1">
               <a:solidFill>
@@ -10455,7 +10455,7 @@
               </a:defRPr>
             </a:pPr>
             <a:r>
-              <a:t>It wasn’t long when the others began to notice the fire burning in the middle of the village. One by one, they left their homes to see what was happening.</a:t>
+              <a:t>Tidak lama kemudian mereka yang lain mula menyedari api sedang marak di tengah-tengah kampung.a Seorang demi seorang meninggalkan rumah mereka untuk melihat apa yang berlaku.</a:t>
             </a:r>
             <a:endParaRPr i="1">
               <a:solidFill>
@@ -10487,7 +10487,7 @@
               </a:defRPr>
             </a:pPr>
             <a:r>
-              <a:t>"What is going on here?" asked one man. The boy answered, "She is cooking Stone Soup!"</a:t>
+              <a:t>"Apa yang terjadi di sini?" tanya seorang lelaki. Budak itu menjawab, "Dia sedang memasak Sup Batu!"</a:t>
             </a:r>
             <a:endParaRPr i="1">
               <a:solidFill>
@@ -10519,7 +10519,7 @@
               </a:defRPr>
             </a:pPr>
             <a:r>
-              <a:t>Those who were there exchanged looks as if they had never heard of such a thing. Stone Soup?</a:t>
+              <a:t>Mereka yang berada di situ bertukar pandangan seolah-olah mereka tidak pernah mendengar perkara sebegitu. Sup Batu?</a:t>
             </a:r>
             <a:endParaRPr i="1">
               <a:solidFill>
@@ -10551,7 +10551,7 @@
               </a:defRPr>
             </a:pPr>
             <a:r>
-              <a:t>The news spread fast and throughout the village. All the villagers left their homes to see this crazy old woman and her Stone Soup with their own eyes. As the people were arriving, the old woman continued to stir the pot while humming.</a:t>
+              <a:t>Berita itu tersebar dengan pantas dan ke seluruh kampung.? Semua penduduk kampung meninggalkan rumah mereka untuk melihat wanita tua gila ini dan Sup Batunya dengan mata kepala mereka sendiri. Semasa orang ramai tiba, wanita tua itu terus mengacau periuk sambil bersenandung.</a:t>
             </a:r>
             <a:endParaRPr i="1">
               <a:solidFill>
@@ -10583,7 +10583,7 @@
               </a:defRPr>
             </a:pPr>
             <a:r>
-              <a:t>When she noticed that that there were many people gathered, she stopped stirring and tasted the watery soup. "Mmmmmmm... This is going to be the most delicious soup. It is just missing something. If only there were some onions...”</a:t>
+              <a:t>Apabila dia perasan bahawa terdapat ramai orang berkumpul, dia berhenti mengacau dan menjamah sup berair itu. "Mmmmmmm... Ini akan menjadi sup yang paling lazat. Ia hanya kehilangan sesuatu. Kalaulah ada bawang...”</a:t>
             </a:r>
             <a:endParaRPr i="1">
               <a:solidFill>
@@ -10615,7 +10615,7 @@
               </a:defRPr>
             </a:pPr>
             <a:r>
-              <a:t>One woman had a few old onions that she had been saving. They were small and wrinkly but still good to eat. “I have some onions,” she offered. She fetched them from her home, chopped them up, and added them to the big black bubbling pot.</a:t>
+              <a:t>Seorang wanita mempunyai beberapa bawang tua yang dia simpan. Mereka kecil dan berkedut tetapi masih sedap dimakan. "Saya mempunyai beberapa bawang," dia menawarkan. Dia mengambilnya dari rumahnya, memotongnya, dan menambahkannya ke dalam periuk menggelegak hitam yang besar.</a:t>
             </a:r>
             <a:endParaRPr i="1">
               <a:solidFill>
@@ -10647,7 +10647,7 @@
               </a:defRPr>
             </a:pPr>
             <a:r>
-              <a:t>After a little while longer, the old woman tasted the soup again. “Yes, this soup is going to be so good. But it is missing something.... If only there were some more....”</a:t>
+              <a:t>Selepas beberapa lama, perempuan tua itu menjamah sup itu semula.a "Ya, sup ini akan menjadi sangat baik. Tapi ada yang hilang.... Kalaulah ada lagi....”</a:t>
             </a:r>
             <a:endParaRPr i="1">
               <a:solidFill>
@@ -10679,7 +10679,7 @@
               </a:defRPr>
             </a:pPr>
             <a:r>
-              <a:t>“Vegetables!” said a voice from the crowd, “It needs more vegetables. I have some spinach. It’s not much but you can use it.” Another person brought a couple of old potatoes. Someone else had a cabbage. Another garlic. Carrots. A pumpkin. Salt. An old scrawny chicken. Some chilis. Spices.</a:t>
+              <a:t>“Sayur-sayuran!” kata suara dari orang ramai, “Ia memerlukan lebih banyak sayur-sayuran. Saya ada bayam. Ia tidak banyak tetapi anda boleh menggunakannya.” Seorang lagi membawa sepasang kentang lama. Orang lain mempunyai kubis. Bawang putih lagi. lobak merah. Labu. garam. Ayam tua. sedikit cili. rempah ratus.</a:t>
             </a:r>
             <a:endParaRPr i="1">
               <a:solidFill>
@@ -10711,7 +10711,7 @@
               </a:defRPr>
             </a:pPr>
             <a:r>
-              <a:t>[At this point, the storyteller can ask people for suggestions as to what to put in the soup]</a:t>
+              <a:t>[Pada ketika ini, pencerita boleh meminta orang ramai untuk cadangan tentang apa yang perlu dimasukkan ke dalam sup]</a:t>
             </a:r>
             <a:endParaRPr i="1">
               <a:solidFill>
@@ -10743,7 +10743,7 @@
               </a:defRPr>
             </a:pPr>
             <a:r>
-              <a:t>The smell of the soup filled the village. It reminded people of the old days. They began to talk to each other, exchanging stories and news, even jokes. Laughter was heard again for the first time in many years.</a:t>
+              <a:t>Bau sup memenuhi kampung. Ia mengingatkan orang pada zaman dahulu. Mereka mula bercakap antara satu sama lain, bertukar cerita dan berita, malah bergurau. Ketawa kedengaran lagi buat pertama kali dalam beberapa tahun.</a:t>
             </a:r>
             <a:endParaRPr i="1">
               <a:solidFill>
@@ -10775,7 +10775,7 @@
               </a:defRPr>
             </a:pPr>
             <a:r>
-              <a:t>At last, the old woman stopped stirring. She tasted the soup and declared with a twinkle in her eye, “This Stone Soup is nearly ready. And so much to eat. I wonder if you will help me finish it please.”</a:t>
+              <a:t>Akhirnya, wanita tua itu berhenti kacau. Dia menjamah sup itu dan mengisytiharkan dengan sekelip mata, “Sup Batu ini hampir siap. Dan begitu banyak untuk dimakan. Saya tertanya-tanya jika anda akan membantu saya menyelesaikannya.</a:t>
             </a:r>
             <a:endParaRPr i="1">
               <a:solidFill>
@@ -10807,7 +10807,7 @@
               </a:defRPr>
             </a:pPr>
             <a:r>
-              <a:t>Everyone went back to his or her homes and brought bowls and spoons. Even though there were so many people, there was just enough for each person. They ate the soup until they were all full. And it was the most delicious Stone Soup they had ever tasted.</a:t>
+              <a:t>Semua orang pulang ke rumah masing-masing dan membawa mangkuk dan sudu. Walaupun terdapat begitu ramai orang, hanya cukup untuk setiap orang. Mereka makan sup sehingga mereka semua kenyang. Dan ia adalah Sup Batu paling lazat yang pernah mereka rasa.</a:t>
             </a:r>
             <a:endParaRPr i="1">
               <a:solidFill>
@@ -12233,7 +12233,7 @@
               </a:defRPr>
             </a:pPr>
             <a:r>
-              <a:t>This exercise helps us to become more grounded and present – which increases well being and balance - helping us to manage stress, illness and difficulty. [Pause]</a:t>
+              <a:t>Latihan ini membantu kita menjadi lebih asas dan hadir – yang meningkatkan kesejahteraan dan keseimbangan – membantu kita menguruskan tekanan, penyakit dan kesukaran. [Pause]</a:t>
             </a:r>
             <a:endParaRPr>
               <a:solidFill>
@@ -12264,7 +12264,7 @@
               </a:defRPr>
             </a:pPr>
             <a:r>
-              <a:t>Find a comfortable sitting position, your feet flat on the floor, your hands resting in your lap. [Pause]</a:t>
+              <a:t>Cari posisi duduk yang selesa, kaki anda rata di atas lantai, tangan anda berehat di pangkuan anda. [Pause]</a:t>
             </a:r>
             <a:endParaRPr>
               <a:solidFill>
@@ -12295,7 +12295,7 @@
               </a:defRPr>
             </a:pPr>
             <a:r>
-              <a:t>Close your eyes if you feel comfortable. [Pause]</a:t>
+              <a:t>Tutup mata anda jika anda berasa selesa. [Pause]</a:t>
             </a:r>
             <a:endParaRPr>
               <a:solidFill>
@@ -12358,7 +12358,7 @@
               </a:defRPr>
             </a:pPr>
             <a:r>
-              <a:t>Ask yourself, “What is my experience at this moment?” [Pause]</a:t>
+              <a:t>Tanya diri anda, "Apakah pengalaman saya pada masa ini?" [Pause]</a:t>
             </a:r>
             <a:endParaRPr>
               <a:solidFill>
@@ -12389,7 +12389,7 @@
               </a:defRPr>
             </a:pPr>
             <a:r>
-              <a:t>Notice what thoughts you are experiencing. Notice if they are negative or positive. [Pause]</a:t>
+              <a:t>Perhatikan apa pemikiran yang anda alami. Perhatikan jika mereka negatif atau positif. [Pause]</a:t>
             </a:r>
             <a:endParaRPr>
               <a:solidFill>
@@ -12420,7 +12420,7 @@
               </a:defRPr>
             </a:pPr>
             <a:r>
-              <a:t>Notice how you feel emotionally. Notice if your feelings are pleasant or unpleasant. [Pause]</a:t>
+              <a:t>Perhatikan bagaimana perasaan anda secara emosi. Perhatikan sama ada perasaan anda menyenangkan atau tidak menyenangkan. [Pause]</a:t>
             </a:r>
             <a:endParaRPr>
               <a:solidFill>
@@ -12451,7 +12451,7 @@
               </a:defRPr>
             </a:pPr>
             <a:r>
-              <a:t>Notice how your body feels. Notice any discomfort or tension. [Pause]</a:t>
+              <a:t>Perhatikan rasa badan anda. Perhatikan sebarang ketidakselesaan atau ketegangan. [Pause]</a:t>
             </a:r>
             <a:endParaRPr>
               <a:solidFill>
@@ -12483,7 +12483,7 @@
               </a:defRPr>
             </a:pPr>
             <a:r>
-              <a:t>Step 3: Opening to Loving Kindness</a:t>
+              <a:t>Langkah 3: Terbuka pada sifat Kasih Sayang</a:t>
             </a:r>
             <a:endParaRPr u="sng">
               <a:solidFill>
@@ -12514,7 +12514,7 @@
               </a:defRPr>
             </a:pPr>
             <a:r>
-              <a:t>Connect to your heart in a kind and gentle way. You may want to place one hand on your heart or chest. [Pause]</a:t>
+              <a:t>Hubung hati anda dengan cara yang baik dan lembut. Anda mungkin mahu meletakkan satu tangan pada jantung atau dada anda. [Pause]</a:t>
             </a:r>
             <a:endParaRPr>
               <a:solidFill>
@@ -12545,7 +12545,7 @@
               </a:defRPr>
             </a:pPr>
             <a:r>
-              <a:t>You can then say the following words silently to yourself [Pause]</a:t>
+              <a:t>Anda kemudian boleh menyebut perkataan berikut secara senyap kepada diri sendiri [Pause]</a:t>
             </a:r>
             <a:endParaRPr>
               <a:solidFill>
@@ -12737,7 +12737,7 @@
               </a:defRPr>
             </a:pPr>
             <a:r>
-              <a:t>Repeat slowly once or twice taking your time between each phrase.</a:t>
+              <a:t>Ulang perlahan-lahan sekali atau dua kali mengambil masa anda antara setiap frasa.</a:t>
             </a:r>
             <a:endParaRPr i="1">
               <a:solidFill>
@@ -12768,7 +12768,7 @@
               </a:defRPr>
             </a:pPr>
             <a:r>
-              <a:t>If you feel comfortable, you can also send thoughts of loving-kindness to your child, your partner, your family, and anyone else who is close to you in your life. [Pause]</a:t>
+              <a:t>Jika anda berasa selesa, anda juga boleh menghantar pemikiran tentang kasih sayang kepada anak anda, pasangan anda, keluarga anda dan sesiapa sahaja yang rapat dengan anda dalam hidup anda. [Pause]</a:t>
             </a:r>
             <a:endParaRPr>
               <a:solidFill>
@@ -12800,7 +12800,7 @@
               </a:defRPr>
             </a:pPr>
             <a:r>
-              <a:t>May you be peaceful. [Pause]</a:t>
+              <a:t>Semoga anda didalam perasaan yang tenang. [Pause]</a:t>
             </a:r>
             <a:endParaRPr>
               <a:solidFill>
@@ -12832,7 +12832,7 @@
               </a:defRPr>
             </a:pPr>
             <a:r>
-              <a:t>May you be safe. [Pause]</a:t>
+              <a:t>Semoga anda selamat. [Pause]</a:t>
             </a:r>
             <a:endParaRPr>
               <a:solidFill>
@@ -12864,7 +12864,7 @@
               </a:defRPr>
             </a:pPr>
             <a:r>
-              <a:t>May you be healthy. [Pause]</a:t>
+              <a:t>Semoga sihat hendaknya. [Pause]</a:t>
             </a:r>
             <a:endParaRPr>
               <a:solidFill>
@@ -12896,7 +12896,7 @@
               </a:defRPr>
             </a:pPr>
             <a:r>
-              <a:t>May you be happy. [Pause] May you feel loved. [Pause]</a:t>
+              <a:t>Semoga anda berbahagia. [Pause] Semoga anda berasa disayangi. [Pause]</a:t>
             </a:r>
             <a:endParaRPr>
               <a:solidFill>
@@ -12928,7 +12928,7 @@
               </a:defRPr>
             </a:pPr>
             <a:r>
-              <a:t>Repeat slowly once or twice taking your time between each phrase.</a:t>
+              <a:t>Ulang perlahan-lahan sekali atau dua kali mengambil masa anda antara setiap frasa.</a:t>
             </a:r>
             <a:endParaRPr i="1">
               <a:solidFill>
@@ -12960,7 +12960,7 @@
               </a:defRPr>
             </a:pPr>
             <a:r>
-              <a:t>Step 4: Expanding Awareness</a:t>
+              <a:t>Langkah 4: Meluaskan Kesedaran</a:t>
             </a:r>
             <a:endParaRPr u="sng">
               <a:solidFill>
@@ -12991,7 +12991,7 @@
               </a:defRPr>
             </a:pPr>
             <a:r>
-              <a:t>Allow your focus to expand to the whole body. [Pause]</a:t>
+              <a:t>Benarkan fokus anda meluas ke seluruh badan. [Pause]</a:t>
             </a:r>
             <a:endParaRPr>
               <a:solidFill>
@@ -13022,7 +13022,7 @@
               </a:defRPr>
             </a:pPr>
             <a:r>
-              <a:t>Allow your focus to expand to the sounds in the room. [Pause]</a:t>
+              <a:t>Benarkan fokus anda berkembang kepada bunyi di dalam bilik. [Pause]</a:t>
             </a:r>
             <a:endParaRPr>
               <a:solidFill>
@@ -13085,7 +13085,7 @@
               </a:defRPr>
             </a:pPr>
             <a:r>
-              <a:t>Step 5: Reflecting</a:t>
+              <a:t>Langkah 5: Refleksi</a:t>
             </a:r>
             <a:endParaRPr u="sng">
               <a:solidFill>
@@ -13179,7 +13179,7 @@
               </a:defRPr>
             </a:pPr>
             <a:r>
-              <a:t>Remember that you can do this activity at any time whenever you feel like you need extra support.</a:t>
+              <a:t>Ingat bahawa anda boleh melakukan aktiviti ini pada bila-bila masa apabila anda rasa anda memerlukan sokongan tambahan.</a:t>
             </a:r>
           </a:p>
         </p:txBody>
@@ -13304,7 +13304,7 @@
               </a:defRPr>
             </a:pPr>
             <a:r>
-              <a:t>Certificates </a:t>
+              <a:t>Sijil</a:t>
             </a:r>
             <a:endParaRPr b="1" sz="1200" u="sng">
               <a:solidFill>
@@ -14477,7 +14477,7 @@
               </a:defRPr>
             </a:pPr>
             <a:r>
-              <a:t>Beri Struktur Anak Saya </a:t>
+              <a:t>Memberikan Persekitaran yang Seimbang pada Anak saya </a:t>
             </a:r>
             <a:endParaRPr>
               <a:solidFill>
@@ -30469,7 +30469,7 @@
               </a:defRPr>
             </a:pPr>
             <a:r>
-              <a:t>Do you have any questions about: </a:t>
+              <a:t>Adakah anda mempunyai sebarang soalan tentang:</a:t>
             </a:r>
             <a:endParaRPr b="1" sz="1700">
               <a:solidFill>
@@ -30500,7 +30500,7 @@
               </a:defRPr>
             </a:pPr>
             <a:r>
-              <a:t>Using ParentText </a:t>
+              <a:t>Menggunakan ParentText</a:t>
             </a:r>
             <a:endParaRPr sz="1700">
               <a:solidFill>
@@ -30531,7 +30531,7 @@
               </a:defRPr>
             </a:pPr>
             <a:r>
-              <a:t>Participating in the WhatsApp Support Groups </a:t>
+              <a:t>Menyertai Kumpulan Sokongan WhatsApp</a:t>
             </a:r>
             <a:endParaRPr sz="1700">
               <a:solidFill>
@@ -30562,7 +30562,7 @@
               </a:defRPr>
             </a:pPr>
             <a:r>
-              <a:t>Spending One-on-One Time with your child </a:t>
+              <a:t>Luangkan Masa Satu-satu dengan anak anda</a:t>
             </a:r>
             <a:endParaRPr sz="1700">
               <a:solidFill>
@@ -30593,7 +30593,7 @@
               </a:defRPr>
             </a:pPr>
             <a:r>
-              <a:t>Home Activity </a:t>
+              <a:t>Aktiviti Rumah</a:t>
             </a:r>
             <a:endParaRPr sz="1700">
               <a:solidFill>
@@ -30824,7 +30824,7 @@
               </a:defRPr>
             </a:pPr>
             <a:r>
-              <a:t>Closing</a:t>
+              <a:t>Penutup</a:t>
             </a:r>
             <a:endParaRPr b="0" i="0" sz="1400" u="none" cap="none" strike="noStrike">
               <a:solidFill>
@@ -31072,7 +31072,7 @@
               </a:defRPr>
             </a:pPr>
             <a:r>
-              <a:t>Parenting Values and Spirituality</a:t>
+              <a:t>Nilai Keibubapaan dan Kerohanian</a:t>
             </a:r>
             <a:endParaRPr b="0" i="0" sz="1400" u="none" cap="none" strike="noStrike">
               <a:solidFill>
@@ -31205,7 +31205,7 @@
               </a:pPr>
               <a:r>
                 <a:rPr b="1"/>
-                <a:t>You are here!</a:t>
+                <a:t>Anda di sini!</a:t>
               </a:r>
               <a:r>
                 <a:t> </a:t>
@@ -31240,7 +31240,7 @@
                 </a:defRPr>
               </a:pPr>
               <a:r>
-                <a:t>Selected your first Goal &amp; Completed your first skill </a:t>
+                <a:t>Memilih Matlamat pertama anda &amp; Menyelesaikan kemahiran pertama anda</a:t>
               </a:r>
               <a:endParaRPr b="0" i="0" sz="1400" u="none" cap="none" strike="noStrike">
                 <a:solidFill>
@@ -31469,7 +31469,7 @@
               </a:defRPr>
             </a:pPr>
             <a:r>
-              <a:t>It’s time to pick a new parenting goal! </a:t>
+              <a:t>Tiba masanya untuk memilih matlamat keibubapaan baharu!</a:t>
             </a:r>
             <a:endParaRPr b="1">
               <a:solidFill>
@@ -31501,7 +31501,7 @@
               </a:defRPr>
             </a:pPr>
             <a:r>
-              <a:t>Which goal would you like to work on next?</a:t>
+              <a:t>Matlamat manakah yang ingin anda usahakan seterusnya?</a:t>
             </a:r>
             <a:endParaRPr b="1">
               <a:solidFill>
@@ -31554,7 +31554,7 @@
               </a:defRPr>
             </a:pPr>
             <a:r>
-              <a:t>Identifying Next Goal in ParentText</a:t>
+              <a:t>Mengenal pasti Matlamat Seterusnya dalam ParentText</a:t>
             </a:r>
             <a:endParaRPr sz="1700">
               <a:solidFill>
@@ -32070,7 +32070,7 @@
               </a:defRPr>
             </a:pPr>
             <a:r>
-              <a:t>Thank you</a:t>
+              <a:t>Terima kasih</a:t>
             </a:r>
             <a:br>
               <a:rPr b="1" lang="en-US" sz="2300">
@@ -32087,7 +32087,7 @@
               </a:rPr>
             </a:br>
             <a:r>
-              <a:t>Any Questions?</a:t>
+              <a:t>Sebarang Soalan?</a:t>
             </a:r>
             <a:endParaRPr b="0" i="0" sz="1900" u="none" cap="none" strike="noStrike">
               <a:solidFill>
@@ -32612,7 +32612,7 @@
               </a:defRPr>
             </a:pPr>
             <a:r>
-              <a:t>Month Year</a:t>
+              <a:t>Bulan Tahun</a:t>
             </a:r>
             <a:endParaRPr b="0" i="0" sz="2100" u="none" cap="none" strike="noStrike">
               <a:solidFill>
@@ -32671,7 +32671,7 @@
               </a:defRPr>
             </a:pPr>
             <a:r>
-              <a:t>Naungan Kasih Hybrid Parenting Programme</a:t>
+              <a:t>Program Keibubapaan Hibrid Naungan Kasih</a:t>
             </a:r>
             <a:br>
               <a:rPr b="1" lang="en-US" sz="2200">
@@ -32688,7 +32688,7 @@
               </a:rPr>
             </a:br>
             <a:r>
-              <a:t>Parent Reflection and Celebration</a:t>
+              <a:t>Refleksi dan Sambutan Ibu Bapa</a:t>
             </a:r>
             <a:endParaRPr b="1" sz="2100">
               <a:solidFill>
@@ -32910,7 +32910,7 @@
               </a:defRPr>
             </a:pPr>
             <a:r>
-              <a:t>Name of the Facilitators</a:t>
+              <a:t>Nama Fasilitator</a:t>
             </a:r>
             <a:endParaRPr b="0" i="0" sz="2100" u="none" cap="none" strike="noStrike">
               <a:solidFill>
@@ -33056,7 +33056,7 @@
               </a:defRPr>
             </a:pPr>
             <a:r>
-              <a:t>Session Overview</a:t>
+              <a:t>Gambaran Keseluruhan Sesi</a:t>
             </a:r>
             <a:endParaRPr b="0" i="0" sz="1400" u="none" cap="none" strike="noStrike">
               <a:solidFill>
@@ -33118,7 +33118,7 @@
               </a:defRPr>
             </a:pPr>
             <a:r>
-              <a:t>Structure of the Workshop </a:t>
+              <a:t>Struktur Bengkel</a:t>
             </a:r>
             <a:endParaRPr b="1" sz="2100">
               <a:solidFill>
@@ -33173,7 +33173,7 @@
               </a:defRPr>
             </a:pPr>
             <a:r>
-              <a:t>Welcome </a:t>
+              <a:t>Selamat datang</a:t>
             </a:r>
             <a:endParaRPr sz="1900">
               <a:solidFill>
@@ -33204,7 +33204,7 @@
               </a:defRPr>
             </a:pPr>
             <a:r>
-              <a:t>Collaborative Art Activity </a:t>
+              <a:t>Aktiviti Seni Kolaboratif</a:t>
             </a:r>
             <a:endParaRPr sz="1900">
               <a:solidFill>
@@ -33235,7 +33235,7 @@
               </a:defRPr>
             </a:pPr>
             <a:r>
-              <a:t>Keep the momentum going</a:t>
+              <a:t>Teruskan momentum</a:t>
             </a:r>
             <a:endParaRPr sz="1900">
               <a:solidFill>
@@ -33266,7 +33266,7 @@
               </a:defRPr>
             </a:pPr>
             <a:r>
-              <a:t>Awareness Activity </a:t>
+              <a:t>Aktiviti Kesedaran</a:t>
             </a:r>
             <a:endParaRPr sz="1900">
               <a:solidFill>
@@ -33297,7 +33297,7 @@
               </a:defRPr>
             </a:pPr>
             <a:r>
-              <a:t>Closing </a:t>
+              <a:t>Penutup</a:t>
             </a:r>
             <a:endParaRPr sz="1900">
               <a:solidFill>
@@ -33439,7 +33439,7 @@
               </a:defRPr>
             </a:pPr>
             <a:r>
-              <a:t>Welcome</a:t>
+              <a:t>Selamat datang</a:t>
             </a:r>
             <a:endParaRPr b="0" i="0" sz="1400" u="none" cap="none" strike="noStrike">
               <a:solidFill>
@@ -33501,7 +33501,7 @@
               </a:defRPr>
             </a:pPr>
             <a:r>
-              <a:t>Let’s </a:t>
+              <a:t>Jom</a:t>
             </a:r>
             <a:endParaRPr b="1" sz="5000">
               <a:solidFill>
@@ -34041,7 +34041,7 @@
               </a:defRPr>
             </a:pPr>
             <a:r>
-              <a:t>Art Activity</a:t>
+              <a:t>Aktiviti Seni</a:t>
             </a:r>
             <a:endParaRPr b="0" i="0" sz="1400" u="none" cap="none" strike="noStrike">
               <a:solidFill>
@@ -34100,7 +34100,7 @@
               </a:defRPr>
             </a:pPr>
             <a:r>
-              <a:t>Let’s spend a few minutes reflecting on your </a:t>
+              <a:t>Mari luangkan masa beberapa minit untuk merenung anda</a:t>
             </a:r>
             <a:endParaRPr b="1" sz="4000">
               <a:solidFill>
@@ -34129,7 +34129,7 @@
               </a:defRPr>
             </a:pPr>
             <a:r>
-              <a:t>ParentText Journey…</a:t>
+              <a:t>Perjalanan ParentText…</a:t>
             </a:r>
             <a:endParaRPr b="1" sz="4000">
               <a:solidFill>
@@ -34637,7 +34637,7 @@
               </a:defRPr>
             </a:pPr>
             <a:r>
-              <a:t>Art Activity</a:t>
+              <a:t>Aktiviti Seni</a:t>
             </a:r>
             <a:endParaRPr b="0" i="0" sz="1400" u="none" cap="none" strike="noStrike">
               <a:solidFill>
@@ -34699,7 +34699,7 @@
               </a:defRPr>
             </a:pPr>
             <a:r>
-              <a:t>Pick up paper and crayons, and draw pictures related to the questions: </a:t>
+              <a:t>Ambil kertas dan krayon, dan lukis gambar yang berkaitan dengan soalan:</a:t>
             </a:r>
             <a:endParaRPr b="1" sz="1800">
               <a:solidFill>
@@ -34726,7 +34726,7 @@
               </a:defRPr>
             </a:pPr>
             <a:r>
-              <a:t>What was your relationship with your child like before the programme?</a:t>
+              <a:t>Apakah hubungan anda dengan anak anda sebelum program ini?</a:t>
             </a:r>
             <a:endParaRPr i="1" sz="1900">
               <a:solidFill>
@@ -34753,7 +34753,7 @@
               </a:defRPr>
             </a:pPr>
             <a:r>
-              <a:t> How has the relationship changed? How have you changed? Your child? Your family?</a:t>
+              <a:t> Bagaimanakah hubungan itu berubah? Bagaimana anda berubah? Anak anda? Keluarga anda?</a:t>
             </a:r>
             <a:endParaRPr i="1" sz="1900">
               <a:solidFill>
@@ -34780,7 +34780,7 @@
               </a:defRPr>
             </a:pPr>
             <a:r>
-              <a:t>What was the most important/significant thing that you learned? Why was this significant?</a:t>
+              <a:t>Apakah perkara paling penting/penting yang anda pelajari? Mengapa ini penting?</a:t>
             </a:r>
             <a:endParaRPr i="1" sz="1900">
               <a:solidFill>
@@ -34941,7 +34941,7 @@
               </a:defRPr>
             </a:pPr>
             <a:r>
-              <a:t>Art Activity</a:t>
+              <a:t>Aktiviti Seni</a:t>
             </a:r>
             <a:endParaRPr b="0" i="0" sz="1400" u="none" cap="none" strike="noStrike">
               <a:solidFill>
@@ -35000,7 +35000,7 @@
               </a:defRPr>
             </a:pPr>
             <a:r>
-              <a:t>Share your drawings</a:t>
+              <a:t>Kongsi lukisan anda</a:t>
             </a:r>
             <a:endParaRPr b="1" sz="4000">
               <a:solidFill>
@@ -35508,7 +35508,7 @@
               </a:defRPr>
             </a:pPr>
             <a:r>
-              <a:t>Keep the momentum going</a:t>
+              <a:t>Teruskan momentum</a:t>
             </a:r>
             <a:endParaRPr b="0" i="0" sz="1400" u="none" cap="none" strike="noStrike">
               <a:solidFill>
@@ -35567,7 +35567,7 @@
               </a:defRPr>
             </a:pPr>
             <a:r>
-              <a:t>The Stone Soup</a:t>
+              <a:t>Sup Batu</a:t>
             </a:r>
             <a:endParaRPr b="1" sz="4000">
               <a:solidFill>
@@ -36075,7 +36075,7 @@
               </a:defRPr>
             </a:pPr>
             <a:r>
-              <a:t>Keep the momentum going</a:t>
+              <a:t>Teruskan momentum</a:t>
             </a:r>
             <a:endParaRPr b="0" i="0" sz="1400" u="none" cap="none" strike="noStrike">
               <a:solidFill>
@@ -36137,7 +36137,7 @@
               </a:defRPr>
             </a:pPr>
             <a:r>
-              <a:t>Discussion</a:t>
+              <a:t>Perbincangan</a:t>
             </a:r>
             <a:endParaRPr b="1" sz="1800">
               <a:solidFill>
@@ -36188,7 +36188,7 @@
               </a:defRPr>
             </a:pPr>
             <a:r>
-              <a:t>What are some of the things that we can do to continue supporting each other as parents?</a:t>
+              <a:t>Apakah beberapa perkara yang boleh kita lakukan untuk terus menyokong satu sama lain sebagai ibu bapa?</a:t>
             </a:r>
             <a:endParaRPr i="1" sz="1900">
               <a:solidFill>
@@ -36234,7 +36234,7 @@
               </a:defRPr>
             </a:pPr>
             <a:r>
-              <a:t>How can we continue to support our children’s development and our lives after the programme?</a:t>
+              <a:t>Bagaimanakah kita boleh terus menyokong perkembangan anak-anak kita dan kehidupan kita selepas program ini?</a:t>
             </a:r>
             <a:endParaRPr sz="1500">
               <a:solidFill>
@@ -36376,7 +36376,7 @@
               </a:defRPr>
             </a:pPr>
             <a:r>
-              <a:t>Awareness Activity </a:t>
+              <a:t>Aktiviti Kesedaran</a:t>
             </a:r>
             <a:endParaRPr b="0" i="0" sz="1400" u="none" cap="none" strike="noStrike">
               <a:solidFill>
@@ -36438,7 +36438,7 @@
               </a:defRPr>
             </a:pPr>
             <a:r>
-              <a:t>Connect with a sense of loving-kindness </a:t>
+              <a:t>Berhubung dengan rasa kasih sayang </a:t>
             </a:r>
             <a:endParaRPr b="1" sz="4000">
               <a:solidFill>
@@ -36946,7 +36946,7 @@
               </a:defRPr>
             </a:pPr>
             <a:r>
-              <a:t>Closing</a:t>
+              <a:t>Penutup</a:t>
             </a:r>
             <a:endParaRPr b="0" i="0" sz="1400" u="none" cap="none" strike="noStrike">
               <a:solidFill>
@@ -37007,7 +37007,7 @@
               </a:defRPr>
             </a:pPr>
             <a:r>
-              <a:t>Certificate Distribution </a:t>
+              <a:t>Pengagihan Sijil</a:t>
             </a:r>
             <a:endParaRPr sz="1900">
               <a:solidFill>
@@ -37038,7 +37038,7 @@
               </a:defRPr>
             </a:pPr>
             <a:r>
-              <a:t>Closing Remarks </a:t>
+              <a:t>Ucapan penutup</a:t>
             </a:r>
             <a:endParaRPr sz="1900">
               <a:solidFill>
@@ -38403,7 +38403,7 @@
               </a:defRPr>
             </a:pPr>
             <a:r>
-              <a:t>Beri Struktur Anak Saya</a:t>
+              <a:t>Memberikan Persekitaran yang Seimbang pada Anak saya </a:t>
             </a:r>
             <a:endParaRPr sz="1500">
               <a:solidFill>

--- a/translations/facilitator_app_malaysia/ms/ms_in_person_sessions.pptx
+++ b/translations/facilitator_app_malaysia/ms/ms_in_person_sessions.pptx
@@ -2185,7 +2185,7 @@
               </a:defRPr>
             </a:pPr>
             <a:r>
-              <a:t>Ikut semasa anak anda memimpin ketika Masa Bersama Seorang Dengan Seorang</a:t>
+              <a:t>Ikut anak anda semasa dia memimpin aktiviti Masa Bersama Seorang Dengan Seorang</a:t>
             </a:r>
             <a:endParaRPr>
               <a:solidFill>
@@ -4980,7 +4980,7 @@
               </a:defRPr>
             </a:pPr>
             <a:r>
-              <a:t>Bahagikan ibu bapa kepada pasangan dan minta mereka berlatih membiarkan anak memimpin semasa One-on-One Time.</a:t>
+              <a:t>Bahagikan ibu bapa kepada pasangan dan minta mereka berlatih membiarkan anak memimpin semasa Masa Bersama Seorang Dengan Seorang.</a:t>
             </a:r>
             <a:endParaRPr>
               <a:solidFill>
@@ -5849,7 +5849,7 @@
               </a:defRPr>
             </a:pPr>
             <a:r>
-              <a:t>Ingat ini adalah aktiviti anak anda. Bolehkah anda fikirkan bagaimana perasaan anda baru-baru ini apabila seseorang telah mengkritik anda? Tiada betul atau salah semasa One-on-One Time. Tugas anda adalah untuk menunjukkan minat dan mengatakan sesuatu yang baik.</a:t>
+              <a:t>Ingat ini adalah aktiviti anak anda. Bolehkah anda fikirkan bagaimana perasaan anda baru-baru ini apabila seseorang telah mengkritik anda? Tiada betul atau salah semasa Masa Bersama Seorang Dengan Seorang. Tugas anda adalah untuk menunjukkan minat dan mengatakan sesuatu yang baik.</a:t>
             </a:r>
           </a:p>
         </p:txBody>
@@ -6163,7 +6163,7 @@
               </a:defRPr>
             </a:pPr>
             <a:r>
-              <a:t>Apakah jenis aktiviti yang boleh mereka lakukan semasa One-on-One Time bersama anak mereka?</a:t>
+              <a:t>Apakah jenis aktiviti yang mereka boleh lakukan ketika Masa Bersama Seorang Dengan Seorang bersama anak mereka?</a:t>
             </a:r>
             <a:endParaRPr>
               <a:solidFill>
@@ -7810,7 +7810,7 @@
               </a:defRPr>
             </a:pPr>
             <a:r>
-              <a:t>Gunakan teks di bawah sebagai panduan untuk memimpin ibu bapa dalam Mengambil Jeda.</a:t>
+              <a:t>Gunakan teks di bawah sebagai panduan untuk memimpin ibu bapa dalam Berhenti seketika. </a:t>
             </a:r>
             <a:endParaRPr>
               <a:solidFill>
@@ -7842,7 +7842,7 @@
               </a:defRPr>
             </a:pPr>
             <a:r>
-              <a:t>Anda perlu berhenti seketika selama kira-kira 5 saat pada setiap [Berhenti Seketika] dalam teks. Ia akan menjadi lebih bermakna jika anda Ambil Jeda pada masa yang sama.</a:t>
+              <a:t>Anda perlu berhenti seketika selama kira-kira 5 saat pada setiap [Pause] dalam teks. Ia akan menjadi lebih bermakna jika anda Ambil Jeda pada masa yang sama.</a:t>
             </a:r>
             <a:endParaRPr>
               <a:solidFill>
@@ -8440,7 +8440,7 @@
               </a:defRPr>
             </a:pPr>
             <a:r>
-              <a:t>Allow your focus to expand to the whole body. [Pause]</a:t>
+              <a:t>Benarkan fokus anda meresap ke seluruh tubuh anda. [Pause]</a:t>
             </a:r>
             <a:endParaRPr>
               <a:solidFill>
@@ -8471,7 +8471,7 @@
               </a:defRPr>
             </a:pPr>
             <a:r>
-              <a:t>Allow your focus to expand to the sounds in the room. [Pause]</a:t>
+              <a:t>Teruskan dengan menumpukan perhatian anda kepada bunyi di dalam bilik. [Pause]</a:t>
             </a:r>
             <a:endParaRPr>
               <a:solidFill>
@@ -8534,7 +8534,7 @@
               </a:defRPr>
             </a:pPr>
             <a:r>
-              <a:t>Luangkan sedikit masa untuk merenung sama ada anda rasa berbeza berbanding sebelum anda Berhenti seketika.</a:t>
+              <a:t>Luangkan sedikit masa untuk merenung sama ada anda berasa berbeza daripada sebelum Berhenti seketika.</a:t>
             </a:r>
             <a:endParaRPr>
               <a:solidFill>
@@ -8959,7 +8959,7 @@
               </a:defRPr>
             </a:pPr>
             <a:r>
-              <a:t>Supporting Positive Child Behaviour: Now, we also have skills to manage our children’s misbehaviours by redirecting them, ignoring demanding behaviour, and managing consequences. </a:t>
+              <a:t>Menyokong Tingkah Laku Positif Anak-Anak: Kini, kami juga mempunyai kemahiran untuk mengurus salah laku anak-anak kami dengan mengalihkan perhatian mereka, mengabaikan tingkah laku yang mendesak dan mengurus akibat. </a:t>
             </a:r>
             <a:endParaRPr>
               <a:solidFill>
@@ -8990,7 +8990,7 @@
               </a:defRPr>
             </a:pPr>
             <a:r>
-              <a:t>Keep My Child Safe and Healthy: We focused on safe touch, community safety, responding to risks, and being safe online. </a:t>
+              <a:t>Pastikan Anak Saya Selamat dan Sihat: Kami menumpukan pada sentuhan selamat, keselamatan komuniti, bertindak balas terhadap risiko dan keselamatan dalam talian. </a:t>
             </a:r>
             <a:endParaRPr>
               <a:solidFill>
@@ -9021,7 +9021,7 @@
               </a:defRPr>
             </a:pPr>
             <a:r>
-              <a:t>Have a Healthy Relationship with My Child: We built healthy relationships with our spouses by focusing on respect, responsibilities and conflict resolution. </a:t>
+              <a:t>Mempunyai Hubungan Sihat dengan Anak Saya: Kami membina hubungan yang sihat dengan memberi tumpuan kepada rasa hormat, tanggungjawab dan penyelesaian konflik bersama pasangan. </a:t>
             </a:r>
             <a:endParaRPr>
               <a:solidFill>
@@ -9052,7 +9052,7 @@
               </a:defRPr>
             </a:pPr>
             <a:r>
-              <a:t>Build a Family Budget: Lastly, we built a family budget by understanding our needs and wants, and making a monthly saving plan. </a:t>
+              <a:t>Rancang Belanjawan Keluarga: Akhir sekali, kami merancang belanjawan keluarga dengan memahami keperluan dan kehendak kami serta membuat pelan simpanan bulanan. </a:t>
             </a:r>
             <a:endParaRPr>
               <a:solidFill>
@@ -9083,7 +9083,7 @@
               </a:defRPr>
             </a:pPr>
             <a:r>
-              <a:t>Ask parents to think about their experiences during the sessions and when they were practising the skills at home.</a:t>
+              <a:t>Minta ibu bapa untuk memikirkan tentang pengalaman mereka semasa sesi tersebut dan semasa mereka mempraktikkan kemahiran di rumah.</a:t>
             </a:r>
             <a:endParaRPr>
               <a:solidFill>
@@ -9114,7 +9114,7 @@
               </a:defRPr>
             </a:pPr>
             <a:r>
-              <a:t>Remind the parents that it is okay if they have not finished all the goals yet. </a:t>
+              <a:t>Ingatkan ibu bapa tidak mengapa jika mereka belum menyelesaikan semua matlamat. </a:t>
             </a:r>
             <a:endParaRPr>
               <a:solidFill>
@@ -9145,7 +9145,7 @@
               </a:defRPr>
             </a:pPr>
             <a:r>
-              <a:t>Ask them to think about how they have changed, how their children and their children’s behaviours have changed, and how their families have changed.</a:t>
+              <a:t>Minta mereka berfikir tentang bagaimana mereka telah berubah, apakah perubahan pada anak-anak dan tingkah laku anak-anak mereka, dan juga perubahan pada keluarga mereka.</a:t>
             </a:r>
             <a:endParaRPr>
               <a:solidFill>
@@ -10711,7 +10711,7 @@
               </a:defRPr>
             </a:pPr>
             <a:r>
-              <a:t>[Pada ketika ini, pencerita boleh meminta orang ramai untuk cadangan tentang apa yang perlu dimasukkan ke dalam sup]</a:t>
+              <a:t>[Pada ketika ini, pencerita boleh meminta cadangan tentang apa yang perlu dimasukkan ke dalam sup daripada orang ramai]</a:t>
             </a:r>
             <a:endParaRPr i="1">
               <a:solidFill>
@@ -12139,7 +12139,7 @@
               </a:defRPr>
             </a:pPr>
             <a:r>
-              <a:t>Sama seperti Mengambil Jeda, anda boleh menjeda selama kira-kira 5 saat pada setiap [Pause] dalam teks. Semasa berhenti, ia mungkin membantu jika anda mengikut arahan anda sendiri.</a:t>
+              <a:t>Sama seperti Berhenti seketika, anda boleh jeda selama kira-kira 5 saat pada setiap [Pause] dalam teks. Semasa berhenti, ia mungkin membantu jika anda mengikut arahan anda sendiri.</a:t>
             </a:r>
             <a:endParaRPr>
               <a:solidFill>
@@ -26358,7 +26358,7 @@
             </a:r>
             <a:r>
               <a:rPr b="1"/>
-              <a:t>“Menghabiskan Masa Satu-satu dengan Anak Saya”</a:t>
+              <a:t>“Meluangkan Masa Bersama Seorang Dengan Seorang dengan Anak Saya”</a:t>
             </a:r>
             <a:endParaRPr b="1" sz="1600">
               <a:solidFill>
@@ -26527,7 +26527,7 @@
               </a:defRPr>
             </a:pPr>
             <a:r>
-              <a:t>Menghabiskan Masa Satu-satu dengan Anak Saya</a:t>
+              <a:t>Meluangkan Masa Bersama Seorang Dengan Seorang dengan Anak Saya</a:t>
             </a:r>
             <a:endParaRPr b="0" i="0" sz="1400" u="none" cap="none" strike="noStrike">
               <a:solidFill>
@@ -26616,7 +26616,7 @@
               <a:t>Farah</a:t>
             </a:r>
             <a:r>
-              <a:t>: Saya ada 5 minit masa bersemuka dengan awak, Mira. Apakah yang anda mahu lakukan?</a:t>
+              <a:t>: Ibu ada 5 minit untuk meluangkan masa bersama seorang dengan seorang bersama kamu, Mira. Apakah yang anda mahu lakukan?</a:t>
             </a:r>
             <a:endParaRPr sz="1050">
               <a:solidFill>
@@ -27227,7 +27227,7 @@
               </a:defRPr>
             </a:pPr>
             <a:r>
-              <a:t>Menghabiskan Masa Satu-satu dengan Anak Saya</a:t>
+              <a:t>Meluangkan Masa Bersama Seorang Dengan Seorang dengan anak mereka</a:t>
             </a:r>
             <a:endParaRPr b="0" i="0" sz="1400" u="none" cap="none" strike="noStrike">
               <a:solidFill>
@@ -27353,7 +27353,7 @@
               </a:defRPr>
             </a:pPr>
             <a:r>
-              <a:t>Satu-satu Masa?</a:t>
+              <a:t>Masa Bersama Seorang dengan Seorang?</a:t>
             </a:r>
             <a:endParaRPr b="1" sz="4000">
               <a:solidFill>
@@ -27831,7 +27831,7 @@
               </a:defRPr>
             </a:pPr>
             <a:r>
-              <a:t>Menghabiskan Masa Satu-satu dengan Anak Saya</a:t>
+              <a:t>Meluangkan Masa Bersama Seorang Dengan Seorang dengan Anak Saya</a:t>
             </a:r>
             <a:endParaRPr b="0" i="0" sz="1400" u="none" cap="none" strike="noStrike">
               <a:solidFill>
@@ -27957,7 +27957,7 @@
               </a:defRPr>
             </a:pPr>
             <a:r>
-              <a:t>semasa One-on-One Time?</a:t>
+              <a:t>semasa Masa Bersama Seorang Dengan Seorang?</a:t>
             </a:r>
             <a:endParaRPr b="1" sz="3300">
               <a:solidFill>
@@ -28435,7 +28435,7 @@
               </a:defRPr>
             </a:pPr>
             <a:r>
-              <a:t>Menghabiskan Masa Satu-satu dengan Anak Saya</a:t>
+              <a:t>Meluangkan Masa Bersama Seorang Dengan Seorang dengan Anak Saya</a:t>
             </a:r>
             <a:endParaRPr b="0" i="0" sz="1400" u="none" cap="none" strike="noStrike">
               <a:solidFill>
@@ -30206,7 +30206,7 @@
                   <a:srgbClr val="0D3959"/>
                 </a:solidFill>
               </a:rPr>
-              <a:t> jenis aktiviti yang boleh anda lakukan semasa One-on-One Time bersama anak anda?</a:t>
+              <a:t> jenis aktiviti yang boleh anda lakukan semasa Masa Bersama Seorang Dengan Seorang bersama anak anda?</a:t>
             </a:r>
             <a:endParaRPr b="1" sz="1700">
               <a:solidFill>
@@ -32471,7 +32471,7 @@
               </a:defRPr>
             </a:pPr>
             <a:r>
-              <a:t>Luangkan masa satu-satu dengan anak-anak anda</a:t>
+              <a:t>Meluangkan Masa Bersama Seorang Dengan Seorang dengan anak anda</a:t>
             </a:r>
             <a:endParaRPr sz="1900">
               <a:solidFill>

--- a/translations/facilitator_app_malaysia/ms/ms_in_person_sessions.pptx
+++ b/translations/facilitator_app_malaysia/ms/ms_in_person_sessions.pptx
@@ -1504,7 +1504,7 @@
               </a:defRPr>
             </a:pPr>
             <a:r>
-              <a:t>Lengkapkan Kemahiran 5 minit pertama (“Menghabiskan Masa Satu-satu-Satu dengan Anak Saya”) dalam Matlamat ini.</a:t>
+              <a:t>Lengkapkan Kemahiran 5 minit pertama (“Meluangkan Masa Bersama Seorang Dengan Seorang dengan Anak Saya”) dalam Matlamat ini.</a:t>
             </a:r>
             <a:endParaRPr>
               <a:solidFill>
@@ -3036,7 +3036,7 @@
               </a:defRPr>
             </a:pPr>
             <a:r>
-              <a:t>Berikut ialah beberapa faedah meluangkan masa satu sama satu dengan anak anda:</a:t>
+              <a:t>Berikut adalah manfaat meluangkan masa bersama seorang dengan seorang bersama anak anda: </a:t>
             </a:r>
             <a:endParaRPr b="1">
               <a:solidFill>
@@ -3486,7 +3486,7 @@
               </a:defRPr>
             </a:pPr>
             <a:r>
-              <a:t>Senarai di atas hanyalah cadangan. Tidak mengapa jika mereka tidak mengenal pasti kesemuanya. Mereka juga mungkin memberikan sebab lain tentang sebab meluangkan masa Satu-satu dengan kanak-kanak akan membantu meningkatkan tingkah laku dan perkembangan mereka. Ini sangat menarik!!</a:t>
+              <a:t>Senarai di atas hanyalah cadangan. Tidak mengapa jika mereka tidak mengenal pasti kesemuanya. Mereka juga mungkin memberikan sebab lain tentang betapa pentingnya meluangkan Masa Bersama Seorang Dengan Seorang bersama anak-anak dapat membantu memperbaiki tingkah laku dan perkembangan anak-anak ini. Ini sangat menarik!!</a:t>
             </a:r>
             <a:endParaRPr>
               <a:solidFill>
@@ -4673,7 +4673,7 @@
               </a:defRPr>
             </a:pPr>
             <a:r>
-              <a:t>Ibu bapa hendaklah memperkenalkan Satu-satu-Satu Masa kepada anaknya dengan menyebut perkataan berikut:</a:t>
+              <a:t>Ibu bapa hendaklah memperkenalkan Masa Bersama Seorang Dengan Seorang kepada anaknya dengan menyebut perkataan berikut:</a:t>
             </a:r>
             <a:endParaRPr>
               <a:solidFill>
@@ -4701,7 +4701,7 @@
               </a:defRPr>
             </a:pPr>
             <a:r>
-              <a:t>“Saya mempunyai 5 minit untuk meluangkan Masa Satu-satu-Satu dengan anda, apakah yang anda mahu lakukan?”</a:t>
+              <a:t>“Ibu boleh meluangkan Masa Bersama Seorang Dengan Seorang bersama kamu selama 5 minit. Apa yang kamu ingin lakukan?”</a:t>
             </a:r>
             <a:endParaRPr b="1" i="1">
               <a:solidFill>
@@ -5349,7 +5349,7 @@
               <a:t>HARI: </a:t>
             </a:r>
             <a:r>
-              <a:t>Peruntukkan masa tertentu untuk meluangkan Masa Satu-satu dengan anak anda setiap hari.</a:t>
+              <a:t>Peruntukkan masa tertentu untuk meluangkan Masa Bersama Seorang Dengan Seorang dengan anak anda setiap hari.</a:t>
             </a:r>
             <a:endParaRPr>
               <a:solidFill>
@@ -5646,7 +5646,7 @@
               </a:defRPr>
             </a:pPr>
             <a:r>
-              <a:t>Apabila anda meluangkan Masa Satu-satu dengan anak anda, dia harus mengetuai aktiviti tersebut.</a:t>
+              <a:t>Semasa anda meluangkan Masa Bersama Seorang Dengan Seorang bersama anak anda, aktiviti harus dipimpin oleh anak anda.</a:t>
             </a:r>
             <a:endParaRPr>
               <a:solidFill>
@@ -5974,7 +5974,7 @@
               </a:defRPr>
             </a:pPr>
             <a:r>
-              <a:t>Aktiviti Rumah untuk modul ini adalah untuk menghabiskan sekurang-kurangnya 5 hingga 15 minit Satu-satu</a:t>
+              <a:t>Aktiviti di Rumah untuk modul ini ialah untuk meluangkan masa selama kira-kira 5 hingga 15 minit untuk Masa Bersama Seorang Dengan Seorang</a:t>
             </a:r>
             <a:endParaRPr>
               <a:solidFill>
@@ -6038,7 +6038,7 @@
               </a:defRPr>
             </a:pPr>
             <a:r>
-              <a:t>matlamat untuk dirinya sendiri untuk Satu-satu Masa. Pastikan mereka pulang dengan mengetahui</a:t>
+              <a:t>untuk diri mereka sendiri untuk Masa Bersama Seorang Dengan Seorang. Pastikan mereka pulang dengan mengetahui</a:t>
             </a:r>
             <a:endParaRPr>
               <a:solidFill>
@@ -6101,7 +6101,7 @@
               </a:defRPr>
             </a:pPr>
             <a:r>
-              <a:t>Di manakah mereka akan menghabiskan Satu-satu-Satu Masa dengan anak mereka?</a:t>
+              <a:t>Di mana mereka akan meluangkan Masa Bersama Seorang Dengan Seorang bersama anak mereka?</a:t>
             </a:r>
             <a:endParaRPr>
               <a:solidFill>
@@ -6132,7 +6132,7 @@
               </a:defRPr>
             </a:pPr>
             <a:r>
-              <a:t>Bilakah mereka akan menghabiskan Satu-satu-Satu Masa dengan anak mereka?</a:t>
+              <a:t>Bila mereka akan meluangkan Masa Bersama Seorang Dengan Seorang bersama anak mereka?</a:t>
             </a:r>
             <a:endParaRPr>
               <a:solidFill>
@@ -6601,7 +6601,7 @@
               </a:defRPr>
             </a:pPr>
             <a:r>
-              <a:t>Menghabiskan Masa Satu-satu dengan anak mereka</a:t>
+              <a:t>Meluangkan Masa Bersama Seorang Dengan Seorang dengan anak mereka </a:t>
             </a:r>
             <a:endParaRPr>
               <a:solidFill>
@@ -6756,7 +6756,7 @@
               </a:defRPr>
             </a:pPr>
             <a:r>
-              <a:t>Terangkan kepada ibu bapa bahawa mereka memilih matlamat pertama mereka, Perbaiki Hubungan Saya dengan Anak Saya, dan menyelesaikan kemahiran pertama, Menghabiskan Masa Satu-satu dengan Anak Saya.</a:t>
+              <a:t>Terangkan kepada ibu bapa bahawa mereka telah memilih matlamat pertama mereka, Memperbaiki Hubungan Saya dengan Anak Saya, dan menyelesaikan kemahiran pertama, Menghabiskan Masa Seorang Dengan Seorang dengan Anak Saya. </a:t>
             </a:r>
             <a:endParaRPr>
               <a:solidFill>
@@ -7296,7 +7296,7 @@
               <a:buNone/>
             </a:pPr>
             <a:r>
-              <a:t>Mulakan dengan menggariskan struktur bengkel hari ini. Bengkel dimulakan dengan sambutan hangat dan perkenalan untuk menetapkan suasana hari itu. Sesi pertama akan menumpukan pada 'Bermula dengan ParentText' di mana mereka akan meneroka kefungsian telefon, onboard pada ParentText dan melengkapkan modul pertama. Selepas itu, ada rehat sebentar untuk mengecas semula. Selepas rehat, bengkel akan menyelidiki kemahiran pertama, "Menghabiskan masa Satu-satu dengan anak-anak anda", membincangkan strategi dan aktiviti praktikal. Akhir sekali, bengkel akan diakhiri dengan sesi penutup. Galakkan ibu bapa untuk melibatkan diri sepanjang bengkel, bertanya soalan, dan berkongsi pengalaman mereka. </a:t>
+              <a:t>Mulakan dengan menggariskan struktur bengkel hari ini. Bengkel dimulakan dengan sambutan hangat dan perkenalan untuk menetapkan suasana hari itu. Sesi pertama akan menumpukan pada 'Bermula dengan ParentText' di mana mereka akan meneroka kefungsian telefon, onboard pada ParentText dan melengkapkan modul pertama. Selepas itu, ada rehat sebentar untuk mengecas semula. Selepas rehat, bengkel akan menyelidiki kemahiran pertama, "Meluangkan Masa Bersama Seorang Dengan Seorang dengan anak-anak anda", membincangkan strategi dan aktiviti praktikal. Akhir sekali, bengkel akan diakhiri dengan sesi penutup. Galakkan ibu bapa untuk melibatkan diri sepanjang bengkel, bertanya soalan, dan berkongsi pengalaman mereka. </a:t>
             </a:r>
           </a:p>
           <a:p>
@@ -7842,7 +7842,7 @@
               </a:defRPr>
             </a:pPr>
             <a:r>
-              <a:t>Anda perlu berhenti seketika selama kira-kira 5 saat pada setiap [Pause] dalam teks. Ia akan menjadi lebih bermakna jika anda Ambil Jeda pada masa yang sama.</a:t>
+              <a:t>Anda harus berhenti seketika selama kira-kira 5 saat setiap kali [Pause] muncul di dalam teks. Ia akan menjadi lebih bermakna jika anda Ambil Jeda pada masa yang sama.</a:t>
             </a:r>
             <a:endParaRPr>
               <a:solidFill>
@@ -10711,7 +10711,7 @@
               </a:defRPr>
             </a:pPr>
             <a:r>
-              <a:t>[Pada ketika ini, pencerita boleh meminta cadangan tentang apa yang perlu dimasukkan ke dalam sup daripada orang ramai]</a:t>
+              <a:t>[At this point, the storyteller can ask people for suggestions as to what to put in the soup]</a:t>
             </a:r>
             <a:endParaRPr i="1">
               <a:solidFill>
@@ -12139,7 +12139,7 @@
               </a:defRPr>
             </a:pPr>
             <a:r>
-              <a:t>Sama seperti Berhenti seketika, anda boleh jeda selama kira-kira 5 saat pada setiap [Pause] dalam teks. Semasa berhenti, ia mungkin membantu jika anda mengikut arahan anda sendiri.</a:t>
+              <a:t>Sama seperti Berhenti seketika, anda boleh berhenti sejenak selama kira-kira 5 saat setiap kali [Pause] muncul di dalam teks. Semasa berhenti, ia mungkin membantu jika anda mengikut arahan anda sendiri.</a:t>
             </a:r>
             <a:endParaRPr>
               <a:solidFill>
@@ -12545,7 +12545,7 @@
               </a:defRPr>
             </a:pPr>
             <a:r>
-              <a:t>Anda kemudian boleh menyebut perkataan berikut secara senyap kepada diri sendiri [Pause]</a:t>
+              <a:t>Anda kemudiannya boleh menyebut perkataan berikut secara senyap kepada diri sendiri [Pause]</a:t>
             </a:r>
             <a:endParaRPr>
               <a:solidFill>
@@ -30134,7 +30134,7 @@
                   <a:srgbClr val="0D3959"/>
                 </a:solidFill>
               </a:rPr>
-              <a:t> anda akan menghabiskan Masa Satu-satu dengan anak anda?</a:t>
+              <a:t> anda akan menghabiskan Masa Bersama Seorang Dengan Seorang dengan anak anda?</a:t>
             </a:r>
             <a:endParaRPr i="1" sz="1500">
               <a:solidFill>
@@ -30170,7 +30170,7 @@
                   <a:srgbClr val="0D3959"/>
                 </a:solidFill>
               </a:rPr>
-              <a:t> anda akan meluangkan Masa Satu-satu dengan anak anda?</a:t>
+              <a:t> anda akan meluangkan Masa Bersama Seorang Dengan Seorang dengan anak anda?</a:t>
             </a:r>
             <a:endParaRPr i="1" sz="1500">
               <a:solidFill>
@@ -30562,7 +30562,7 @@
               </a:defRPr>
             </a:pPr>
             <a:r>
-              <a:t>Luangkan Masa Satu-satu dengan anak anda</a:t>
+              <a:t>Meluangkan Masa Bersama Seorang Dengan Seorang dengan anak anda </a:t>
             </a:r>
             <a:endParaRPr sz="1700">
               <a:solidFill>

--- a/translations/facilitator_app_malaysia/ms/ms_in_person_sessions.pptx
+++ b/translations/facilitator_app_malaysia/ms/ms_in_person_sessions.pptx
@@ -300,12 +300,12 @@
 <p:cmLst xmlns:a="http://schemas.openxmlformats.org/drawingml/2006/main" xmlns:r="http://schemas.openxmlformats.org/officeDocument/2006/relationships" xmlns:mc="http://schemas.openxmlformats.org/markup-compatibility/2006" xmlns:mv="urn:schemas-microsoft-com:mac:vml" xmlns:p="http://schemas.openxmlformats.org/presentationml/2006/main" xmlns:c="http://schemas.openxmlformats.org/drawingml/2006/chart" xmlns:dgm="http://schemas.openxmlformats.org/drawingml/2006/diagram" xmlns:o="urn:schemas-microsoft-com:office:office" xmlns:v="urn:schemas-microsoft-com:vml" xmlns:pvml="urn:schemas-microsoft-com:office:powerpoint" xmlns:com="http://schemas.openxmlformats.org/drawingml/2006/compatibility" xmlns:p14="http://schemas.microsoft.com/office/powerpoint/2010/main" xmlns:p15="http://schemas.microsoft.com/office/powerpoint/2012/main" xmlns:ahyp="http://schemas.microsoft.com/office/drawing/2018/hyperlinkcolor">
   <p:cm authorId="0" idx="1" dt="2023-10-03T06:21:14.802">
     <p:pos x="180" y="1515"/>
-    <p:text>@durgesh@parentingforlifelonghealth.org
+    <p:text>@durgesh@parentingforlifelonghealth.org 
 Kami mendapati bahawa kami mempunyai versi matlamat yang berbeza dalam dokumen lain..mungkin kami boleh memilih versi terbaik dan menggunakannya secara konsisten sahaja
-Versi 1 (Manual Faci)
-Objektif: Untuk membantu mengekalkan keluarga yang memupuk, bahagia, sihat dan menyokong
-Versi 2 (Manual Faci)
-Untuk menyediakan ibu bapa dengan kemahiran untuk menggalakkan perkembangan, pembelajaran dan kesejahteraan kanak-kanak yang sihat
+Versi 1 (Manual Fasi)
+Objektif: Untuk membantu mengekalkan keluarga yang memupuk, bahagia, sihat dan memberi sokongan.
+Versi 2 (Manual Fasi)
+Untuk menyediakan ibu bapa dengan kemahiran bagi menggalakkan perkembangan, pembelajaran dan kesejahteraan kanak-kanak yang sihat
 Versi 3 (Nota Konsep KKM)
 1. Memupuk Pembinaan Perhubungan
 2. Menggalakkan Pengukuhan Positif
@@ -313,7 +313,7 @@
 Versi 4 (Slaid)
 1. Bina hubungan terbuka, penyayang, dan percaya antara penjaga dan kanak-kanak.
 2. Sokong hubungan yang sihat dan positif untuk memastikan kanak-kanak selamat dan menyokong perkembangan mereka.
-3. Menggalakkan kemahiran positif untuk ibu bapa untuk membantu mereka mengajar anak-anak mereka tingkah laku yang bertanggungjawab dan hormat serta menyemai nilai keibubapaan
+3. Menggalakkan kemahiran positif untuk ibu bapa bagi membantu mereka mengajar tingkah laku yang bertanggungjawab dan hormat serta menyemai nilai keibubapaan kepada anak-anak mereka
 _Ditugaskan semula kepada Durgesh Rajandiran_</p:text>
     <p:extLst>
       <p:ext uri="{C676402C-5697-4E1C-873F-D02D1690AC5C}">
@@ -1441,7 +1441,7 @@
               </a:defRPr>
             </a:pPr>
             <a:r>
-              <a:t>Untuk sesi onboarding semua peserta akan mengusahakan Matlamat 1 supaya mereka boleh berkongsi pengalaman dan soalan mereka. Selepas melengkapkan matlamat pertama ini, ibu bapa boleh melengkapkan sebarang matlamat yang mereka suka. </a:t>
+              <a:t>Untuk sesi pengenalan, semua peserta akan mengusahakan Matlamat 1 supaya mereka boleh berkongsi pengalaman dan soalan mereka. Selepas melengkapkan matlamat pertama ini, ibu bapa boleh melengkapkan sebarang matlamat yang mereka suka. </a:t>
             </a:r>
             <a:endParaRPr>
               <a:solidFill>
@@ -2248,7 +2248,7 @@
               </a:defRPr>
             </a:pPr>
             <a:r>
-              <a:t>Blok 1 memperkenalkan ibu bapa kepada cara memperkenalkan Masa Bersama Seorang Dengan Seorang kepada anak-anak. Bimbing ibu bapa menggunakan soalan untuk memerhatikan cara ibu memperkenalkan kepada Mira tentang Masa Bersama Seorang Dengan Seorang dengan berkata kepadanya, "Saya boleh luangkan masa selama 5 minit untuk Masa Bersama Seorang Dengan Seorang bersama kamu, apakah yang kamu mahu lakukan?" </a:t>
+              <a:t>Blok 1 memperkenalkan ibu bapa kepada cara memperkenalkan Masa Bersama Seorang Dengan Seorang kepada anak-anak. Bimbing ibu bapa menggunakan soalan untuk memerhatikan cara ibu memperkenalkan kepada Mira tentang Masa Bersama Seorang Dengan Seorang dengan berkata kepadanya, "Ibu boleh luangkan masa selama 5 minit untuk Masa Bersama Seorang Dengan Seorang bersama kamu, apakah yang kamu mahu lakukan?" </a:t>
             </a:r>
             <a:endParaRPr>
               <a:solidFill>
@@ -2374,7 +2374,7 @@
               </a:defRPr>
             </a:pPr>
             <a:r>
-              <a:t>Bagaimanakah Mira tahu tempoh untuk Masa Bersama Seorang Dengan Seorang? Mengapakah ibunya perlu beritahu Mira tempoh untuk Masa Bersama Seorang Dengan Seorang?</a:t>
+              <a:t>Bagaimanakah Mira tahu berapa lama tempoh untuk Masa Bersama Seorang Dengan Seorang? Mengapakah ibunya perlu memberitahu Mira tempoh untuk Masa Bersama Seorang Dengan Seorang?</a:t>
             </a:r>
             <a:endParaRPr>
               <a:solidFill>
@@ -3004,7 +3004,7 @@
               </a:defRPr>
             </a:pPr>
             <a:r>
-              <a:t>Tulis idea ibu bapa, dan puji mereka kerana berkongsi.</a:t>
+              <a:t>Tulis idea ibu bapa, dan puji mereka kerana berkongsi. </a:t>
             </a:r>
             <a:endParaRPr b="1">
               <a:solidFill>
@@ -3454,7 +3454,7 @@
               </a:defRPr>
             </a:pPr>
             <a:r>
-              <a:t>Catatan:</a:t>
+              <a:t>Catatan: </a:t>
             </a:r>
             <a:endParaRPr>
               <a:solidFill>
@@ -3731,7 +3731,7 @@
               </a:defRPr>
             </a:pPr>
             <a:r>
-              <a:t>Tulis cadangan pada flipchart!</a:t>
+              <a:t>Tulis cadangan pada carta selak!</a:t>
             </a:r>
             <a:endParaRPr>
               <a:solidFill>
@@ -3918,7 +3918,7 @@
               </a:defRPr>
             </a:pPr>
             <a:r>
-              <a:t>Teka-teki jigsaw</a:t>
+              <a:t>Susun suai gambar</a:t>
             </a:r>
             <a:endParaRPr>
               <a:solidFill>
@@ -4187,7 +4187,7 @@
               </a:defRPr>
             </a:pPr>
             <a:r>
-              <a:t>HARI, BERMAIN dan MENGINAP</a:t>
+              <a:t>HARI, MAIN dan KEKAL </a:t>
             </a:r>
             <a:endParaRPr b="1">
               <a:solidFill>
@@ -4324,7 +4324,7 @@
               </a:defRPr>
             </a:pPr>
             <a:r>
-              <a:t>🔍Kebolehcapaian Penonjolan</a:t>
+              <a:t>🔍Kebolehcapaian Sorotan</a:t>
             </a:r>
             <a:endParaRPr b="1">
               <a:solidFill>
@@ -4425,7 +4425,7 @@
               </a:defRPr>
             </a:pPr>
             <a:r>
-              <a:t>Format untuk mengetuai latihan kumpulan:</a:t>
+              <a:t>Format untuk mengetuai latihan kumpulan: </a:t>
             </a:r>
             <a:endParaRPr b="1">
               <a:solidFill>
@@ -4456,7 +4456,7 @@
               </a:defRPr>
             </a:pPr>
             <a:r>
-              <a:t>pengenalan</a:t>
+              <a:t>Pengenalan</a:t>
             </a:r>
             <a:endParaRPr>
               <a:solidFill>
@@ -4949,7 +4949,7 @@
               </a:defRPr>
             </a:pPr>
             <a:r>
-              <a:t>Berlatih Berpasangan</a:t>
+              <a:t>Berlatih Berpasangan </a:t>
             </a:r>
             <a:endParaRPr b="1">
               <a:solidFill>
@@ -5518,7 +5518,7 @@
               </a:defRPr>
             </a:pPr>
             <a:r>
-              <a:t>TINGGAL:</a:t>
+              <a:t>KEKAL: </a:t>
             </a:r>
             <a:endParaRPr b="1">
               <a:solidFill>
@@ -5550,7 +5550,7 @@
               </a:defRPr>
             </a:pPr>
             <a:r>
-              <a:t>Berikan anak anda semua perhatian anda.</a:t>
+              <a:t>Berikan anak anda semua perhatian anda. </a:t>
             </a:r>
             <a:endParaRPr b="1">
               <a:solidFill>
@@ -6195,7 +6195,7 @@
               </a:defRPr>
             </a:pPr>
             <a:r>
-              <a:t>Tulis setiap aktiviti rumah ibu bapa pada sekeping kertas besar.</a:t>
+              <a:t>Tulis setiap aktiviti rumah ibu bapa pada sekeping kertas besar. </a:t>
             </a:r>
             <a:endParaRPr i="1">
               <a:solidFill>
@@ -6508,7 +6508,7 @@
               </a:defRPr>
             </a:pPr>
             <a:r>
-              <a:t>Tanya ibu bapa jika mereka mempunyai sebarang soalan tentang:</a:t>
+              <a:t>Tanya ibu bapa jika mereka mempunyai sebarang soalan tentang: </a:t>
             </a:r>
             <a:endParaRPr>
               <a:solidFill>
@@ -6539,7 +6539,7 @@
               </a:defRPr>
             </a:pPr>
             <a:r>
-              <a:t>Menggunakan ParentText Chatbot</a:t>
+              <a:t>Menggunakan Bot Sembang ParentText </a:t>
             </a:r>
             <a:endParaRPr>
               <a:solidFill>
@@ -6632,7 +6632,7 @@
               </a:defRPr>
             </a:pPr>
             <a:r>
-              <a:t>Aktiviti Rumah</a:t>
+              <a:t>Aktiviti di Rumah </a:t>
             </a:r>
           </a:p>
         </p:txBody>
@@ -6818,7 +6818,7 @@
               </a:defRPr>
             </a:pPr>
             <a:r>
-              <a:t>Minta ibu bapa berfikir tentang matlamat mana yang mereka ingin amalkan seterusnya dalam Naungan Kasih</a:t>
+              <a:t>Minta ibu bapa berfikir tentang matlamat mana yang mereka ingin amalkan seterusnya dalam Naungan Kasih </a:t>
             </a:r>
             <a:endParaRPr>
               <a:solidFill>
@@ -6850,7 +6850,7 @@
               </a:defRPr>
             </a:pPr>
             <a:r>
-              <a:t>Yakinkan peserta bahawa mungkin mengambil sedikit masa untuk mereka merealisasikan matlamat mereka. Galakkan mereka untuk terus berinteraksi dengan chatbot ParentText, menyertai Kumpulan Sokongan WhatsApp, dan melakukan aktiviti di rumah!</a:t>
+              <a:t>Yakinkan peserta bahawa mungkin mengambil sedikit masa untuk mereka merealisasikan matlamat mereka. Galakkan mereka untuk terus berinteraksi dengan bot sembang ParentText, menyertai Kumpulan Sokongan WhatsApp, dan melakukan aktiviti di rumah!</a:t>
             </a:r>
             <a:endParaRPr>
               <a:solidFill>
@@ -7104,7 +7104,7 @@
               </a:defRPr>
             </a:pPr>
             <a:r>
-              <a:t>Ingatkan peserta untuk:</a:t>
+              <a:t>Ingatkan peserta untuk: </a:t>
             </a:r>
             <a:endParaRPr>
               <a:solidFill>
@@ -7135,7 +7135,7 @@
               </a:defRPr>
             </a:pPr>
             <a:r>
-              <a:t>Selesaikan aktiviti rumah mereka.</a:t>
+              <a:t>Selesaikan aktiviti di rumah mereka.  </a:t>
             </a:r>
             <a:endParaRPr>
               <a:solidFill>
@@ -7166,7 +7166,7 @@
               </a:defRPr>
             </a:pPr>
             <a:r>
-              <a:t>Cari modul ParentText seterusnya.</a:t>
+              <a:t>Cari modul ParentText seterusnya. </a:t>
             </a:r>
             <a:endParaRPr>
               <a:solidFill>
@@ -7296,7 +7296,7 @@
               <a:buNone/>
             </a:pPr>
             <a:r>
-              <a:t>Mulakan dengan menggariskan struktur bengkel hari ini. Bengkel dimulakan dengan sambutan hangat dan perkenalan untuk menetapkan suasana hari itu. Sesi pertama akan menumpukan pada 'Bermula dengan ParentText' di mana mereka akan meneroka kefungsian telefon, onboard pada ParentText dan melengkapkan modul pertama. Selepas itu, ada rehat sebentar untuk mengecas semula. Selepas rehat, bengkel akan menyelidiki kemahiran pertama, "Meluangkan Masa Bersama Seorang Dengan Seorang dengan anak-anak anda", membincangkan strategi dan aktiviti praktikal. Akhir sekali, bengkel akan diakhiri dengan sesi penutup. Galakkan ibu bapa untuk melibatkan diri sepanjang bengkel, bertanya soalan, dan berkongsi pengalaman mereka. </a:t>
+              <a:t>Mulakan dengan menggariskan struktur bengkel hari ini. Bengkel dimulakan dengan sambutan hangat dan perkenalan untuk menetapkan suasana hari itu. Sesi pertama akan menumpukan pada 'Bermula dengan ParentText' di mana mereka akan meneroka fungsi telefon, pengenalan kepada ParentText dan melengkapkan modul pertama. Selepas itu, ada rehat sebentar untuk mengecas semula. Selepas rehat, bengkel akan menyelidiki kemahiran pertama, "Meluangkan Masa Bersama Seorang Dengan Seorang dengan anak-anak anda", membincangkan strategi dan aktiviti praktikal. Akhir sekali, bengkel akan diakhiri dengan sesi penutup. Galakkan ibu bapa untuk melibatkan diri sepanjang bengkel, bertanya soalan, dan berkongsi pengalaman mereka. </a:t>
             </a:r>
           </a:p>
           <a:p>
@@ -7842,7 +7842,7 @@
               </a:defRPr>
             </a:pPr>
             <a:r>
-              <a:t>Anda harus berhenti seketika selama kira-kira 5 saat setiap kali [Pause] muncul di dalam teks. Ia akan menjadi lebih bermakna jika anda Ambil Jeda pada masa yang sama.</a:t>
+              <a:t>Anda harus berhenti seketika selama kira-kira 5 saat setiap kali [Pause] muncul dalam teks. Ia akan menjadi lebih bermakna jika anda Ambil Jeda pada masa yang sama.</a:t>
             </a:r>
             <a:endParaRPr>
               <a:solidFill>
@@ -10455,7 +10455,7 @@
               </a:defRPr>
             </a:pPr>
             <a:r>
-              <a:t>Tidak lama kemudian mereka yang lain mula menyedari api sedang marak di tengah-tengah kampung.a Seorang demi seorang meninggalkan rumah mereka untuk melihat apa yang berlaku.</a:t>
+              <a:t>Tidak lama kemudian mereka yang lain mula menyedari api sedang marak di tengah-tengah kampung. Seorang demi seorang meninggalkan rumah mereka untuk melihat apa yang berlaku.</a:t>
             </a:r>
             <a:endParaRPr i="1">
               <a:solidFill>
@@ -10551,7 +10551,7 @@
               </a:defRPr>
             </a:pPr>
             <a:r>
-              <a:t>Berita itu tersebar dengan pantas dan ke seluruh kampung.? Semua penduduk kampung meninggalkan rumah mereka untuk melihat wanita tua gila ini dan Sup Batunya dengan mata kepala mereka sendiri. Semasa orang ramai tiba, wanita tua itu terus mengacau periuk sambil bersenandung.</a:t>
+              <a:t>Berita itu tersebar dengan pantas ke seluruh kampung. Semua penduduk kampung meninggalkan rumah mereka untuk melihat wanita tua gila ini dan Sup Batunya dengan mata kepala mereka sendiri. Semasa orang ramai tiba, wanita tua itu terus mengacau periuk sambil bersenandung.</a:t>
             </a:r>
             <a:endParaRPr i="1">
               <a:solidFill>
@@ -10647,7 +10647,7 @@
               </a:defRPr>
             </a:pPr>
             <a:r>
-              <a:t>Selepas beberapa lama, perempuan tua itu menjamah sup itu semula.a "Ya, sup ini akan menjadi sangat baik. Tapi ada yang hilang.... Kalaulah ada lagi....”</a:t>
+              <a:t>Selepas beberapa lama, perempuan tua itu menjamah sup itu semula. "Ya, sup ini akan menjadi sangat baik. Tapi ada yang hilang.... Kalaulah ada lagi....”</a:t>
             </a:r>
             <a:endParaRPr i="1">
               <a:solidFill>
@@ -10679,7 +10679,7 @@
               </a:defRPr>
             </a:pPr>
             <a:r>
-              <a:t>“Sayur-sayuran!” kata suara dari orang ramai, “Ia memerlukan lebih banyak sayur-sayuran. Saya ada bayam. Ia tidak banyak tetapi anda boleh menggunakannya.” Seorang lagi membawa sepasang kentang lama. Orang lain mempunyai kubis. Bawang putih lagi. lobak merah. Labu. garam. Ayam tua. sedikit cili. rempah ratus.</a:t>
+              <a:t>“Sayur-sayuran!” kata suara dari orang ramai, “Ia memerlukan lebih banyak sayur-sayuran. Saya ada bayam. Ia tidak banyak tetapi anda boleh menggunakannya.” Seorang lagi membawa sepasang kentang lama. Orang lain mempunyai kubis. Bawang putih lagi. Lobak merah. Labu. Garam. Ayam tua. Sedikit cili. Rempah-ratus.</a:t>
             </a:r>
             <a:endParaRPr i="1">
               <a:solidFill>
@@ -10775,7 +10775,7 @@
               </a:defRPr>
             </a:pPr>
             <a:r>
-              <a:t>Akhirnya, wanita tua itu berhenti kacau. Dia menjamah sup itu dan mengisytiharkan dengan sekelip mata, “Sup Batu ini hampir siap. Dan begitu banyak untuk dimakan. Saya tertanya-tanya jika anda akan membantu saya menyelesaikannya.</a:t>
+              <a:t>Akhirnya, wanita tua itu berhenti kacau. Dia menjamah sup itu dan mengisytiharkan dengan sekelip mata, “Sup Batu ini hampir siap. Dan begitu banyak untuk dimakan. Saya tertanya-tanya jika anda akan membantu saya menghabiskannya."</a:t>
             </a:r>
             <a:endParaRPr i="1">
               <a:solidFill>
@@ -11609,7 +11609,7 @@
               </a:defRPr>
             </a:pPr>
             <a:r>
-              <a:t>Petua untuk Meneruskan Sokongan untuk Kumpulan Sokongan Secara Sendiri atau Rakan Sebaya Dalam Talian:</a:t>
+              <a:t>Petua untuk Meneruskan Sokongan bagi Kumpulan Sokongan Secara Sendiri atau Rakan Sebaya Dalam Talian: </a:t>
             </a:r>
             <a:endParaRPr u="sng">
               <a:solidFill>
@@ -11640,7 +11640,7 @@
               </a:defRPr>
             </a:pPr>
             <a:r>
-              <a:t>Teruskan berlatih semua kemahiran yang anda pelajari dalam ParentText.</a:t>
+              <a:t>Teruskan berlatih semua kemahiran yang anda pelajari dalam ParentText. </a:t>
             </a:r>
             <a:endParaRPr>
               <a:solidFill>
@@ -11702,7 +11702,7 @@
               </a:defRPr>
             </a:pPr>
             <a:r>
-              <a:t>Ketahui perkhidmatan dan sokongan yang boleh anda perolehi dalam komuniti anda.</a:t>
+              <a:t>Ketahui perkhidmatan dan sokongan yang boleh anda peroleh dalam komuniti anda.</a:t>
             </a:r>
             <a:endParaRPr>
               <a:solidFill>
@@ -11733,7 +11733,7 @@
               </a:defRPr>
             </a:pPr>
             <a:r>
-              <a:t>Mengulangi peraturan asas untuk memastikan persekitaran yang positif untuk semua ibu bapa.</a:t>
+              <a:t>Mengulangi peraturan asas untuk memastikan persekitaran yang positif untuk semua ibu bapa. </a:t>
             </a:r>
             <a:endParaRPr>
               <a:solidFill>
@@ -11924,7 +11924,7 @@
             </a:r>
             <a:r>
               <a:rPr b="1"/>
-              <a:t>Overview </a:t>
+              <a:t>Gambaran Keseluruhan </a:t>
             </a:r>
             <a:endParaRPr b="1">
               <a:solidFill>
@@ -11956,7 +11956,7 @@
               </a:defRPr>
             </a:pPr>
             <a:r>
-              <a:t>Pada penghujung sesi, ibu bapa mempelajari satu aktiviti pengurangan tekanan yang terakhir - senaman Loving Kindness.</a:t>
+              <a:t>Pada penghujung sesi, ibu bapa mempelajari satu aktiviti pengurangan tekanan yang terakhir - senaman Kebaikan Kasih Sayang. </a:t>
             </a:r>
             <a:endParaRPr>
               <a:solidFill>
@@ -11988,7 +11988,7 @@
               </a:defRPr>
             </a:pPr>
             <a:r>
-              <a:t>Aktiviti ini membantu peserta berhubung dengan rasa kasih sayang terhadap diri dan keluarga mereka.</a:t>
+              <a:t>Aktiviti ini membantu peserta berhubung dengan rasa kasih sayang terhadap diri dan keluarga mereka. </a:t>
             </a:r>
             <a:endParaRPr>
               <a:solidFill>
@@ -12139,7 +12139,7 @@
               </a:defRPr>
             </a:pPr>
             <a:r>
-              <a:t>Sama seperti Berhenti seketika, anda boleh berhenti sejenak selama kira-kira 5 saat setiap kali [Pause] muncul di dalam teks. Semasa berhenti, ia mungkin membantu jika anda mengikut arahan anda sendiri.</a:t>
+              <a:t>Sama seperti Berhenti seketika, anda boleh berhenti sejenak selama kira-kira 5 saat setiap kali [Pause] muncul dalam teks. Semasa berhenti, ia mungkin membantu jika anda mengikut arahan anda sendiri.</a:t>
             </a:r>
             <a:endParaRPr>
               <a:solidFill>
@@ -12737,7 +12737,7 @@
               </a:defRPr>
             </a:pPr>
             <a:r>
-              <a:t>Ulang perlahan-lahan sekali atau dua kali mengambil masa anda antara setiap frasa.</a:t>
+              <a:t>Ulang perlahan-lahan sekali atau dua kali mengambil masa anda antara setiap ungkapan.</a:t>
             </a:r>
             <a:endParaRPr i="1">
               <a:solidFill>
@@ -12800,7 +12800,7 @@
               </a:defRPr>
             </a:pPr>
             <a:r>
-              <a:t>Semoga anda didalam perasaan yang tenang. [Pause]</a:t>
+              <a:t>Semoga anda dalam perasaan yang tenang. [Pause]</a:t>
             </a:r>
             <a:endParaRPr>
               <a:solidFill>
@@ -12928,7 +12928,7 @@
               </a:defRPr>
             </a:pPr>
             <a:r>
-              <a:t>Ulang perlahan-lahan sekali atau dua kali mengambil masa anda antara setiap frasa.</a:t>
+              <a:t>Ulang perlahan-lahan sekali atau dua kali mengambil masa anda antara setiap ungkapan.</a:t>
             </a:r>
             <a:endParaRPr i="1">
               <a:solidFill>
@@ -13116,7 +13116,7 @@
               </a:defRPr>
             </a:pPr>
             <a:r>
-              <a:t>Ambil masa sebentar untuk refleksi pengalaman anda. </a:t>
+              <a:t>Ambil masa sebentar untuk merenung pengalaman anda.</a:t>
             </a:r>
             <a:endParaRPr>
               <a:solidFill>
@@ -13304,7 +13304,7 @@
               </a:defRPr>
             </a:pPr>
             <a:r>
-              <a:t>Sijil</a:t>
+              <a:t>Sijil </a:t>
             </a:r>
             <a:endParaRPr b="1" sz="1200" u="sng">
               <a:solidFill>
@@ -13919,7 +13919,7 @@
               </a:defRPr>
             </a:pPr>
             <a:r>
-              <a:t>selamat tinggal</a:t>
+              <a:t>Selamat tinggal </a:t>
             </a:r>
             <a:endParaRPr b="1" sz="1200" u="sng">
               <a:solidFill>
@@ -14061,7 +14061,7 @@
               </a:defRPr>
             </a:pPr>
             <a:r>
-              <a:t>Sekarang, apabila kita sebut 'ibubapa' dan 'ibubapa', kita maksudkan seseorang yang menjaga anak-anak, sama ada orang itu adalah ibu bapa kandung mereka atau tidak. Ini termasuk mana-mana orang yang merupakan penjaga utama, bertanggungjawab untuk kesejahteraan kanak-kanak itu.</a:t>
+              <a:t>Sekarang, apabila kita sebut 'ibu bapa' dan 'keibubapaan', kita maksudkan seseorang yang menjaga anak-anak, sama ada orang itu adalah ibu bapa kandung mereka atau tidak. Ini termasuk mana-mana orang yang merupakan penjaga utama, bertanggungjawab untuk kesejahteraan kanak-kanak itu.</a:t>
             </a:r>
             <a:endParaRPr>
               <a:solidFill>
@@ -14321,7 +14321,7 @@
             </a:r>
             <a:r>
               <a:rPr b="1"/>
-              <a:t>ParentText chatbot</a:t>
+              <a:t>Bot sembang ParentText</a:t>
             </a:r>
             <a:endParaRPr b="1">
               <a:solidFill>
@@ -14754,7 +14754,7 @@
               </a:defRPr>
             </a:pPr>
             <a:r>
-              <a:t>Ibu bapa mengambil bahagian dalam sesi sembang WhatsApp untuk berkongsi pengalaman mereka dan menyelesaikan cabaran mengenai kemahiran yang ditawarkan melalui chatbot ParentText. </a:t>
+              <a:t>Ibu bapa mengambil bahagian dalam sesi sembang WhatsApp untuk berkongsi pengalaman mereka dan menyelesaikan cabaran mengenai kemahiran yang ditawarkan melalui bot sembang ParentText. </a:t>
             </a:r>
             <a:endParaRPr>
               <a:solidFill>
@@ -14789,7 +14789,7 @@
               <a:t>bukan moderator</a:t>
             </a:r>
             <a:r>
-              <a:t>, mereka hanya akan mengganggu jika kandungan yang dibincangkan bertentangan dengan amalan keibubapaan yang positif. </a:t>
+              <a:t>, mereka hanya akan campur tangan jika kandungan yang dibincangkan bertentangan dengan amalan keibubapaan yang positif. </a:t>
             </a:r>
             <a:endParaRPr b="1">
               <a:solidFill>
@@ -14848,7 +14848,7 @@
               </a:defRPr>
             </a:pPr>
             <a:r>
-              <a:t>Ibu bapa akan mengambil bahagian dalam dua sesi bersemuka – satu yang sedang mereka sertai dan satu lagi di penghujung program untuk menyokong ibu bapa menyertai program Naungan Kasih dan merenung serta meraikan penyempurnaan program.</a:t>
+              <a:t>Ibu bapa akan mengambil bahagian dalam dua sesi bersemuka – satu yang sedang mereka sertai dan satu lagi di penghujung program untuk menyokong ibu bapa mengetahui program Naungan Kasih dan merenung serta meraikan penyempurnaan program. </a:t>
             </a:r>
             <a:endParaRPr>
               <a:solidFill>
@@ -14997,7 +14997,7 @@
               </a:defRPr>
             </a:pPr>
             <a:r>
-              <a:t>Minta peserta memikirkan apa yang penting bagi mereka untuk berasa selesa, dihormati, berasa selamat dan disokong dalam kumpulan.</a:t>
+              <a:t>Minta peserta fikirkan apa yang penting bagi mereka untuk berasa selesa, dihormati, berasa selamat dan disokong dalam kumpulan. </a:t>
             </a:r>
             <a:endParaRPr>
               <a:solidFill>
@@ -15145,7 +15145,7 @@
               </a:defRPr>
             </a:pPr>
             <a:r>
-              <a:t>Peraturan asas untuk chatbot ParentText</a:t>
+              <a:t>Peraturan asas untuk bot sembang ParentText</a:t>
             </a:r>
             <a:endParaRPr>
               <a:solidFill>
@@ -15209,7 +15209,7 @@
               </a:defRPr>
             </a:pPr>
             <a:r>
-              <a:t>Minta peserta berkongsi cadangan mereka.</a:t>
+              <a:t>Minta peserta berkongsi cadangan mereka. </a:t>
             </a:r>
             <a:endParaRPr>
               <a:solidFill>
@@ -15309,7 +15309,7 @@
               </a:defRPr>
             </a:pPr>
             <a:r>
-              <a:t>Anda boleh mengulangi kembali perkara yang anda dengar dan meneroka peraturan untuk memastikan semua orang dalam kumpulan bersetuju dan memahami.</a:t>
+              <a:t>Anda boleh mengulang kembali perkara yang anda dengar dan meneroka peraturan untuk memastikan semua orang dalam kumpulan bersetuju dan faham. </a:t>
             </a:r>
             <a:endParaRPr>
               <a:solidFill>
@@ -15373,7 +15373,7 @@
               </a:defRPr>
             </a:pPr>
             <a:r>
-              <a:t>Pastikan semua orang bersetuju dan mempunyai peluang untuk menyumbang sebelum beralih kepada cadangan lain.</a:t>
+              <a:t>Pastikan semua orang bersetuju dan mempunyai peluang untuk menyumbang sebelum beralih kepada cadangan lain. </a:t>
             </a:r>
             <a:endParaRPr>
               <a:solidFill>
@@ -15518,7 +15518,7 @@
               </a:defRPr>
             </a:pPr>
             <a:r>
-              <a:t>Untuk menjadikan aktiviti ini interaktif, minta peserta menunjukkan perkara berikut kepada kumpulan (dan betulkan/panduan mengikut keperluan):</a:t>
+              <a:t>Untuk menjadikan aktiviti ini lebih interaktif, minta peserta menunjukkan perkara berikut kepada kumpulan (dan betulkan/bimbing mengikut keperluan): </a:t>
             </a:r>
             <a:endParaRPr>
               <a:solidFill>
@@ -15613,7 +15613,7 @@
               </a:defRPr>
             </a:pPr>
             <a:r>
-              <a:t>Bagaimana untuk menghidupkan dan mematikan telefon. Tunjukkan dengan jelas tiga butang di sisi (hidup/mati, kelantangan naik/turun).ac</a:t>
+              <a:t>Bagaimana untuk menghidupkan dan mematikan telefon. Tunjukkan dengan jelas tiga butang di sisi (hidup/mati, kelantangan naik/turun).</a:t>
             </a:r>
             <a:endParaRPr>
               <a:solidFill>
@@ -15644,7 +15644,7 @@
               </a:defRPr>
             </a:pPr>
             <a:r>
-              <a:t>Di mana dan bagaimana untuk memasukkan kad sim dan memastikan ia berfungsi dengan baik sebaik sahaja telefon dihidupkan.a</a:t>
+              <a:t>Di mana dan bagaimana untuk memasukkan kad sim dan memastikan ia berfungsi dengan baik sebaik sahaja telefon dihidupkan.</a:t>
             </a:r>
             <a:endParaRPr>
               <a:solidFill>
@@ -15802,7 +15802,7 @@
               </a:defRPr>
             </a:pPr>
             <a:r>
-              <a:t>Cara memasang dan menyahpasang apl.</a:t>
+              <a:t>Cara memasang dan menyahpasang aplikasi.</a:t>
             </a:r>
             <a:endParaRPr>
               <a:solidFill>
@@ -15833,7 +15833,7 @@
               </a:defRPr>
             </a:pPr>
             <a:r>
-              <a:t>Cara mengambil dan berkongsi tangkapan skrin (ini adalah kunci apabila mereka mengalami masalah teknikal).</a:t>
+              <a:t>Cara mengambil dan berkongsi tangkapan skrin (ini adalah penting apabila mereka mengalami masalah teknikal). </a:t>
             </a:r>
             <a:endParaRPr b="1">
               <a:solidFill>
@@ -16057,7 +16057,7 @@
               </a:defRPr>
             </a:pPr>
             <a:r>
-              <a:t>Bagaimana untuk membuka fail audio/video.</a:t>
+              <a:t>Bagaimana untuk membuka fail audio/video. </a:t>
             </a:r>
             <a:endParaRPr>
               <a:solidFill>
@@ -16377,7 +16377,7 @@
               </a:defRPr>
             </a:pPr>
             <a:r>
-              <a:t>Pastikan peserta memahami bahawa apl, video, muzik dan imej semuanya menggunakan ruang pada telefon dan telefon mereka tidak akan berfungsi dengan baik apabila terlalu penuh.</a:t>
+              <a:t>Pastikan peserta memahami bahawa aplikasi, video, muzik dan imej semuanya menggunakan ruang pada telefon dan telefon mereka tidak akan berfungsi dengan baik apabila terlalu penuh. </a:t>
             </a:r>
             <a:endParaRPr>
               <a:solidFill>
@@ -16473,7 +16473,7 @@
               </a:defRPr>
             </a:pPr>
             <a:r>
-              <a:t>Menyahpasang apl</a:t>
+              <a:t>Menyahpasang aplikasi</a:t>
             </a:r>
             <a:endParaRPr>
               <a:solidFill>
@@ -25713,7 +25713,7 @@
               </a:rPr>
             </a:br>
             <a:r>
-              <a:t>Onboarding</a:t>
+              <a:t>Pengenalan</a:t>
             </a:r>
             <a:endParaRPr b="1" sz="2100">
               <a:solidFill>
@@ -26171,7 +26171,7 @@
               </a:defRPr>
             </a:pPr>
             <a:r>
-              <a:t>Prompts ParentText akan bertanya: </a:t>
+              <a:t>Gesaan ParentText akan bertanya: </a:t>
             </a:r>
             <a:endParaRPr b="0" i="0" sz="1700" u="none" cap="none" strike="noStrike">
               <a:solidFill>
@@ -28497,7 +28497,7 @@
               </a:defRPr>
             </a:pPr>
             <a:r>
-              <a:t>Jom </a:t>
+              <a:t>Mari </a:t>
             </a:r>
             <a:endParaRPr b="1" sz="5000">
               <a:solidFill>
@@ -30469,7 +30469,7 @@
               </a:defRPr>
             </a:pPr>
             <a:r>
-              <a:t>Adakah anda mempunyai sebarang soalan tentang:</a:t>
+              <a:t>Adakah anda mempunyai sebarang soalan tentang: </a:t>
             </a:r>
             <a:endParaRPr b="1" sz="1700">
               <a:solidFill>
@@ -30500,7 +30500,7 @@
               </a:defRPr>
             </a:pPr>
             <a:r>
-              <a:t>Menggunakan ParentText</a:t>
+              <a:t>Menggunakan ParentText </a:t>
             </a:r>
             <a:endParaRPr sz="1700">
               <a:solidFill>
@@ -30531,7 +30531,7 @@
               </a:defRPr>
             </a:pPr>
             <a:r>
-              <a:t>Menyertai Kumpulan Sokongan WhatsApp</a:t>
+              <a:t>Menyertai Kumpulan Sokongan WhatsApp </a:t>
             </a:r>
             <a:endParaRPr sz="1700">
               <a:solidFill>
@@ -30593,7 +30593,7 @@
               </a:defRPr>
             </a:pPr>
             <a:r>
-              <a:t>Aktiviti Rumah</a:t>
+              <a:t>Aktiviti di Rumah </a:t>
             </a:r>
             <a:endParaRPr sz="1700">
               <a:solidFill>
@@ -31240,7 +31240,7 @@
                 </a:defRPr>
               </a:pPr>
               <a:r>
-                <a:t>Memilih Matlamat pertama anda &amp; Menyelesaikan kemahiran pertama anda</a:t>
+                <a:t>Memilih Matlamat pertama anda &amp; Menyelesaikan kemahiran pertama anda </a:t>
               </a:r>
               <a:endParaRPr b="0" i="0" sz="1400" u="none" cap="none" strike="noStrike">
                 <a:solidFill>
@@ -31469,7 +31469,7 @@
               </a:defRPr>
             </a:pPr>
             <a:r>
-              <a:t>Tiba masanya untuk memilih matlamat keibubapaan baharu!</a:t>
+              <a:t>Sudah tiba masanya untuk memilih matlamat keibubapaan baharu! </a:t>
             </a:r>
             <a:endParaRPr b="1">
               <a:solidFill>
@@ -33118,7 +33118,7 @@
               </a:defRPr>
             </a:pPr>
             <a:r>
-              <a:t>Struktur Bengkel</a:t>
+              <a:t>Struktur Bengkel </a:t>
             </a:r>
             <a:endParaRPr b="1" sz="2100">
               <a:solidFill>
@@ -33173,7 +33173,7 @@
               </a:defRPr>
             </a:pPr>
             <a:r>
-              <a:t>Selamat datang</a:t>
+              <a:t>Selamat datang </a:t>
             </a:r>
             <a:endParaRPr sz="1900">
               <a:solidFill>
@@ -33204,7 +33204,7 @@
               </a:defRPr>
             </a:pPr>
             <a:r>
-              <a:t>Aktiviti Seni Kolaboratif</a:t>
+              <a:t>Aktiviti Seni Kerjasama </a:t>
             </a:r>
             <a:endParaRPr sz="1900">
               <a:solidFill>
@@ -33266,7 +33266,7 @@
               </a:defRPr>
             </a:pPr>
             <a:r>
-              <a:t>Aktiviti Kesedaran</a:t>
+              <a:t>Aktiviti Kesedaran </a:t>
             </a:r>
             <a:endParaRPr sz="1900">
               <a:solidFill>
@@ -33297,7 +33297,7 @@
               </a:defRPr>
             </a:pPr>
             <a:r>
-              <a:t>Penutup</a:t>
+              <a:t>Penutup </a:t>
             </a:r>
             <a:endParaRPr sz="1900">
               <a:solidFill>
@@ -33501,7 +33501,7 @@
               </a:defRPr>
             </a:pPr>
             <a:r>
-              <a:t>Jom</a:t>
+              <a:t>Mari </a:t>
             </a:r>
             <a:endParaRPr b="1" sz="5000">
               <a:solidFill>
@@ -34100,7 +34100,7 @@
               </a:defRPr>
             </a:pPr>
             <a:r>
-              <a:t>Mari luangkan masa beberapa minit untuk merenung anda</a:t>
+              <a:t>Mari luangkan masa beberapa minit untuk merenung pada </a:t>
             </a:r>
             <a:endParaRPr b="1" sz="4000">
               <a:solidFill>
@@ -34699,7 +34699,7 @@
               </a:defRPr>
             </a:pPr>
             <a:r>
-              <a:t>Ambil kertas dan krayon, dan lukis gambar yang berkaitan dengan soalan:</a:t>
+              <a:t>Ambil kertas dan krayon, dan lukis gambar yang berkaitan dengan soalan: </a:t>
             </a:r>
             <a:endParaRPr b="1" sz="1800">
               <a:solidFill>
@@ -36376,7 +36376,7 @@
               </a:defRPr>
             </a:pPr>
             <a:r>
-              <a:t>Aktiviti Kesedaran</a:t>
+              <a:t>Aktiviti Kesedaran </a:t>
             </a:r>
             <a:endParaRPr b="0" i="0" sz="1400" u="none" cap="none" strike="noStrike">
               <a:solidFill>
@@ -37007,7 +37007,7 @@
               </a:defRPr>
             </a:pPr>
             <a:r>
-              <a:t>Pengagihan Sijil</a:t>
+              <a:t>Pengagihan Sijil </a:t>
             </a:r>
             <a:endParaRPr sz="1900">
               <a:solidFill>
@@ -37038,7 +37038,7 @@
               </a:defRPr>
             </a:pPr>
             <a:r>
-              <a:t>Ucapan penutup</a:t>
+              <a:t>Ucapan penutup </a:t>
             </a:r>
             <a:endParaRPr sz="1900">
               <a:solidFill>
@@ -37270,7 +37270,7 @@
               </a:defRPr>
             </a:pPr>
             <a:r>
-              <a:t>Mari bermain PERMAINAN NAMA!</a:t>
+              <a:t>Mari bermain PERMAINAN NAMA! </a:t>
             </a:r>
             <a:endParaRPr b="0" i="0" sz="2000" u="none" cap="none" strike="noStrike">
               <a:solidFill>
@@ -37333,7 +37333,7 @@
               </a:defRPr>
             </a:pPr>
             <a:r>
-              <a:t>Berdiri dalam bulatan.</a:t>
+              <a:t>Berdiri dalam bulatan. </a:t>
             </a:r>
             <a:endParaRPr sz="1900">
               <a:solidFill>
@@ -37837,7 +37837,7 @@
               </a:defRPr>
             </a:pPr>
             <a:r>
-              <a:t>Program Keibubapaan Hibrid Naungan Kasih untuk siapa?</a:t>
+              <a:t>Program Keibubapaan Hibrid Naungan Kasih untuk siapa? </a:t>
             </a:r>
             <a:endParaRPr b="0" i="0" sz="1400" u="none" cap="none" strike="noStrike">
               <a:solidFill>
@@ -38014,7 +38014,7 @@
               </a:defRPr>
             </a:pPr>
             <a:r>
-              <a:t>Apakah matlamat Program Keibubapaan Hibrid Naungan Kasih?</a:t>
+              <a:t>Apakah matlamat Program Keibubapaan Hibrid Naungan Kasih? </a:t>
             </a:r>
             <a:endParaRPr b="1">
               <a:solidFill>
@@ -38244,7 +38244,7 @@
               </a:defRPr>
             </a:pPr>
             <a:r>
-              <a:t>ParentText Chatbot:</a:t>
+              <a:t>Bot Sembang ParentText: </a:t>
             </a:r>
             <a:endParaRPr b="1" sz="1500">
               <a:solidFill>
@@ -38280,7 +38280,7 @@
               </a:defRPr>
             </a:pPr>
             <a:r>
-              <a:t>Perbaiki Hubungan Saya dengan Anak Saya</a:t>
+              <a:t>Perbaiki Hubungan Saya dengan Anak Saya </a:t>
             </a:r>
             <a:endParaRPr sz="1500">
               <a:solidFill>
@@ -38321,7 +38321,7 @@
               </a:defRPr>
             </a:pPr>
             <a:r>
-              <a:t>Sediakan Anak Saya untuk Berjaya di Sekolah</a:t>
+              <a:t>Sediakan Anak Saya untuk Berjaya di Sekolah </a:t>
             </a:r>
             <a:endParaRPr sz="1500">
               <a:solidFill>
@@ -38444,7 +38444,7 @@
               </a:defRPr>
             </a:pPr>
             <a:r>
-              <a:t>Sokong Tingkah Laku Kanak-kanak yang Positif</a:t>
+              <a:t>Sokong Tingkah Laku Kanak-kanak yang Positif </a:t>
             </a:r>
             <a:endParaRPr sz="1500">
               <a:solidFill>
@@ -38485,7 +38485,7 @@
               </a:defRPr>
             </a:pPr>
             <a:r>
-              <a:t>Pastikan Anak Saya Selamat dan Sihat</a:t>
+              <a:t>Pastikan Anak Saya Selamat dan Sihat </a:t>
             </a:r>
             <a:endParaRPr sz="1500">
               <a:solidFill>
@@ -38526,7 +38526,7 @@
               </a:defRPr>
             </a:pPr>
             <a:r>
-              <a:t>Jalinkan Hubungan Sihat dengan Pasangan Saya</a:t>
+              <a:t>Jalinkan Hubungan Sihat dengan Pasangan Saya </a:t>
             </a:r>
             <a:endParaRPr sz="1500">
               <a:solidFill>
@@ -39212,7 +39212,7 @@
               </a:defRPr>
             </a:pPr>
             <a:r>
-              <a:t>Sesi Onboarding</a:t>
+              <a:t>Sesi Pengenalan</a:t>
             </a:r>
             <a:endParaRPr sz="1800"/>
           </a:p>
@@ -40397,7 +40397,7 @@
               </a:defRPr>
             </a:pPr>
             <a:r>
-              <a:t>Penggunaan Telefon</a:t>
+              <a:t>Penggunaan Telefon </a:t>
             </a:r>
             <a:endParaRPr b="0" i="0" sz="1800" u="none" cap="none" strike="noStrike">
               <a:solidFill>
@@ -40460,7 +40460,7 @@
               </a:defRPr>
             </a:pPr>
             <a:r>
-              <a:t>Hidupkan dan matikan telefon</a:t>
+              <a:t>Hidupkan dan matikan telefon </a:t>
             </a:r>
             <a:endParaRPr sz="1700">
               <a:solidFill>
@@ -40491,7 +40491,7 @@
               </a:defRPr>
             </a:pPr>
             <a:r>
-              <a:t>Aturan telefon</a:t>
+              <a:t>Tetapan telefon </a:t>
             </a:r>
             <a:endParaRPr sz="1700">
               <a:solidFill>
@@ -40522,7 +40522,7 @@
               </a:defRPr>
             </a:pPr>
             <a:r>
-              <a:t>Tetapan WhatsApp</a:t>
+              <a:t>Tetapan WhatsApp </a:t>
             </a:r>
             <a:endParaRPr sz="1700">
               <a:solidFill>
@@ -40553,7 +40553,7 @@
               </a:defRPr>
             </a:pPr>
             <a:r>
-              <a:t>Mengecas telefon</a:t>
+              <a:t>Mengecas telefon </a:t>
             </a:r>
             <a:endParaRPr sz="1700">
               <a:solidFill>
@@ -40615,7 +40615,7 @@
               </a:defRPr>
             </a:pPr>
             <a:r>
-              <a:t>Storan telefon dalaman</a:t>
+              <a:t>Storan telefon dalaman </a:t>
             </a:r>
             <a:endParaRPr sz="1700">
               <a:solidFill>
@@ -40646,7 +40646,7 @@
               </a:defRPr>
             </a:pPr>
             <a:r>
-              <a:t>Kesedaran digital</a:t>
+              <a:t>Kesedaran digital </a:t>
             </a:r>
             <a:endParaRPr sz="1700">
               <a:solidFill>
@@ -41013,7 +41013,7 @@
               </a:defRPr>
             </a:pPr>
             <a:r>
-              <a:t>Pilih bahasa</a:t>
+              <a:t>Pilih bahasa </a:t>
             </a:r>
             <a:endParaRPr sz="1500">
               <a:solidFill>

--- a/translations/facilitator_app_malaysia/ms/ms_in_person_sessions.pptx
+++ b/translations/facilitator_app_malaysia/ms/ms_in_person_sessions.pptx
@@ -326,7 +326,7 @@
   </p:cm>
   <p:cm authorId="1" idx="1" dt="2023-10-03T06:21:14.802">
     <p:pos x="180" y="1515"/>
-    <p:text>Beritahu saya versi yang anda suka. Secara amnya, matlamat untuk dokumen untuk ibu bapa telah dipermudahkan bahasa berbanding dengan dokumen lain (contohnya, untuk KKM).</p:text>
+    <p:text>Beritahu saya versi yang anda suka. Secara amnya, matlamat untuk dokumen bagi ibu bapa mempunyai bahasa yang dipermudah berbanding dengan dokumen lain (contohnya, untuk KKM).</p:text>
     <p:extLst>
       <p:ext uri="{C676402C-5697-4E1C-873F-D02D1690AC5C}">
         <p15:threadingInfo timeZoneBias="0">
@@ -1282,7 +1282,7 @@
               </a:defRPr>
             </a:pPr>
             <a:r>
-              <a:t>Lakukan senaman Ambil Jeda.</a:t>
+              <a:t>Lakukan senaman Berhenti Seketika.</a:t>
             </a:r>
             <a:endParaRPr>
               <a:solidFill>
@@ -1378,7 +1378,7 @@
               </a:defRPr>
             </a:pPr>
             <a:r>
-              <a:t>Beritahu peserta untuk mengikuti gesaan ParentText. ParentText akan meminta mereka untuk:</a:t>
+              <a:t>Beritahu peserta untuk mengikut gesaan ParentText. ParentText akan meminta mereka untuk:</a:t>
             </a:r>
             <a:endParaRPr b="1">
               <a:solidFill>
@@ -1504,7 +1504,7 @@
               </a:defRPr>
             </a:pPr>
             <a:r>
-              <a:t>Lengkapkan Kemahiran 5 minit pertama (“Meluangkan Masa Bersama Seorang Dengan Seorang dengan Anak Saya”) dalam Matlamat ini.</a:t>
+              <a:t>Lengkapkan Kemahiran 5 minit pertama (“Meluangkan Masa Bersama Seorang Dengan Seorang bersama Anak Saya”) dalam Matlamat ini.</a:t>
             </a:r>
             <a:endParaRPr>
               <a:solidFill>
@@ -2972,7 +2972,7 @@
               </a:defRPr>
             </a:pPr>
             <a:r>
-              <a:t>Apakah manfaat untuk anak anda apabila mereka meluangkan Masa Bersama Seorang Dengan Seorang dengan anda? Apakah yang akan dipelajari oleh mereka?</a:t>
+              <a:t>Apakah manfaat untuk anak anda apabila mereka meluangkan Masa Bersama Seorang Dengan Seorang bersama anda? Apakah yang akan dipelajari oleh mereka?</a:t>
             </a:r>
             <a:endParaRPr>
               <a:solidFill>
@@ -3129,7 +3129,7 @@
               </a:defRPr>
             </a:pPr>
             <a:r>
-              <a:t>Membantu kanak-kanak berasa selamat dan selamat.</a:t>
+              <a:t>Membantu kanak-kanak berasa selamat dan terjamin.</a:t>
             </a:r>
             <a:endParaRPr>
               <a:solidFill>
@@ -3454,7 +3454,7 @@
               </a:defRPr>
             </a:pPr>
             <a:r>
-              <a:t>Catatan: </a:t>
+              <a:t>Nota: </a:t>
             </a:r>
             <a:endParaRPr>
               <a:solidFill>
@@ -5385,7 +5385,7 @@
             </a:r>
             <a:r>
               <a:rPr b="1" i="1"/>
-              <a:t>Matikan televisyen dan letakkan telefon pintar.</a:t>
+              <a:t>Matikan televisyen dan letakkan telefon pintar ke tepi.</a:t>
             </a:r>
             <a:r>
               <a:t> </a:t>
@@ -5487,7 +5487,7 @@
               </a:defRPr>
             </a:pPr>
             <a:r>
-              <a:t>Ini adalah lebih berguna dan menyeronokkan untuk anak anda daripada hanya duduk bersama di hadapan televisyen atau bermain dengan telefon pintar. Kadangkala, ia mungkin cukup untuk menonton program TV kegemaran anak anda bersamanya. S/dia mungkin berasa selesa melakukan aktiviti lain mengikut masa.</a:t>
+              <a:t>Ini adalah lebih berguna dan menyeronokkan untuk anak anda daripada hanya duduk bersama di hadapan televisyen atau bermain dengan telefon pintar. Kadangkala, hanya cukup dengan menonton program TV kegemaran anak anda bersamanya. S/dia mungkin berasa selesa melakukan aktiviti lain mengikut masa.</a:t>
             </a:r>
             <a:endParaRPr>
               <a:solidFill>
@@ -6070,7 +6070,7 @@
               </a:defRPr>
             </a:pPr>
             <a:r>
-              <a:t>berikut:</a:t>
+              <a:t>perkara berikut:</a:t>
             </a:r>
             <a:endParaRPr>
               <a:solidFill>
@@ -6344,7 +6344,7 @@
             </a:r>
             <a:r>
               <a:rPr b="1"/>
-              <a:t>Ikhtisar </a:t>
+              <a:t>Gambaran Keseluruhan </a:t>
             </a:r>
             <a:endParaRPr b="1">
               <a:solidFill>
@@ -6376,7 +6376,7 @@
               </a:defRPr>
             </a:pPr>
             <a:r>
-              <a:t>Renungkan bersama ibu bapa tentang mana-mana bidang khusus Program Naungan Kasih yang memerlukan sokongan.</a:t>
+              <a:t>Renungkan bersama ibu bapa tentang mana-mana bahagian khusus Program Naungan Kasih yang memerlukan sokongan.</a:t>
             </a:r>
             <a:endParaRPr>
               <a:solidFill>
@@ -7197,7 +7197,7 @@
               </a:defRPr>
             </a:pPr>
             <a:r>
-              <a:t>Berkongsi pengalaman dan cabaran mereka di Kumpulan Sokongan WhatsApp.</a:t>
+              <a:t>Berkongsi pengalaman dan cabaran mereka di Kumpulan Sokongan WhatsApp. </a:t>
             </a:r>
             <a:endParaRPr>
               <a:solidFill>
@@ -7552,7 +7552,7 @@
               </a:defRPr>
             </a:pPr>
             <a:r>
-              <a:t>Mengalu-alukan setiap ibu bapa dengan mesra dan bersemangat apabila mereka tiba di sesi itu.</a:t>
+              <a:t>Mengalu-alukan setiap ibu bapa dengan mesra dan bersemangat apabila mereka tiba di sesi itu. </a:t>
             </a:r>
             <a:endParaRPr>
               <a:solidFill>
@@ -7580,7 +7580,7 @@
               </a:defRPr>
             </a:pPr>
             <a:r>
-              <a:t>Apabila anda memulakan sesi, puji kumpulan yang datang ke sesi dan tahniah kerana berjaya ke sesi kumpulan terakhir untuk Naungan Kasih!</a:t>
+              <a:t>Apabila anda memulakan sesi, puji kumpulan yang datang ke sesi dan ucapkan tahniah kerana berjaya ke sesi kumpulan terakhir untuk Naungan Kasih! </a:t>
             </a:r>
             <a:endParaRPr>
               <a:solidFill>
@@ -7612,7 +7612,7 @@
               </a:defRPr>
             </a:pPr>
             <a:r>
-              <a:t>Kongsi agenda untuk sesi penutup - sesi akan dimulakan dengan aktiviti seni kolaboratif, diikuti dengan cerita dan perbincangan untuk mengekalkan momentum. Pada akhir sesi, kami akan melakukan aktiviti kesedaran singkat dan menerima sijil kami. </a:t>
+              <a:t>Kongsi agenda untuk sesi penutup - sesi akan dimulakan dengan aktiviti seni kerjasama, diikuti dengan cerita dan perbincangan untuk mengekalkan momentum. Pada akhir sesi, kami akan melakukan aktiviti kesedaran singkat dan menerima sijil kami. </a:t>
             </a:r>
             <a:endParaRPr>
               <a:solidFill>
@@ -7746,7 +7746,7 @@
             </a:r>
             <a:r>
               <a:rPr b="1"/>
-              <a:t>Ikhtisar </a:t>
+              <a:t>Gambaran Keseluruhan </a:t>
             </a:r>
             <a:endParaRPr b="1">
               <a:solidFill>
@@ -7810,7 +7810,7 @@
               </a:defRPr>
             </a:pPr>
             <a:r>
-              <a:t>Gunakan teks di bawah sebagai panduan untuk memimpin ibu bapa dalam Berhenti seketika. </a:t>
+              <a:t>Gunakan teks di bawah sebagai panduan untuk memimpin ibu bapa dalam Berhenti Seketika. </a:t>
             </a:r>
             <a:endParaRPr>
               <a:solidFill>
@@ -7842,7 +7842,7 @@
               </a:defRPr>
             </a:pPr>
             <a:r>
-              <a:t>Anda harus berhenti seketika selama kira-kira 5 saat setiap kali [Pause] muncul dalam teks. Ia akan menjadi lebih bermakna jika anda Ambil Jeda pada masa yang sama.</a:t>
+              <a:t>Anda harus berhenti seketika selama kira-kira 5 saat setiap kali [Pause] muncul dalam teks. Ia akan menjadi lebih bermakna jika anda Berhenti Seketika pada masa yang sama.</a:t>
             </a:r>
             <a:endParaRPr>
               <a:solidFill>
@@ -8315,7 +8315,7 @@
               </a:defRPr>
             </a:pPr>
             <a:r>
-              <a:t>Jika anda perasan bahawa anda berasa sangat tertekan, anda mungkin ingin meyakinkan diri anda dengan berkata "Tidak mengapa. Apa-apa pun, saya okay.” [Pause]</a:t>
+              <a:t>Jika anda perasan bahawa anda berasa sangat tertekan, anda mungkin ingin meyakinkan diri anda dengan berkata "Tidak mengapa. Apa-apa pun, saya okey.” [Pause]</a:t>
             </a:r>
             <a:endParaRPr>
               <a:solidFill>
@@ -8440,7 +8440,7 @@
               </a:defRPr>
             </a:pPr>
             <a:r>
-              <a:t>Benarkan fokus anda meresap ke seluruh tubuh anda. [Pause]</a:t>
+              <a:t>Benarkan tumpuan anda meresap ke seluruh tubuh anda. [Pause]</a:t>
             </a:r>
             <a:endParaRPr>
               <a:solidFill>
@@ -8503,7 +8503,7 @@
               </a:defRPr>
             </a:pPr>
             <a:r>
-              <a:t>Langkah 5: Merenung Diri</a:t>
+              <a:t>Langkah 5: Renungan Diri</a:t>
             </a:r>
             <a:endParaRPr u="sng">
               <a:solidFill>
@@ -9352,7 +9352,7 @@
               </a:defRPr>
             </a:pPr>
             <a:r>
-              <a:t>Selepas refleksi, edarkan kertas dan krayon untuk Aktiviti Seni.</a:t>
+              <a:t>Selepas refleksi, edarkan kertas dan krayon untuk Aktiviti Seni. </a:t>
             </a:r>
             <a:endParaRPr>
               <a:solidFill>
@@ -9414,7 +9414,7 @@
               </a:defRPr>
             </a:pPr>
             <a:r>
-              <a:t>Bagaimanakah hubungan mereka dengan anak mereka sebelum program ini?</a:t>
+              <a:t> Bagaimanakah hubungan mereka dengan anak mereka sebelum program ini?</a:t>
             </a:r>
             <a:endParaRPr>
               <a:solidFill>
@@ -9652,7 +9652,7 @@
               </a:defRPr>
             </a:pPr>
             <a:r>
-              <a:t>Minta peserta berkongsi lukisan mereka dalam kumpulan yang lebih besar.</a:t>
+              <a:t>Minta peserta berkongsi lukisan mereka dalam kumpulan yang lebih besar. </a:t>
             </a:r>
             <a:endParaRPr>
               <a:solidFill>
@@ -9683,7 +9683,7 @@
               </a:defRPr>
             </a:pPr>
             <a:r>
-              <a:t>Selepas setiap peserta berkongsi, dia meletakkan gambarnya di tengah-tengah bulatan untuk menunjukkan visi komunal keibubapaan positif.</a:t>
+              <a:t>Selepas setiap peserta berkongsi, dia meletakkan gambarnya di tengah-tengah bulatan untuk menunjukkan visi kehidupan keibubapaan positif. </a:t>
             </a:r>
             <a:endParaRPr>
               <a:solidFill>
@@ -9871,7 +9871,7 @@
             </a:r>
             <a:r>
               <a:rPr b="1"/>
-              <a:t>Ikhtisar </a:t>
+              <a:t>Gambaran Keseluruhan </a:t>
             </a:r>
             <a:endParaRPr b="1">
               <a:solidFill>
@@ -9903,7 +9903,7 @@
               </a:defRPr>
             </a:pPr>
             <a:r>
-              <a:t>Pada ketika ini dalam sesi, tumpuan beralih ke masa hadapan. Pengakhiran program boleh menjadi masa yang sangat emosional untuk ibu bapa.</a:t>
+              <a:t>Pada ketika ini dalam sesi, tumpuan beralih ke masa hadapan. Pengakhiran program boleh menjadi masa yang sangat beremosi untuk ibu bapa.</a:t>
             </a:r>
             <a:endParaRPr>
               <a:solidFill>
@@ -9999,7 +9999,7 @@
               </a:defRPr>
             </a:pPr>
             <a:r>
-              <a:t>"Stone Soup" ialah cerita tentang pembinaan komuniti yang dikongsi dengan ibu bapa untuk membantu mereka menguasai kemahiran, pengetahuan dan kebijaksanaan mereka sendiri.</a:t>
+              <a:t>"Sup Batu" ialah cerita tentang pembinaan komuniti yang dikongsi dengan ibu bapa untuk membantu mereka menguasai kemahiran, pengetahuan dan kebijaksanaan mereka sendiri.</a:t>
             </a:r>
             <a:endParaRPr>
               <a:solidFill>
@@ -10583,7 +10583,7 @@
               </a:defRPr>
             </a:pPr>
             <a:r>
-              <a:t>Apabila dia perasan bahawa terdapat ramai orang berkumpul, dia berhenti mengacau dan menjamah sup berair itu. "Mmmmmmm... Ini akan menjadi sup yang paling lazat. Ia hanya kehilangan sesuatu. Kalaulah ada bawang...”</a:t>
+              <a:t>Apabila dia perasan bahawa terdapat ramai orang berkumpul, dia berhenti mengacau dan menjamah sup berair itu. "Mmmmmmm... Ini akan menjadi sup yang paling lazat. Ia seperti kurang sesuatu. Kalaulah ada bawang...”</a:t>
             </a:r>
             <a:endParaRPr i="1">
               <a:solidFill>
@@ -10615,7 +10615,7 @@
               </a:defRPr>
             </a:pPr>
             <a:r>
-              <a:t>Seorang wanita mempunyai beberapa bawang tua yang dia simpan. Mereka kecil dan berkedut tetapi masih sedap dimakan. "Saya mempunyai beberapa bawang," dia menawarkan. Dia mengambilnya dari rumahnya, memotongnya, dan menambahkannya ke dalam periuk menggelegak hitam yang besar.</a:t>
+              <a:t>Seorang wanita mempunyai beberapa bawang lama yang dia simpan. Mereka kecil dan berkedut tetapi masih sedap dimakan. "Saya mempunyai beberapa bawang," dia menawarkan. Dia mengambilnya dari rumahnya, memotongnya, dan menambahkan ke dalam periuk menggelegak hitam yang besar.</a:t>
             </a:r>
             <a:endParaRPr i="1">
               <a:solidFill>
@@ -10647,7 +10647,7 @@
               </a:defRPr>
             </a:pPr>
             <a:r>
-              <a:t>Selepas beberapa lama, perempuan tua itu menjamah sup itu semula. "Ya, sup ini akan menjadi sangat baik. Tapi ada yang hilang.... Kalaulah ada lagi....”</a:t>
+              <a:t>Selepas beberapa lama, perempuan tua itu menjamah sup itu semula. "Ya, sup ini akan menjadi sangat baik. Tapi ada yang kurang.... Kalaulah ada lagi....”</a:t>
             </a:r>
             <a:endParaRPr i="1">
               <a:solidFill>
@@ -10679,7 +10679,7 @@
               </a:defRPr>
             </a:pPr>
             <a:r>
-              <a:t>“Sayur-sayuran!” kata suara dari orang ramai, “Ia memerlukan lebih banyak sayur-sayuran. Saya ada bayam. Ia tidak banyak tetapi anda boleh menggunakannya.” Seorang lagi membawa sepasang kentang lama. Orang lain mempunyai kubis. Bawang putih lagi. Lobak merah. Labu. Garam. Ayam tua. Sedikit cili. Rempah-ratus.</a:t>
+              <a:t>“Sayur-sayuran!” kedengaran suara daripada orang ramai, “Ia memerlukan lebih banyak sayur-sayuran. Saya ada bayam. Ia tidak banyak tetapi anda boleh menggunakannya.” Seorang lagi membawa sepasang kentang lama. Orang lain mempunyai kubis. Bawang putih lagi. Lobak merah. Labu. Garam. Ayam tua. Sedikit cili. Rempah-ratus.</a:t>
             </a:r>
             <a:endParaRPr i="1">
               <a:solidFill>
@@ -13511,7 +13511,7 @@
             </a:r>
             <a:r>
               <a:rPr b="1"/>
-              <a:t>Ikhtisar </a:t>
+              <a:t>Gambaran Keseluruhan </a:t>
             </a:r>
             <a:endParaRPr b="1">
               <a:solidFill>
@@ -14820,7 +14820,7 @@
               </a:defRPr>
             </a:pPr>
             <a:r>
-              <a:t>Sesi Bersendiri </a:t>
+              <a:t>Sesi Bersemuka </a:t>
             </a:r>
             <a:endParaRPr b="1">
               <a:solidFill>
@@ -17039,7 +17039,7 @@
             </a:r>
             <a:r>
               <a:rPr b="1" sz="1200" u="sng"/>
-              <a:t>Memasuki ParentText (⏱️20 min)</a:t>
+              <a:t>Mendalami ParentText (⏱️20 min)</a:t>
             </a:r>
             <a:endParaRPr b="1" sz="1200" u="sng">
               <a:solidFill>
@@ -17163,7 +17163,7 @@
               </a:defRPr>
             </a:pPr>
             <a:r>
-              <a:t>Bawa mereka melalui langkah-langkah berikut dan balas sebarang soalan atau cabaran yang timbul. Pastikan semua orang telah menyelesaikan langkah sebelumnya sebelum beralih ke langkah seterusnya. </a:t>
+              <a:t>Bimbing mereka melalui langkah-langkah berikut dan balas sebarang soalan atau cabaran yang timbul. Pastikan semua orang telah menyelesaikan langkah sebelumnya sebelum beralih ke langkah seterusnya. </a:t>
             </a:r>
             <a:endParaRPr b="1">
               <a:solidFill>
@@ -26358,7 +26358,7 @@
             </a:r>
             <a:r>
               <a:rPr b="1"/>
-              <a:t>“Meluangkan Masa Bersama Seorang Dengan Seorang dengan Anak Saya”</a:t>
+              <a:t>“Meluangkan Masa Bersama Seorang Dengan Seorang bersama Anak Saya”</a:t>
             </a:r>
             <a:endParaRPr b="1" sz="1600">
               <a:solidFill>
@@ -26527,7 +26527,7 @@
               </a:defRPr>
             </a:pPr>
             <a:r>
-              <a:t>Meluangkan Masa Bersama Seorang Dengan Seorang dengan Anak Saya</a:t>
+              <a:t>Meluangkan Masa Bersama Seorang Dengan Seorang bersama Anak Saya</a:t>
             </a:r>
             <a:endParaRPr b="0" i="0" sz="1400" u="none" cap="none" strike="noStrike">
               <a:solidFill>
@@ -27005,7 +27005,7 @@
               <a:t>Farah</a:t>
             </a:r>
             <a:r>
-              <a:t>: Idea yang bagus, Mira! Saya nampak awak sedang mengeluarkan selendang kuning dengan jalur biru di atasnya. </a:t>
+              <a:t>: Idea yang bagus, Mira! Saya nampak kamu sedang mengeluarkan selendang kuning dengan jalur biru di atasnya. </a:t>
             </a:r>
           </a:p>
         </p:txBody>
@@ -27321,7 +27321,7 @@
               </a:defRPr>
             </a:pPr>
             <a:r>
-              <a:t>faedah daripada </a:t>
+              <a:t>faedah </a:t>
             </a:r>
             <a:endParaRPr b="1" sz="4000">
               <a:solidFill>
@@ -27831,7 +27831,7 @@
               </a:defRPr>
             </a:pPr>
             <a:r>
-              <a:t>Meluangkan Masa Bersama Seorang Dengan Seorang dengan Anak Saya</a:t>
+              <a:t>Meluangkan Masa Bersama Seorang Dengan Seorang bersama Anak Saya</a:t>
             </a:r>
             <a:endParaRPr b="0" i="0" sz="1400" u="none" cap="none" strike="noStrike">
               <a:solidFill>
@@ -27957,7 +27957,7 @@
               </a:defRPr>
             </a:pPr>
             <a:r>
-              <a:t>semasa Masa Bersama Seorang Dengan Seorang?</a:t>
+              <a:t>sewaktu Masa Bersama Seorang Dengan Seorang?</a:t>
             </a:r>
             <a:endParaRPr b="1" sz="3300">
               <a:solidFill>
@@ -28435,7 +28435,7 @@
               </a:defRPr>
             </a:pPr>
             <a:r>
-              <a:t>Meluangkan Masa Bersama Seorang Dengan Seorang dengan Anak Saya</a:t>
+              <a:t>Meluangkan Masa Bersama Seorang Dengan Seorang bersama Anak Saya</a:t>
             </a:r>
             <a:endParaRPr b="0" i="0" sz="1400" u="none" cap="none" strike="noStrike">
               <a:solidFill>
@@ -29037,7 +29037,7 @@
               </a:defRPr>
             </a:pPr>
             <a:r>
-              <a:t>Menghabiskan Masa Satu-satu dengan Anak Saya</a:t>
+              <a:t>Meluangkan Masa Bersama Seorang Dengan Seorang bersama Anak Saya</a:t>
             </a:r>
             <a:endParaRPr b="0" i="0" sz="1400" u="none" cap="none" strike="noStrike">
               <a:solidFill>
@@ -29104,7 +29104,7 @@
               </a:defRPr>
             </a:pPr>
             <a:r>
-              <a:t>Sediakan masa tertentu untuk meluangkan Masa Satu dengan Satu dengan anak anda setiap hari.</a:t>
+              <a:t>Sediakan masa tertentu untuk meluangkan Masa bersama Seorang dengan Seorang bersama anak anda setiap hari.</a:t>
             </a:r>
             <a:endParaRPr sz="1100">
               <a:solidFill>
@@ -29131,7 +29131,7 @@
               </a:defRPr>
             </a:pPr>
             <a:r>
-              <a:t>Matikan televisyen dan letakkan telefon pintar. </a:t>
+              <a:t>Matikan televisyen dan letakkan telefon pintar ke tepi. </a:t>
             </a:r>
             <a:endParaRPr sz="1100">
               <a:solidFill>
@@ -29158,7 +29158,7 @@
               </a:defRPr>
             </a:pPr>
             <a:r>
-              <a:t>Pilih masa apabila anda tidak mungkin diganggu. </a:t>
+              <a:t>Pilih masa ketika anda tidak mungkin diganggu. </a:t>
             </a:r>
             <a:endParaRPr sz="1100">
               <a:solidFill>
@@ -29328,7 +29328,7 @@
               </a:defRPr>
             </a:pPr>
             <a:r>
-              <a:t>S/dia mungkin berasa selesa melakukan aktiviti lain mengikut masa.</a:t>
+              <a:t>Dia mungkin berasa selesa melakukan aktiviti lain mengikut masa.</a:t>
             </a:r>
             <a:endParaRPr sz="1100">
               <a:solidFill>
@@ -29520,7 +29520,7 @@
             </a:r>
             <a:r>
               <a:rPr b="1"/>
-              <a:t>tonton</a:t>
+              <a:t>perhatikan</a:t>
             </a:r>
             <a:r>
               <a:t> mereka.</a:t>
@@ -29977,7 +29977,7 @@
               </a:defRPr>
             </a:pPr>
             <a:r>
-              <a:t>Menghabiskan Masa Satu-satu dengan Anak Saya</a:t>
+              <a:t>Meluangkan Masa Bersama Seorang Dengan Seorang bersama Anak Saya</a:t>
             </a:r>
             <a:endParaRPr b="0" i="0" sz="1400" u="none" cap="none" strike="noStrike">
               <a:solidFill>
@@ -30039,7 +30039,7 @@
               </a:defRPr>
             </a:pPr>
             <a:r>
-              <a:t>Aktiviti Rumah </a:t>
+              <a:t>Aktiviti di Rumah </a:t>
             </a:r>
             <a:endParaRPr b="0" i="0" sz="1700" u="none" cap="none" strike="noStrike">
               <a:solidFill>
@@ -30098,7 +30098,7 @@
               </a:defRPr>
             </a:pPr>
             <a:r>
-              <a:t>Luangkan sekurang-kurangnya 5 hingga 15 minit Masa Satu dengan Satu dengan anak anda setiap hari</a:t>
+              <a:t>Luangkan sekurang-kurangnya 5 hingga 15 minit Masa Seorang dengan Seorang bersama anak anda setiap hari</a:t>
             </a:r>
             <a:endParaRPr b="1" sz="1700">
               <a:solidFill>
@@ -30170,7 +30170,7 @@
                   <a:srgbClr val="0D3959"/>
                 </a:solidFill>
               </a:rPr>
-              <a:t> anda akan meluangkan Masa Bersama Seorang Dengan Seorang dengan anak anda?</a:t>
+              <a:t> anda akan meluangkan Masa Bersama Seorang Dengan Seorang bersama anak anda?</a:t>
             </a:r>
             <a:endParaRPr i="1" sz="1500">
               <a:solidFill>
@@ -32471,7 +32471,7 @@
               </a:defRPr>
             </a:pPr>
             <a:r>
-              <a:t>Meluangkan Masa Bersama Seorang Dengan Seorang dengan anak anda</a:t>
+              <a:t>Meluangkan Masa Bersama Seorang Dengan Seorang bersama anak anda</a:t>
             </a:r>
             <a:endParaRPr sz="1900">
               <a:solidFill>
@@ -37948,7 +37948,7 @@
             </a:r>
             <a:r>
               <a:rPr b="1"/>
-              <a:t>Asuhan </a:t>
+              <a:t>Keibubapaan </a:t>
             </a:r>
             <a:r>
               <a:t>termasuk semua penjaga yang bertanggungjawab untuk kesejahteraan anak anda. Pengasuh termasuk ibu bapa bukan kandung seperti ibu saudara, bapa saudara, adik beradik, sepupu, ibu bapa angkat.</a:t>
@@ -39614,7 +39614,7 @@
               </a:defRPr>
             </a:pPr>
             <a:r>
-              <a:t>Refleksi Ibu Bapa &amp; Sesi Penutup</a:t>
+              <a:t>Renungan Ibu Bapa &amp; Sesi Penutup</a:t>
             </a:r>
             <a:endParaRPr sz="1800"/>
           </a:p>
@@ -40881,7 +40881,7 @@
               </a:defRPr>
             </a:pPr>
             <a:r>
-              <a:t>Masuk ke ParentText</a:t>
+              <a:t>Mendalami ParentText</a:t>
             </a:r>
             <a:endParaRPr b="0" i="0" sz="1600" u="none" cap="none" strike="noStrike">
               <a:solidFill>

--- a/translations/facilitator_app_malaysia/ms/ms_in_person_sessions.pptx
+++ b/translations/facilitator_app_malaysia/ms/ms_in_person_sessions.pptx
@@ -3284,7 +3284,7 @@
               </a:defRPr>
             </a:pPr>
             <a:r>
-              <a:t>Tunjukkan kepada anak anda bahawa anda hadir dan fokus pada apa yang dilakukan oleh kanak-kanak itu.</a:t>
+              <a:t>Tunjukkan kepada anak anda bahawa anda hadir dan memberi tumpuan pada apa yang dilakukan oleh kanak-kanak itu.</a:t>
             </a:r>
             <a:endParaRPr>
               <a:solidFill>
@@ -8835,7 +8835,7 @@
               </a:defRPr>
             </a:pPr>
             <a:r>
-              <a:t>Memperbaiki Hubungan Saya dengan Anak Saya: Kami mulakan dengan memberi fokus terhadap memperbaiki hubungan kami dengan anak-anak kami dengan meluangkan masa bersama seorang dengan seorang, memberi pujian, bercakap tentang perasaan dan nilai kami.</a:t>
+              <a:t>Memperbaiki Hubungan Saya dengan Anak Saya: Kami mulakan dengan memberi tumpuan terhadap memperbaiki hubungan kami dengan anak-anak kami dengan meluangkan masa bersama seorang dengan seorang, memberi pujian, bercakap tentang perasaan dan nilai kami.</a:t>
             </a:r>
             <a:endParaRPr>
               <a:solidFill>
@@ -10711,7 +10711,7 @@
               </a:defRPr>
             </a:pPr>
             <a:r>
-              <a:t>[At this point, the storyteller can ask people for suggestions as to what to put in the soup]</a:t>
+              <a:t>[Pada ketika ini, pencerita boleh meminta cadangan orang lain untuk memasukkan bahan apa dalam sup]</a:t>
             </a:r>
             <a:endParaRPr i="1">
               <a:solidFill>
@@ -11254,7 +11254,7 @@
               <a:t>📱</a:t>
             </a:r>
             <a:r>
-              <a:t>Untuk kumpulan Sokongan WhatsApp yang diterajui ibu bapa, adalah penting untuk mengenal pasti perkara berikut:</a:t>
+              <a:t>Untuk kumpulan Sokongan WhatsApp yang diterajui ibu bapa, adalah penting untuk mengenal pasti perkara berikut: </a:t>
             </a:r>
             <a:endParaRPr>
               <a:solidFill>
@@ -11285,7 +11285,7 @@
               </a:defRPr>
             </a:pPr>
             <a:r>
-              <a:t>Dua moderator kumpulan rakan sebaya untuk mengetuai Kumpulan Sokongan WhatsApp</a:t>
+              <a:t>Dua moderator kumpulan rakan sebaya untuk mengetuai Kumpulan Sokongan WhatsApp </a:t>
             </a:r>
             <a:endParaRPr>
               <a:solidFill>
@@ -11347,7 +11347,7 @@
               </a:defRPr>
             </a:pPr>
             <a:r>
-              <a:t>Anda telah membuat panggilan bimbingan dengan kedua-dua moderator untuk menjawab sebarang soalan.</a:t>
+              <a:t>Anda telah membuat panggilan bimbingan dengan kedua-dua moderator untuk menjawab sebarang soalan. </a:t>
             </a:r>
             <a:endParaRPr>
               <a:solidFill>
@@ -11409,7 +11409,7 @@
               </a:defRPr>
             </a:pPr>
             <a:r>
-              <a:t>Memperkukuh peraturan asas untuk Kumpulan Sokongan WhatsApp.</a:t>
+              <a:t>Memperkukuh peraturan asas untuk Kumpulan Sokongan WhatsApp.  </a:t>
             </a:r>
             <a:endParaRPr>
               <a:solidFill>
@@ -12483,7 +12483,7 @@
               </a:defRPr>
             </a:pPr>
             <a:r>
-              <a:t>Langkah 3: Terbuka pada sifat Kasih Sayang</a:t>
+              <a:t>Langkah 3: Terbuka pada sifat Kebaikan Kasih Sayang</a:t>
             </a:r>
             <a:endParaRPr u="sng">
               <a:solidFill>
@@ -12991,7 +12991,7 @@
               </a:defRPr>
             </a:pPr>
             <a:r>
-              <a:t>Benarkan fokus anda meluas ke seluruh badan. [Pause]</a:t>
+              <a:t>Benarkan tumpuan anda meluas ke seluruh badan. [Pause]</a:t>
             </a:r>
             <a:endParaRPr>
               <a:solidFill>
@@ -13022,7 +13022,7 @@
               </a:defRPr>
             </a:pPr>
             <a:r>
-              <a:t>Benarkan fokus anda berkembang kepada bunyi di dalam bilik. [Pause]</a:t>
+              <a:t>Benarkan tumpuan anda berkembang kepada bunyi di dalam bilik. [Pause]</a:t>
             </a:r>
             <a:endParaRPr>
               <a:solidFill>
@@ -13085,7 +13085,7 @@
               </a:defRPr>
             </a:pPr>
             <a:r>
-              <a:t>Langkah 5: Refleksi</a:t>
+              <a:t>Langkah 5: Renungan</a:t>
             </a:r>
             <a:endParaRPr u="sng">
               <a:solidFill>
@@ -13147,7 +13147,7 @@
               </a:defRPr>
             </a:pPr>
             <a:r>
-              <a:t>Apabila anda sudah bersedia buka mata anda semula. [Pause]</a:t>
+              <a:t>Apabila anda sudah bersedia, buka mata anda semula. [Pause]</a:t>
             </a:r>
             <a:endParaRPr>
               <a:solidFill>
@@ -13951,7 +13951,7 @@
               </a:defRPr>
             </a:pPr>
             <a:r>
-              <a:t>Terima kasih dan puji ibu bapa atas komitmen mereka untuk menyayangi dan mengasuh anak-anak mereka!</a:t>
+              <a:t>Berterima kasih dan puji ibu bapa atas komitmen mereka kerana menyayangi dan mengasuh anak-anak mereka!</a:t>
             </a:r>
           </a:p>
         </p:txBody>

--- a/translations/facilitator_app_malaysia/ms/ms_in_person_sessions.pptx
+++ b/translations/facilitator_app_malaysia/ms/ms_in_person_sessions.pptx
@@ -30410,7 +30410,7 @@
               </a:defRPr>
             </a:pPr>
             <a:r>
-              <a:t>Renungan</a:t>
+              <a:t>Refleksi</a:t>
             </a:r>
             <a:endParaRPr b="0" i="0" sz="1700" u="none" cap="none" strike="noStrike">
               <a:solidFill>

--- a/translations/facilitator_app_malaysia/ms/ms_in_person_sessions.pptx
+++ b/translations/facilitator_app_malaysia/ms/ms_in_person_sessions.pptx
@@ -39614,7 +39614,7 @@
               </a:defRPr>
             </a:pPr>
             <a:r>
-              <a:t>Renungan Ibu Bapa &amp; Sesi Penutup</a:t>
+              <a:t>Refleksi Ibu Bapa &amp; Sesi Penutup</a:t>
             </a:r>
             <a:endParaRPr sz="1800"/>
           </a:p>
